--- a/translations/en-us/beginner/Loops.pptx
+++ b/translations/en-us/beginner/Loops.pptx
@@ -118,7 +118,7 @@
   </p:defaultTextStyle>
   <p:extLst>
     <p:ext uri="{EFAFB233-063F-42B5-8137-9DF3F51BA10A}">
-      <p15:sldGuideLst xmlns:p15="http://schemas.microsoft.com/office/powerpoint/2012/main" xmlns="">
+      <p15:sldGuideLst xmlns:p15="http://schemas.microsoft.com/office/powerpoint/2012/main">
         <p15:guide id="1" orient="horz" pos="2160">
           <p15:clr>
             <a:srgbClr val="A4A3A4"/>
@@ -217,7 +217,7 @@
           <a:p>
             <a:fld id="{F8D9B3D7-15CB-9343-AA49-EFB5A8F33F18}" type="datetimeFigureOut">
               <a:rPr lang="en-US" smtClean="0"/>
-              <a:t>2/27/15</a:t>
+              <a:t>11/14/15</a:t>
             </a:fld>
             <a:endParaRPr lang="en-US"/>
           </a:p>
@@ -383,7 +383,7 @@
           <a:p>
             <a:fld id="{FD3EFF1E-85A1-6640-AFB9-C38833E80A84}" type="datetimeFigureOut">
               <a:rPr lang="en-US" smtClean="0"/>
-              <a:t>2/27/15</a:t>
+              <a:t>11/14/15</a:t>
             </a:fld>
             <a:endParaRPr lang="en-US"/>
           </a:p>
@@ -929,7 +929,7 @@
           <a:p>
             <a:fld id="{3B26ED2C-AB69-4639-85D4-4F22D3C5AB23}" type="datetime1">
               <a:rPr lang="en-US" smtClean="0"/>
-              <a:t>2/27/15</a:t>
+              <a:t>11/14/15</a:t>
             </a:fld>
             <a:endParaRPr lang="en-US"/>
           </a:p>
@@ -1246,7 +1246,7 @@
           <a:p>
             <a:fld id="{A23263E2-955F-4ADA-850C-47477F514446}" type="datetime1">
               <a:rPr lang="en-US" smtClean="0"/>
-              <a:t>2/27/15</a:t>
+              <a:t>11/14/15</a:t>
             </a:fld>
             <a:endParaRPr lang="en-US"/>
           </a:p>
@@ -1425,7 +1425,7 @@
           <a:p>
             <a:fld id="{0D917BEC-9254-4D86-AFC8-A5E86CA83672}" type="datetime1">
               <a:rPr lang="en-US" smtClean="0"/>
-              <a:t>2/27/15</a:t>
+              <a:t>11/14/15</a:t>
             </a:fld>
             <a:endParaRPr lang="en-US"/>
           </a:p>
@@ -1604,7 +1604,7 @@
           <a:p>
             <a:fld id="{4A321047-43D6-4172-B18C-66077035C21E}" type="datetime1">
               <a:rPr lang="en-US" smtClean="0"/>
-              <a:t>2/27/15</a:t>
+              <a:t>11/14/15</a:t>
             </a:fld>
             <a:endParaRPr lang="en-US"/>
           </a:p>
@@ -1862,7 +1862,7 @@
           <a:p>
             <a:fld id="{6C4FE498-A8BA-402A-B8AE-265D5E7A80E2}" type="datetime1">
               <a:rPr lang="en-US" smtClean="0"/>
-              <a:t>2/27/15</a:t>
+              <a:t>11/14/15</a:t>
             </a:fld>
             <a:endParaRPr lang="en-US"/>
           </a:p>
@@ -2154,7 +2154,7 @@
           <a:p>
             <a:fld id="{8415EFD0-F26F-4B6A-8703-6BB3C49D1CF7}" type="datetime1">
               <a:rPr lang="en-US" smtClean="0"/>
-              <a:t>2/27/15</a:t>
+              <a:t>11/14/15</a:t>
             </a:fld>
             <a:endParaRPr lang="en-US"/>
           </a:p>
@@ -2597,7 +2597,7 @@
           <a:p>
             <a:fld id="{5E5173FA-4A4D-4536-B587-FE364F00D348}" type="datetime1">
               <a:rPr lang="en-US" smtClean="0"/>
-              <a:t>2/27/15</a:t>
+              <a:t>11/14/15</a:t>
             </a:fld>
             <a:endParaRPr lang="en-US"/>
           </a:p>
@@ -2714,7 +2714,7 @@
           <a:p>
             <a:fld id="{8945BA6B-FBFA-4B1A-8029-13B7ABDAE36F}" type="datetime1">
               <a:rPr lang="en-US" smtClean="0"/>
-              <a:t>2/27/15</a:t>
+              <a:t>11/14/15</a:t>
             </a:fld>
             <a:endParaRPr lang="en-US"/>
           </a:p>
@@ -2808,7 +2808,7 @@
           <a:p>
             <a:fld id="{C9929EA6-3AA3-4A80-A881-6903ACA21B4A}" type="datetime1">
               <a:rPr lang="en-US" smtClean="0"/>
-              <a:t>2/27/15</a:t>
+              <a:t>11/14/15</a:t>
             </a:fld>
             <a:endParaRPr lang="en-US"/>
           </a:p>
@@ -3054,7 +3054,7 @@
           <a:p>
             <a:fld id="{D839DF9D-E7CC-4F82-990A-344000B642E3}" type="datetime1">
               <a:rPr lang="en-US" smtClean="0"/>
-              <a:t>2/27/15</a:t>
+              <a:t>11/14/15</a:t>
             </a:fld>
             <a:endParaRPr lang="en-US"/>
           </a:p>
@@ -3352,7 +3352,7 @@
           <a:p>
             <a:fld id="{7400BFCA-853B-4591-AE9A-E05186331CE2}" type="datetime1">
               <a:rPr lang="en-US" smtClean="0"/>
-              <a:t>2/27/15</a:t>
+              <a:t>11/14/15</a:t>
             </a:fld>
             <a:endParaRPr lang="en-US"/>
           </a:p>
@@ -3650,7 +3650,7 @@
           <a:p>
             <a:fld id="{6C6C0C8C-DDD7-4F58-A33D-9511EFC16315}" type="datetime1">
               <a:rPr lang="en-US" smtClean="0"/>
-              <a:t>2/27/15</a:t>
+              <a:t>11/14/15</a:t>
             </a:fld>
             <a:endParaRPr lang="en-US"/>
           </a:p>
@@ -4252,36 +4252,6 @@
           </a:p>
         </p:txBody>
       </p:sp>
-      <p:pic>
-        <p:nvPicPr>
-          <p:cNvPr id="3" name="Picture 2" descr="Droidslogo2.png"/>
-          <p:cNvPicPr>
-            <a:picLocks noChangeAspect="1"/>
-          </p:cNvPicPr>
-          <p:nvPr/>
-        </p:nvPicPr>
-        <p:blipFill>
-          <a:blip r:embed="rId3">
-            <a:extLst>
-              <a:ext uri="{28A0092B-C50C-407E-A947-70E740481C1C}">
-                <a14:useLocalDpi xmlns:a14="http://schemas.microsoft.com/office/drawing/2010/main" val="0"/>
-              </a:ext>
-            </a:extLst>
-          </a:blip>
-          <a:stretch>
-            <a:fillRect/>
-          </a:stretch>
-        </p:blipFill>
-        <p:spPr>
-          <a:xfrm>
-            <a:off x="402306" y="5456830"/>
-            <a:ext cx="1085195" cy="1085195"/>
-          </a:xfrm>
-          <a:prstGeom prst="rect">
-            <a:avLst/>
-          </a:prstGeom>
-        </p:spPr>
-      </p:pic>
       <p:sp>
         <p:nvSpPr>
           <p:cNvPr id="4" name="TextBox 3"/>
@@ -4350,7 +4320,7 @@
           <p:nvPr/>
         </p:nvPicPr>
         <p:blipFill>
-          <a:blip r:embed="rId4">
+          <a:blip r:embed="rId3">
             <a:extLst>
               <a:ext uri="{28A0092B-C50C-407E-A947-70E740481C1C}">
                 <a14:useLocalDpi xmlns:a14="http://schemas.microsoft.com/office/drawing/2010/main" val="0"/>
@@ -4373,13 +4343,43 @@
           <a:noFill/>
           <a:extLst>
             <a:ext uri="{909E8E84-426E-40dd-AFC4-6F175D3DCCD1}">
-              <a14:hiddenFill xmlns:a14="http://schemas.microsoft.com/office/drawing/2010/main">
+              <a14:hiddenFill xmlns:a14="http://schemas.microsoft.com/office/drawing/2010/main" xmlns="">
                 <a:solidFill>
                   <a:srgbClr val="FFFFFF"/>
                 </a:solidFill>
               </a14:hiddenFill>
             </a:ext>
           </a:extLst>
+        </p:spPr>
+      </p:pic>
+      <p:pic>
+        <p:nvPicPr>
+          <p:cNvPr id="5" name="Picture 4"/>
+          <p:cNvPicPr>
+            <a:picLocks noChangeAspect="1"/>
+          </p:cNvPicPr>
+          <p:nvPr/>
+        </p:nvPicPr>
+        <p:blipFill>
+          <a:blip r:embed="rId4">
+            <a:extLst>
+              <a:ext uri="{28A0092B-C50C-407E-A947-70E740481C1C}">
+                <a14:useLocalDpi xmlns:a14="http://schemas.microsoft.com/office/drawing/2010/main" val="0"/>
+              </a:ext>
+            </a:extLst>
+          </a:blip>
+          <a:stretch>
+            <a:fillRect/>
+          </a:stretch>
+        </p:blipFill>
+        <p:spPr>
+          <a:xfrm>
+            <a:off x="236628" y="5171090"/>
+            <a:ext cx="1250873" cy="1196669"/>
+          </a:xfrm>
+          <a:prstGeom prst="rect">
+            <a:avLst/>
+          </a:prstGeom>
         </p:spPr>
       </p:pic>
     </p:spTree>
@@ -4395,7 +4395,7 @@
   <p:timing>
     <p:tnLst>
       <p:par>
-        <p:cTn xmlns:p14="http://schemas.microsoft.com/office/powerpoint/2010/main" id="1" dur="indefinite" restart="never" nodeType="tmRoot"/>
+        <p:cTn id="1" dur="indefinite" restart="never" nodeType="tmRoot"/>
       </p:par>
     </p:tnLst>
   </p:timing>
@@ -5200,7 +5200,7 @@
   <p:timing>
     <p:tnLst>
       <p:par>
-        <p:cTn xmlns:p14="http://schemas.microsoft.com/office/powerpoint/2010/main" id="1" dur="indefinite" restart="never" nodeType="tmRoot"/>
+        <p:cTn id="1" dur="indefinite" restart="never" nodeType="tmRoot"/>
       </p:par>
     </p:tnLst>
   </p:timing>
@@ -5526,7 +5526,7 @@
   <p:timing>
     <p:tnLst>
       <p:par>
-        <p:cTn xmlns:p14="http://schemas.microsoft.com/office/powerpoint/2010/main" id="1" dur="indefinite" restart="never" nodeType="tmRoot"/>
+        <p:cTn id="1" dur="indefinite" restart="never" nodeType="tmRoot"/>
       </p:par>
     </p:tnLst>
   </p:timing>
@@ -6325,7 +6325,7 @@
           <a:effectLst/>
           <a:extLst>
             <a:ext uri="{91240B29-F687-4f45-9708-019B960494DF}">
-              <a14:hiddenLine xmlns:a14="http://schemas.microsoft.com/office/drawing/2010/main" w="9525">
+              <a14:hiddenLine xmlns:a14="http://schemas.microsoft.com/office/drawing/2010/main" xmlns="" w="9525">
                 <a:solidFill>
                   <a:schemeClr val="tx1"/>
                 </a:solidFill>
@@ -6335,7 +6335,7 @@
               </a14:hiddenLine>
             </a:ext>
             <a:ext uri="{AF507438-7753-43e0-B8FC-AC1667EBCBE1}">
-              <a14:hiddenEffects xmlns:a14="http://schemas.microsoft.com/office/drawing/2010/main">
+              <a14:hiddenEffects xmlns:a14="http://schemas.microsoft.com/office/drawing/2010/main" xmlns="">
                 <a:effectLst>
                   <a:outerShdw dist="35921" dir="2700000" algn="ctr" rotWithShape="0">
                     <a:schemeClr val="bg2"/>
@@ -6688,7 +6688,7 @@
           <a:noFill/>
           <a:extLst>
             <a:ext uri="{909E8E84-426E-40dd-AFC4-6F175D3DCCD1}">
-              <a14:hiddenFill xmlns:a14="http://schemas.microsoft.com/office/drawing/2010/main">
+              <a14:hiddenFill xmlns:a14="http://schemas.microsoft.com/office/drawing/2010/main" xmlns="">
                 <a:solidFill>
                   <a:srgbClr val="FFFFFF"/>
                 </a:solidFill>
@@ -6733,7 +6733,7 @@
   <p:timing>
     <p:tnLst>
       <p:par>
-        <p:cTn xmlns:p14="http://schemas.microsoft.com/office/powerpoint/2010/main" id="1" dur="indefinite" restart="never" nodeType="tmRoot"/>
+        <p:cTn id="1" dur="indefinite" restart="never" nodeType="tmRoot"/>
       </p:par>
     </p:tnLst>
   </p:timing>

--- a/translations/en-us/beginner/Loops.pptx
+++ b/translations/en-us/beginner/Loops.pptx
@@ -2,22 +2,23 @@
 <file path=ppt/presentation.xml><?xml version="1.0" encoding="utf-8"?>
 <p:presentation xmlns:a="http://schemas.openxmlformats.org/drawingml/2006/main" xmlns:r="http://schemas.openxmlformats.org/officeDocument/2006/relationships" xmlns:p="http://schemas.openxmlformats.org/presentationml/2006/main" showSpecialPlsOnTitleSld="0" saveSubsetFonts="1" autoCompressPictures="0">
   <p:sldMasterIdLst>
-    <p:sldMasterId id="2147483714" r:id="rId1"/>
+    <p:sldMasterId id="2147483726" r:id="rId1"/>
+    <p:sldMasterId id="2147483738" r:id="rId2"/>
   </p:sldMasterIdLst>
   <p:notesMasterIdLst>
-    <p:notesMasterId r:id="rId9"/>
+    <p:notesMasterId r:id="rId10"/>
   </p:notesMasterIdLst>
   <p:handoutMasterIdLst>
-    <p:handoutMasterId r:id="rId10"/>
+    <p:handoutMasterId r:id="rId11"/>
   </p:handoutMasterIdLst>
   <p:sldIdLst>
-    <p:sldId id="403" r:id="rId2"/>
-    <p:sldId id="407" r:id="rId3"/>
-    <p:sldId id="278" r:id="rId4"/>
-    <p:sldId id="306" r:id="rId5"/>
-    <p:sldId id="405" r:id="rId6"/>
-    <p:sldId id="406" r:id="rId7"/>
-    <p:sldId id="404" r:id="rId8"/>
+    <p:sldId id="408" r:id="rId3"/>
+    <p:sldId id="407" r:id="rId4"/>
+    <p:sldId id="278" r:id="rId5"/>
+    <p:sldId id="306" r:id="rId6"/>
+    <p:sldId id="405" r:id="rId7"/>
+    <p:sldId id="406" r:id="rId8"/>
+    <p:sldId id="404" r:id="rId9"/>
   </p:sldIdLst>
   <p:sldSz cx="9144000" cy="6858000" type="screen4x3"/>
   <p:notesSz cx="6858000" cy="9144000"/>
@@ -217,7 +218,7 @@
           <a:p>
             <a:fld id="{F8D9B3D7-15CB-9343-AA49-EFB5A8F33F18}" type="datetimeFigureOut">
               <a:rPr lang="en-US" smtClean="0"/>
-              <a:t>11/14/15</a:t>
+              <a:t>7/4/16</a:t>
             </a:fld>
             <a:endParaRPr lang="en-US"/>
           </a:p>
@@ -383,7 +384,7 @@
           <a:p>
             <a:fld id="{FD3EFF1E-85A1-6640-AFB9-C38833E80A84}" type="datetimeFigureOut">
               <a:rPr lang="en-US" smtClean="0"/>
-              <a:t>11/14/15</a:t>
+              <a:t>7/4/16</a:t>
             </a:fld>
             <a:endParaRPr lang="en-US"/>
           </a:p>
@@ -726,7 +727,7 @@
     </p:spTree>
     <p:extLst>
       <p:ext uri="{BB962C8B-B14F-4D97-AF65-F5344CB8AC3E}">
-        <p14:creationId xmlns:p14="http://schemas.microsoft.com/office/powerpoint/2010/main" val="4203131312"/>
+        <p14:creationId xmlns:p14="http://schemas.microsoft.com/office/powerpoint/2010/main" val="1188062092"/>
       </p:ext>
     </p:extLst>
   </p:cSld>
@@ -737,7 +738,7 @@
 </file>
 
 <file path=ppt/slideLayouts/slideLayout1.xml><?xml version="1.0" encoding="utf-8"?>
-<p:sldLayout xmlns:a="http://schemas.openxmlformats.org/drawingml/2006/main" xmlns:r="http://schemas.openxmlformats.org/officeDocument/2006/relationships" xmlns:p="http://schemas.openxmlformats.org/presentationml/2006/main" showMasterSp="0" type="title" preserve="1">
+<p:sldLayout xmlns:a="http://schemas.openxmlformats.org/drawingml/2006/main" xmlns:r="http://schemas.openxmlformats.org/officeDocument/2006/relationships" xmlns:p="http://schemas.openxmlformats.org/presentationml/2006/main" showMasterSp="0" preserve="1">
   <p:cSld name="Title Slide">
     <p:spTree>
       <p:nvGrpSpPr>
@@ -755,67 +756,26 @@
       </p:grpSpPr>
       <p:sp>
         <p:nvSpPr>
-          <p:cNvPr id="2" name="Title 1"/>
-          <p:cNvSpPr>
-            <a:spLocks noGrp="1"/>
-          </p:cNvSpPr>
-          <p:nvPr>
-            <p:ph type="ctrTitle"/>
+          <p:cNvPr id="3" name="Subtitle 2"/>
+          <p:cNvSpPr>
+            <a:spLocks noGrp="1"/>
+          </p:cNvSpPr>
+          <p:nvPr>
+            <p:ph type="subTitle" idx="1"/>
           </p:nvPr>
         </p:nvSpPr>
         <p:spPr>
           <a:xfrm>
-            <a:off x="457200" y="228600"/>
-            <a:ext cx="7772400" cy="4571999"/>
-          </a:xfrm>
-        </p:spPr>
-        <p:txBody>
-          <a:bodyPr anchor="ctr">
-            <a:noAutofit/>
-          </a:bodyPr>
+            <a:off x="1132517" y="3427224"/>
+            <a:ext cx="6858000" cy="914400"/>
+          </a:xfrm>
+        </p:spPr>
+        <p:txBody>
+          <a:bodyPr/>
           <a:lstStyle>
-            <a:lvl1pPr>
-              <a:lnSpc>
-                <a:spcPct val="100000"/>
-              </a:lnSpc>
-              <a:defRPr sz="8800" spc="-80" baseline="0">
-                <a:solidFill>
-                  <a:schemeClr val="tx1"/>
-                </a:solidFill>
-              </a:defRPr>
-            </a:lvl1pPr>
-          </a:lstStyle>
-          <a:p>
-            <a:r>
-              <a:rPr lang="en-US" smtClean="0"/>
-              <a:t>Click to edit Master title style</a:t>
-            </a:r>
-            <a:endParaRPr lang="en-US" dirty="0"/>
-          </a:p>
-        </p:txBody>
-      </p:sp>
-      <p:sp>
-        <p:nvSpPr>
-          <p:cNvPr id="3" name="Subtitle 2"/>
-          <p:cNvSpPr>
-            <a:spLocks noGrp="1"/>
-          </p:cNvSpPr>
-          <p:nvPr>
-            <p:ph type="subTitle" idx="1"/>
-          </p:nvPr>
-        </p:nvSpPr>
-        <p:spPr>
-          <a:xfrm>
-            <a:off x="457200" y="4800600"/>
-            <a:ext cx="6858000" cy="914400"/>
-          </a:xfrm>
-        </p:spPr>
-        <p:txBody>
-          <a:bodyPr/>
-          <a:lstStyle>
-            <a:lvl1pPr marL="0" indent="0" algn="l">
-              <a:buNone/>
-              <a:defRPr b="0" cap="all" spc="120" baseline="0">
+            <a:lvl1pPr marL="0" indent="0" algn="ctr">
+              <a:buNone/>
+              <a:defRPr b="0" cap="none" spc="120" baseline="0">
                 <a:solidFill>
                   <a:schemeClr val="tx2"/>
                 </a:solidFill>
@@ -927,9 +887,9 @@
           <a:bodyPr/>
           <a:lstStyle/>
           <a:p>
-            <a:fld id="{3B26ED2C-AB69-4639-85D4-4F22D3C5AB23}" type="datetime1">
-              <a:rPr lang="en-US" smtClean="0"/>
-              <a:t>11/14/15</a:t>
+            <a:fld id="{B41DCFFF-3180-B14B-B5E5-26BA2D43A538}" type="datetime1">
+              <a:rPr lang="en-US" smtClean="0"/>
+              <a:t>7/4/16</a:t>
             </a:fld>
             <a:endParaRPr lang="en-US"/>
           </a:p>
@@ -943,36 +903,44 @@
           </p:cNvSpPr>
           <p:nvPr>
             <p:ph type="ftr" sz="quarter" idx="11"/>
-          </p:nvPr>
-        </p:nvSpPr>
-        <p:spPr/>
-        <p:txBody>
-          <a:bodyPr/>
-          <a:lstStyle/>
-          <a:p>
-            <a:r>
-              <a:rPr lang="en-US" smtClean="0"/>
-              <a:t>© EV3Lessons.com, 2015, (Last edit: 2/26/2015)</a:t>
-            </a:r>
-            <a:endParaRPr lang="en-US"/>
-          </a:p>
-        </p:txBody>
-      </p:sp>
-      <p:sp>
-        <p:nvSpPr>
-          <p:cNvPr id="6" name="Slide Number Placeholder 5"/>
-          <p:cNvSpPr>
-            <a:spLocks noGrp="1"/>
-          </p:cNvSpPr>
-          <p:nvPr>
-            <p:ph type="sldNum" sz="quarter" idx="12"/>
           </p:nvPr>
         </p:nvSpPr>
         <p:spPr>
           <a:xfrm>
-            <a:off x="8338268" y="6477001"/>
-            <a:ext cx="574937" cy="283931"/>
-          </a:xfrm>
+            <a:off x="457200" y="6492875"/>
+            <a:ext cx="3945988" cy="282095"/>
+          </a:xfrm>
+        </p:spPr>
+        <p:txBody>
+          <a:bodyPr/>
+          <a:lstStyle/>
+          <a:p>
+            <a:r>
+              <a:rPr lang="en-US" smtClean="0"/>
+              <a:t>© EV3Lessons.com, 2016, (Last edit: 7/04/2016)</a:t>
+            </a:r>
+            <a:endParaRPr lang="en-US"/>
+          </a:p>
+        </p:txBody>
+      </p:sp>
+      <p:sp>
+        <p:nvSpPr>
+          <p:cNvPr id="6" name="Slide Number Placeholder 5"/>
+          <p:cNvSpPr>
+            <a:spLocks noGrp="1"/>
+          </p:cNvSpPr>
+          <p:nvPr>
+            <p:ph type="sldNum" sz="quarter" idx="12"/>
+          </p:nvPr>
+        </p:nvSpPr>
+        <p:spPr>
+          <a:xfrm>
+            <a:off x="8484242" y="6341733"/>
+            <a:ext cx="588319" cy="365125"/>
+          </a:xfrm>
+          <a:prstGeom prst="rect">
+            <a:avLst/>
+          </a:prstGeom>
         </p:spPr>
         <p:txBody>
           <a:bodyPr/>
@@ -998,11 +966,11 @@
         <p:nvSpPr>
           <p:cNvPr id="11" name="Rectangle 10"/>
           <p:cNvSpPr/>
-          <p:nvPr userDrawn="1"/>
+          <p:nvPr/>
         </p:nvSpPr>
         <p:spPr>
           <a:xfrm>
-            <a:off x="9004705" y="2895600"/>
+            <a:off x="8996106" y="2895600"/>
             <a:ext cx="147895" cy="3962400"/>
           </a:xfrm>
           <a:prstGeom prst="rect">
@@ -1031,23 +999,16 @@
             <a:schemeClr val="lt1"/>
           </a:fontRef>
         </p:style>
-        <p:txBody>
-          <a:bodyPr/>
-          <a:lstStyle/>
-          <a:p>
-            <a:endParaRPr lang="en-US"/>
-          </a:p>
-        </p:txBody>
       </p:sp>
       <p:sp>
         <p:nvSpPr>
           <p:cNvPr id="12" name="Rectangle 11"/>
           <p:cNvSpPr/>
-          <p:nvPr userDrawn="1"/>
+          <p:nvPr/>
         </p:nvSpPr>
         <p:spPr>
           <a:xfrm>
-            <a:off x="8967641" y="0"/>
+            <a:off x="8959042" y="0"/>
             <a:ext cx="184958" cy="2895600"/>
           </a:xfrm>
           <a:prstGeom prst="rect">
@@ -1076,23 +1037,16 @@
             <a:schemeClr val="lt1"/>
           </a:fontRef>
         </p:style>
-        <p:txBody>
-          <a:bodyPr/>
-          <a:lstStyle/>
-          <a:p>
-            <a:endParaRPr lang="en-US"/>
-          </a:p>
-        </p:txBody>
       </p:sp>
       <p:sp>
         <p:nvSpPr>
           <p:cNvPr id="13" name="Rectangle 12"/>
           <p:cNvSpPr/>
-          <p:nvPr userDrawn="1"/>
+          <p:nvPr/>
         </p:nvSpPr>
         <p:spPr>
           <a:xfrm>
-            <a:off x="8931737" y="0"/>
+            <a:off x="8904666" y="0"/>
             <a:ext cx="91440" cy="6858000"/>
           </a:xfrm>
           <a:prstGeom prst="rect">
@@ -1121,6 +1075,245 @@
             <a:schemeClr val="lt1"/>
           </a:fontRef>
         </p:style>
+      </p:sp>
+      <p:pic>
+        <p:nvPicPr>
+          <p:cNvPr id="10" name="Picture 2" descr="EV3Lessons.com"/>
+          <p:cNvPicPr>
+            <a:picLocks noChangeAspect="1" noChangeArrowheads="1"/>
+          </p:cNvPicPr>
+          <p:nvPr/>
+        </p:nvPicPr>
+        <p:blipFill>
+          <a:blip r:embed="rId2">
+            <a:extLst>
+              <a:ext uri="{28A0092B-C50C-407E-A947-70E740481C1C}">
+                <a14:useLocalDpi xmlns:a14="http://schemas.microsoft.com/office/drawing/2010/main" val="0"/>
+              </a:ext>
+            </a:extLst>
+          </a:blip>
+          <a:srcRect/>
+          <a:stretch>
+            <a:fillRect/>
+          </a:stretch>
+        </p:blipFill>
+        <p:spPr bwMode="auto">
+          <a:xfrm>
+            <a:off x="690896" y="400415"/>
+            <a:ext cx="7741243" cy="2875320"/>
+          </a:xfrm>
+          <a:prstGeom prst="rect">
+            <a:avLst/>
+          </a:prstGeom>
+          <a:noFill/>
+          <a:extLst>
+            <a:ext uri="{909E8E84-426E-40dd-AFC4-6F175D3DCCD1}">
+              <a14:hiddenFill xmlns:a14="http://schemas.microsoft.com/office/drawing/2010/main" xmlns="">
+                <a:solidFill>
+                  <a:srgbClr val="FFFFFF"/>
+                </a:solidFill>
+              </a14:hiddenFill>
+            </a:ext>
+          </a:extLst>
+        </p:spPr>
+      </p:pic>
+      <p:sp>
+        <p:nvSpPr>
+          <p:cNvPr id="14" name="Title 1"/>
+          <p:cNvSpPr>
+            <a:spLocks noGrp="1"/>
+          </p:cNvSpPr>
+          <p:nvPr>
+            <p:ph type="ctrTitle" hasCustomPrompt="1"/>
+          </p:nvPr>
+        </p:nvSpPr>
+        <p:spPr>
+          <a:xfrm>
+            <a:off x="502903" y="5741850"/>
+            <a:ext cx="8117227" cy="602769"/>
+          </a:xfrm>
+        </p:spPr>
+        <p:txBody>
+          <a:bodyPr>
+            <a:noAutofit/>
+          </a:bodyPr>
+          <a:lstStyle>
+            <a:lvl1pPr>
+              <a:defRPr sz="2800"/>
+            </a:lvl1pPr>
+          </a:lstStyle>
+          <a:p>
+            <a:pPr algn="ctr"/>
+            <a:r>
+              <a:rPr lang="en-US" sz="3200" dirty="0" smtClean="0"/>
+              <a:t>BEGINNER PROGRAMMING LESSON</a:t>
+            </a:r>
+            <a:endParaRPr lang="en-US" sz="3200" dirty="0"/>
+          </a:p>
+        </p:txBody>
+      </p:sp>
+      <p:sp>
+        <p:nvSpPr>
+          <p:cNvPr id="15" name="TextBox 14"/>
+          <p:cNvSpPr txBox="1"/>
+          <p:nvPr/>
+        </p:nvSpPr>
+        <p:spPr>
+          <a:xfrm>
+            <a:off x="2078568" y="4119917"/>
+            <a:ext cx="4965896" cy="369332"/>
+          </a:xfrm>
+          <a:prstGeom prst="rect">
+            <a:avLst/>
+          </a:prstGeom>
+          <a:noFill/>
+        </p:spPr>
+        <p:txBody>
+          <a:bodyPr wrap="square" rtlCol="0">
+            <a:spAutoFit/>
+          </a:bodyPr>
+          <a:lstStyle/>
+          <a:p>
+            <a:pPr algn="ctr"/>
+            <a:r>
+              <a:rPr lang="en-US" dirty="0" smtClean="0"/>
+              <a:t>By Sanjay and Arvind </a:t>
+            </a:r>
+            <a:r>
+              <a:rPr lang="en-US" dirty="0" err="1" smtClean="0"/>
+              <a:t>Seshan</a:t>
+            </a:r>
+            <a:endParaRPr lang="en-US" dirty="0"/>
+          </a:p>
+        </p:txBody>
+      </p:sp>
+      <p:sp>
+        <p:nvSpPr>
+          <p:cNvPr id="16" name="Rectangle 15"/>
+          <p:cNvSpPr/>
+          <p:nvPr userDrawn="1"/>
+        </p:nvSpPr>
+        <p:spPr>
+          <a:xfrm>
+            <a:off x="9004705" y="2895600"/>
+            <a:ext cx="147895" cy="3962400"/>
+          </a:xfrm>
+          <a:prstGeom prst="rect">
+            <a:avLst/>
+          </a:prstGeom>
+          <a:solidFill>
+            <a:srgbClr val="92D050"/>
+          </a:solidFill>
+          <a:ln>
+            <a:noFill/>
+          </a:ln>
+        </p:spPr>
+        <p:style>
+          <a:lnRef idx="2">
+            <a:schemeClr val="accent1">
+              <a:shade val="50000"/>
+            </a:schemeClr>
+          </a:lnRef>
+          <a:fillRef idx="1">
+            <a:schemeClr val="accent1"/>
+          </a:fillRef>
+          <a:effectRef idx="0">
+            <a:schemeClr val="accent1"/>
+          </a:effectRef>
+          <a:fontRef idx="minor">
+            <a:schemeClr val="lt1"/>
+          </a:fontRef>
+        </p:style>
+        <p:txBody>
+          <a:bodyPr/>
+          <a:lstStyle/>
+          <a:p>
+            <a:endParaRPr lang="en-US"/>
+          </a:p>
+        </p:txBody>
+      </p:sp>
+      <p:sp>
+        <p:nvSpPr>
+          <p:cNvPr id="17" name="Rectangle 16"/>
+          <p:cNvSpPr/>
+          <p:nvPr userDrawn="1"/>
+        </p:nvSpPr>
+        <p:spPr>
+          <a:xfrm>
+            <a:off x="8967641" y="0"/>
+            <a:ext cx="184958" cy="2895600"/>
+          </a:xfrm>
+          <a:prstGeom prst="rect">
+            <a:avLst/>
+          </a:prstGeom>
+          <a:solidFill>
+            <a:srgbClr val="7030A0"/>
+          </a:solidFill>
+          <a:ln>
+            <a:noFill/>
+          </a:ln>
+        </p:spPr>
+        <p:style>
+          <a:lnRef idx="2">
+            <a:schemeClr val="accent1">
+              <a:shade val="50000"/>
+            </a:schemeClr>
+          </a:lnRef>
+          <a:fillRef idx="1">
+            <a:schemeClr val="accent1"/>
+          </a:fillRef>
+          <a:effectRef idx="0">
+            <a:schemeClr val="accent1"/>
+          </a:effectRef>
+          <a:fontRef idx="minor">
+            <a:schemeClr val="lt1"/>
+          </a:fontRef>
+        </p:style>
+        <p:txBody>
+          <a:bodyPr/>
+          <a:lstStyle/>
+          <a:p>
+            <a:endParaRPr lang="en-US"/>
+          </a:p>
+        </p:txBody>
+      </p:sp>
+      <p:sp>
+        <p:nvSpPr>
+          <p:cNvPr id="18" name="Rectangle 17"/>
+          <p:cNvSpPr/>
+          <p:nvPr userDrawn="1"/>
+        </p:nvSpPr>
+        <p:spPr>
+          <a:xfrm>
+            <a:off x="8931737" y="0"/>
+            <a:ext cx="91440" cy="6858000"/>
+          </a:xfrm>
+          <a:prstGeom prst="rect">
+            <a:avLst/>
+          </a:prstGeom>
+          <a:solidFill>
+            <a:srgbClr val="0070C0"/>
+          </a:solidFill>
+          <a:ln>
+            <a:noFill/>
+          </a:ln>
+        </p:spPr>
+        <p:style>
+          <a:lnRef idx="2">
+            <a:schemeClr val="accent1">
+              <a:shade val="50000"/>
+            </a:schemeClr>
+          </a:lnRef>
+          <a:fillRef idx="1">
+            <a:schemeClr val="accent1"/>
+          </a:fillRef>
+          <a:effectRef idx="0">
+            <a:schemeClr val="accent1"/>
+          </a:effectRef>
+          <a:fontRef idx="minor">
+            <a:schemeClr val="lt1"/>
+          </a:fontRef>
+        </p:style>
         <p:txBody>
           <a:bodyPr/>
           <a:lstStyle/>
@@ -1130,10 +1323,22 @@
         </p:txBody>
       </p:sp>
     </p:spTree>
+    <p:extLst>
+      <p:ext uri="{BB962C8B-B14F-4D97-AF65-F5344CB8AC3E}">
+        <p14:creationId xmlns:p14="http://schemas.microsoft.com/office/powerpoint/2010/main" val="275327406"/>
+      </p:ext>
+    </p:extLst>
   </p:cSld>
   <p:clrMapOvr>
     <a:masterClrMapping/>
   </p:clrMapOvr>
+  <p:timing>
+    <p:tnLst>
+      <p:par>
+        <p:cTn id="1" dur="indefinite" restart="never" nodeType="tmRoot"/>
+      </p:par>
+    </p:tnLst>
+  </p:timing>
 </p:sldLayout>
 </file>
 
@@ -1244,9 +1449,9 @@
           <a:bodyPr/>
           <a:lstStyle/>
           <a:p>
-            <a:fld id="{A23263E2-955F-4ADA-850C-47477F514446}" type="datetime1">
-              <a:rPr lang="en-US" smtClean="0"/>
-              <a:t>11/14/15</a:t>
+            <a:fld id="{CB9D08AF-0752-9648-9B26-1313BE9BBFC4}" type="datetime1">
+              <a:rPr lang="en-US" smtClean="0"/>
+              <a:t>7/4/16</a:t>
             </a:fld>
             <a:endParaRPr lang="en-US"/>
           </a:p>
@@ -1269,7 +1474,7 @@
           <a:p>
             <a:r>
               <a:rPr lang="en-US" smtClean="0"/>
-              <a:t>© EV3Lessons.com, 2015, (Last edit: 2/26/2015)</a:t>
+              <a:t>© EV3Lessons.com, 2016, (Last edit: 7/04/2016)</a:t>
             </a:r>
             <a:endParaRPr lang="en-US"/>
           </a:p>
@@ -1285,7 +1490,15 @@
             <p:ph type="sldNum" sz="quarter" idx="12"/>
           </p:nvPr>
         </p:nvSpPr>
-        <p:spPr/>
+        <p:spPr>
+          <a:xfrm rot="16200000">
+            <a:off x="8227377" y="5885497"/>
+            <a:ext cx="1315721" cy="365125"/>
+          </a:xfrm>
+          <a:prstGeom prst="rect">
+            <a:avLst/>
+          </a:prstGeom>
+        </p:spPr>
         <p:txBody>
           <a:bodyPr/>
           <a:lstStyle/>
@@ -1299,6 +1512,11 @@
         </p:txBody>
       </p:sp>
     </p:spTree>
+    <p:extLst>
+      <p:ext uri="{BB962C8B-B14F-4D97-AF65-F5344CB8AC3E}">
+        <p14:creationId xmlns:p14="http://schemas.microsoft.com/office/powerpoint/2010/main" val="696037439"/>
+      </p:ext>
+    </p:extLst>
   </p:cSld>
   <p:clrMapOvr>
     <a:masterClrMapping/>
@@ -1423,9 +1641,9 @@
           <a:bodyPr/>
           <a:lstStyle/>
           <a:p>
-            <a:fld id="{0D917BEC-9254-4D86-AFC8-A5E86CA83672}" type="datetime1">
-              <a:rPr lang="en-US" smtClean="0"/>
-              <a:t>11/14/15</a:t>
+            <a:fld id="{84A0EC50-32B4-714D-A95A-A20F643D9595}" type="datetime1">
+              <a:rPr lang="en-US" smtClean="0"/>
+              <a:t>7/4/16</a:t>
             </a:fld>
             <a:endParaRPr lang="en-US"/>
           </a:p>
@@ -1448,7 +1666,7 @@
           <a:p>
             <a:r>
               <a:rPr lang="en-US" smtClean="0"/>
-              <a:t>© EV3Lessons.com, 2015, (Last edit: 2/26/2015)</a:t>
+              <a:t>© EV3Lessons.com, 2016, (Last edit: 7/04/2016)</a:t>
             </a:r>
             <a:endParaRPr lang="en-US"/>
           </a:p>
@@ -1464,7 +1682,15 @@
             <p:ph type="sldNum" sz="quarter" idx="12"/>
           </p:nvPr>
         </p:nvSpPr>
-        <p:spPr/>
+        <p:spPr>
+          <a:xfrm rot="16200000">
+            <a:off x="8227377" y="5885497"/>
+            <a:ext cx="1315721" cy="365125"/>
+          </a:xfrm>
+          <a:prstGeom prst="rect">
+            <a:avLst/>
+          </a:prstGeom>
+        </p:spPr>
         <p:txBody>
           <a:bodyPr/>
           <a:lstStyle/>
@@ -1478,6 +1704,1740 @@
         </p:txBody>
       </p:sp>
     </p:spTree>
+    <p:extLst>
+      <p:ext uri="{BB962C8B-B14F-4D97-AF65-F5344CB8AC3E}">
+        <p14:creationId xmlns:p14="http://schemas.microsoft.com/office/powerpoint/2010/main" val="957812064"/>
+      </p:ext>
+    </p:extLst>
+  </p:cSld>
+  <p:clrMapOvr>
+    <a:masterClrMapping/>
+  </p:clrMapOvr>
+</p:sldLayout>
+</file>
+
+<file path=ppt/slideLayouts/slideLayout12.xml><?xml version="1.0" encoding="utf-8"?>
+<p:sldLayout xmlns:a="http://schemas.openxmlformats.org/drawingml/2006/main" xmlns:r="http://schemas.openxmlformats.org/officeDocument/2006/relationships" xmlns:p="http://schemas.openxmlformats.org/presentationml/2006/main" type="title" preserve="1">
+  <p:cSld name="Title Slide">
+    <p:spTree>
+      <p:nvGrpSpPr>
+        <p:cNvPr id="1" name=""/>
+        <p:cNvGrpSpPr/>
+        <p:nvPr/>
+      </p:nvGrpSpPr>
+      <p:grpSpPr>
+        <a:xfrm>
+          <a:off x="0" y="0"/>
+          <a:ext cx="0" cy="0"/>
+          <a:chOff x="0" y="0"/>
+          <a:chExt cx="0" cy="0"/>
+        </a:xfrm>
+      </p:grpSpPr>
+      <p:sp>
+        <p:nvSpPr>
+          <p:cNvPr id="2" name="Title 1"/>
+          <p:cNvSpPr>
+            <a:spLocks noGrp="1"/>
+          </p:cNvSpPr>
+          <p:nvPr>
+            <p:ph type="ctrTitle"/>
+          </p:nvPr>
+        </p:nvSpPr>
+        <p:spPr>
+          <a:xfrm>
+            <a:off x="1143000" y="1122363"/>
+            <a:ext cx="6858000" cy="2387600"/>
+          </a:xfrm>
+        </p:spPr>
+        <p:txBody>
+          <a:bodyPr anchor="b"/>
+          <a:lstStyle>
+            <a:lvl1pPr algn="ctr">
+              <a:defRPr sz="6000"/>
+            </a:lvl1pPr>
+          </a:lstStyle>
+          <a:p>
+            <a:r>
+              <a:rPr lang="en-US" smtClean="0"/>
+              <a:t>Click to edit Master title style</a:t>
+            </a:r>
+            <a:endParaRPr lang="en-US"/>
+          </a:p>
+        </p:txBody>
+      </p:sp>
+      <p:sp>
+        <p:nvSpPr>
+          <p:cNvPr id="3" name="Subtitle 2"/>
+          <p:cNvSpPr>
+            <a:spLocks noGrp="1"/>
+          </p:cNvSpPr>
+          <p:nvPr>
+            <p:ph type="subTitle" idx="1"/>
+          </p:nvPr>
+        </p:nvSpPr>
+        <p:spPr>
+          <a:xfrm>
+            <a:off x="1143000" y="3602038"/>
+            <a:ext cx="6858000" cy="1655762"/>
+          </a:xfrm>
+        </p:spPr>
+        <p:txBody>
+          <a:bodyPr/>
+          <a:lstStyle>
+            <a:lvl1pPr marL="0" indent="0" algn="ctr">
+              <a:buNone/>
+              <a:defRPr sz="2400"/>
+            </a:lvl1pPr>
+            <a:lvl2pPr marL="457200" indent="0" algn="ctr">
+              <a:buNone/>
+              <a:defRPr sz="2000"/>
+            </a:lvl2pPr>
+            <a:lvl3pPr marL="914400" indent="0" algn="ctr">
+              <a:buNone/>
+              <a:defRPr sz="1800"/>
+            </a:lvl3pPr>
+            <a:lvl4pPr marL="1371600" indent="0" algn="ctr">
+              <a:buNone/>
+              <a:defRPr sz="1600"/>
+            </a:lvl4pPr>
+            <a:lvl5pPr marL="1828800" indent="0" algn="ctr">
+              <a:buNone/>
+              <a:defRPr sz="1600"/>
+            </a:lvl5pPr>
+            <a:lvl6pPr marL="2286000" indent="0" algn="ctr">
+              <a:buNone/>
+              <a:defRPr sz="1600"/>
+            </a:lvl6pPr>
+            <a:lvl7pPr marL="2743200" indent="0" algn="ctr">
+              <a:buNone/>
+              <a:defRPr sz="1600"/>
+            </a:lvl7pPr>
+            <a:lvl8pPr marL="3200400" indent="0" algn="ctr">
+              <a:buNone/>
+              <a:defRPr sz="1600"/>
+            </a:lvl8pPr>
+            <a:lvl9pPr marL="3657600" indent="0" algn="ctr">
+              <a:buNone/>
+              <a:defRPr sz="1600"/>
+            </a:lvl9pPr>
+          </a:lstStyle>
+          <a:p>
+            <a:r>
+              <a:rPr lang="en-US" smtClean="0"/>
+              <a:t>Click to edit Master subtitle style</a:t>
+            </a:r>
+            <a:endParaRPr lang="en-US"/>
+          </a:p>
+        </p:txBody>
+      </p:sp>
+      <p:sp>
+        <p:nvSpPr>
+          <p:cNvPr id="4" name="Date Placeholder 3"/>
+          <p:cNvSpPr>
+            <a:spLocks noGrp="1"/>
+          </p:cNvSpPr>
+          <p:nvPr>
+            <p:ph type="dt" sz="half" idx="10"/>
+          </p:nvPr>
+        </p:nvSpPr>
+        <p:spPr/>
+        <p:txBody>
+          <a:bodyPr/>
+          <a:lstStyle/>
+          <a:p>
+            <a:fld id="{5621E052-628E-F14A-A84F-D6C3117A028F}" type="datetime1">
+              <a:rPr lang="en-US" smtClean="0"/>
+              <a:t>7/4/16</a:t>
+            </a:fld>
+            <a:endParaRPr lang="en-US"/>
+          </a:p>
+        </p:txBody>
+      </p:sp>
+      <p:sp>
+        <p:nvSpPr>
+          <p:cNvPr id="5" name="Footer Placeholder 4"/>
+          <p:cNvSpPr>
+            <a:spLocks noGrp="1"/>
+          </p:cNvSpPr>
+          <p:nvPr>
+            <p:ph type="ftr" sz="quarter" idx="11"/>
+          </p:nvPr>
+        </p:nvSpPr>
+        <p:spPr/>
+        <p:txBody>
+          <a:bodyPr/>
+          <a:lstStyle/>
+          <a:p>
+            <a:r>
+              <a:rPr lang="en-US" smtClean="0"/>
+              <a:t>© EV3Lessons.com, 2016, (Last edit: 7/04/2016)</a:t>
+            </a:r>
+            <a:endParaRPr lang="en-US"/>
+          </a:p>
+        </p:txBody>
+      </p:sp>
+      <p:sp>
+        <p:nvSpPr>
+          <p:cNvPr id="6" name="Slide Number Placeholder 5"/>
+          <p:cNvSpPr>
+            <a:spLocks noGrp="1"/>
+          </p:cNvSpPr>
+          <p:nvPr>
+            <p:ph type="sldNum" sz="quarter" idx="12"/>
+          </p:nvPr>
+        </p:nvSpPr>
+        <p:spPr/>
+        <p:txBody>
+          <a:bodyPr/>
+          <a:lstStyle/>
+          <a:p>
+            <a:fld id="{DE42E464-3EB8-43C8-8768-9E2AD4F497B7}" type="slidenum">
+              <a:rPr lang="en-US" smtClean="0"/>
+              <a:t>‹#›</a:t>
+            </a:fld>
+            <a:endParaRPr lang="en-US"/>
+          </a:p>
+        </p:txBody>
+      </p:sp>
+    </p:spTree>
+    <p:extLst>
+      <p:ext uri="{BB962C8B-B14F-4D97-AF65-F5344CB8AC3E}">
+        <p14:creationId xmlns:p14="http://schemas.microsoft.com/office/powerpoint/2010/main" val="763217376"/>
+      </p:ext>
+    </p:extLst>
+  </p:cSld>
+  <p:clrMapOvr>
+    <a:masterClrMapping/>
+  </p:clrMapOvr>
+</p:sldLayout>
+</file>
+
+<file path=ppt/slideLayouts/slideLayout13.xml><?xml version="1.0" encoding="utf-8"?>
+<p:sldLayout xmlns:a="http://schemas.openxmlformats.org/drawingml/2006/main" xmlns:r="http://schemas.openxmlformats.org/officeDocument/2006/relationships" xmlns:p="http://schemas.openxmlformats.org/presentationml/2006/main" type="obj" preserve="1">
+  <p:cSld name="Title and Content">
+    <p:spTree>
+      <p:nvGrpSpPr>
+        <p:cNvPr id="1" name=""/>
+        <p:cNvGrpSpPr/>
+        <p:nvPr/>
+      </p:nvGrpSpPr>
+      <p:grpSpPr>
+        <a:xfrm>
+          <a:off x="0" y="0"/>
+          <a:ext cx="0" cy="0"/>
+          <a:chOff x="0" y="0"/>
+          <a:chExt cx="0" cy="0"/>
+        </a:xfrm>
+      </p:grpSpPr>
+      <p:sp>
+        <p:nvSpPr>
+          <p:cNvPr id="2" name="Title 1"/>
+          <p:cNvSpPr>
+            <a:spLocks noGrp="1"/>
+          </p:cNvSpPr>
+          <p:nvPr>
+            <p:ph type="title"/>
+          </p:nvPr>
+        </p:nvSpPr>
+        <p:spPr/>
+        <p:txBody>
+          <a:bodyPr/>
+          <a:lstStyle/>
+          <a:p>
+            <a:r>
+              <a:rPr lang="en-US" smtClean="0"/>
+              <a:t>Click to edit Master title style</a:t>
+            </a:r>
+            <a:endParaRPr lang="en-US"/>
+          </a:p>
+        </p:txBody>
+      </p:sp>
+      <p:sp>
+        <p:nvSpPr>
+          <p:cNvPr id="3" name="Content Placeholder 2"/>
+          <p:cNvSpPr>
+            <a:spLocks noGrp="1"/>
+          </p:cNvSpPr>
+          <p:nvPr>
+            <p:ph idx="1"/>
+          </p:nvPr>
+        </p:nvSpPr>
+        <p:spPr/>
+        <p:txBody>
+          <a:bodyPr/>
+          <a:lstStyle/>
+          <a:p>
+            <a:pPr lvl="0"/>
+            <a:r>
+              <a:rPr lang="en-US" smtClean="0"/>
+              <a:t>Click to edit Master text styles</a:t>
+            </a:r>
+          </a:p>
+          <a:p>
+            <a:pPr lvl="1"/>
+            <a:r>
+              <a:rPr lang="en-US" smtClean="0"/>
+              <a:t>Second level</a:t>
+            </a:r>
+          </a:p>
+          <a:p>
+            <a:pPr lvl="2"/>
+            <a:r>
+              <a:rPr lang="en-US" smtClean="0"/>
+              <a:t>Third level</a:t>
+            </a:r>
+          </a:p>
+          <a:p>
+            <a:pPr lvl="3"/>
+            <a:r>
+              <a:rPr lang="en-US" smtClean="0"/>
+              <a:t>Fourth level</a:t>
+            </a:r>
+          </a:p>
+          <a:p>
+            <a:pPr lvl="4"/>
+            <a:r>
+              <a:rPr lang="en-US" smtClean="0"/>
+              <a:t>Fifth level</a:t>
+            </a:r>
+            <a:endParaRPr lang="en-US"/>
+          </a:p>
+        </p:txBody>
+      </p:sp>
+      <p:sp>
+        <p:nvSpPr>
+          <p:cNvPr id="4" name="Date Placeholder 3"/>
+          <p:cNvSpPr>
+            <a:spLocks noGrp="1"/>
+          </p:cNvSpPr>
+          <p:nvPr>
+            <p:ph type="dt" sz="half" idx="10"/>
+          </p:nvPr>
+        </p:nvSpPr>
+        <p:spPr/>
+        <p:txBody>
+          <a:bodyPr/>
+          <a:lstStyle/>
+          <a:p>
+            <a:fld id="{4CBD7A79-8C4D-6841-A406-FE765EC9A82B}" type="datetime1">
+              <a:rPr lang="en-US" smtClean="0"/>
+              <a:t>7/4/16</a:t>
+            </a:fld>
+            <a:endParaRPr lang="en-US"/>
+          </a:p>
+        </p:txBody>
+      </p:sp>
+      <p:sp>
+        <p:nvSpPr>
+          <p:cNvPr id="5" name="Footer Placeholder 4"/>
+          <p:cNvSpPr>
+            <a:spLocks noGrp="1"/>
+          </p:cNvSpPr>
+          <p:nvPr>
+            <p:ph type="ftr" sz="quarter" idx="11"/>
+          </p:nvPr>
+        </p:nvSpPr>
+        <p:spPr/>
+        <p:txBody>
+          <a:bodyPr/>
+          <a:lstStyle/>
+          <a:p>
+            <a:r>
+              <a:rPr lang="en-US" smtClean="0"/>
+              <a:t>© EV3Lessons.com, 2016, (Last edit: 7/04/2016)</a:t>
+            </a:r>
+            <a:endParaRPr lang="en-US"/>
+          </a:p>
+        </p:txBody>
+      </p:sp>
+      <p:sp>
+        <p:nvSpPr>
+          <p:cNvPr id="6" name="Slide Number Placeholder 5"/>
+          <p:cNvSpPr>
+            <a:spLocks noGrp="1"/>
+          </p:cNvSpPr>
+          <p:nvPr>
+            <p:ph type="sldNum" sz="quarter" idx="12"/>
+          </p:nvPr>
+        </p:nvSpPr>
+        <p:spPr/>
+        <p:txBody>
+          <a:bodyPr/>
+          <a:lstStyle/>
+          <a:p>
+            <a:fld id="{DE42E464-3EB8-43C8-8768-9E2AD4F497B7}" type="slidenum">
+              <a:rPr lang="en-US" smtClean="0"/>
+              <a:t>‹#›</a:t>
+            </a:fld>
+            <a:endParaRPr lang="en-US"/>
+          </a:p>
+        </p:txBody>
+      </p:sp>
+    </p:spTree>
+    <p:extLst>
+      <p:ext uri="{BB962C8B-B14F-4D97-AF65-F5344CB8AC3E}">
+        <p14:creationId xmlns:p14="http://schemas.microsoft.com/office/powerpoint/2010/main" val="474614901"/>
+      </p:ext>
+    </p:extLst>
+  </p:cSld>
+  <p:clrMapOvr>
+    <a:masterClrMapping/>
+  </p:clrMapOvr>
+</p:sldLayout>
+</file>
+
+<file path=ppt/slideLayouts/slideLayout14.xml><?xml version="1.0" encoding="utf-8"?>
+<p:sldLayout xmlns:a="http://schemas.openxmlformats.org/drawingml/2006/main" xmlns:r="http://schemas.openxmlformats.org/officeDocument/2006/relationships" xmlns:p="http://schemas.openxmlformats.org/presentationml/2006/main" type="secHead" preserve="1">
+  <p:cSld name="Section Header">
+    <p:spTree>
+      <p:nvGrpSpPr>
+        <p:cNvPr id="1" name=""/>
+        <p:cNvGrpSpPr/>
+        <p:nvPr/>
+      </p:nvGrpSpPr>
+      <p:grpSpPr>
+        <a:xfrm>
+          <a:off x="0" y="0"/>
+          <a:ext cx="0" cy="0"/>
+          <a:chOff x="0" y="0"/>
+          <a:chExt cx="0" cy="0"/>
+        </a:xfrm>
+      </p:grpSpPr>
+      <p:sp>
+        <p:nvSpPr>
+          <p:cNvPr id="2" name="Title 1"/>
+          <p:cNvSpPr>
+            <a:spLocks noGrp="1"/>
+          </p:cNvSpPr>
+          <p:nvPr>
+            <p:ph type="title"/>
+          </p:nvPr>
+        </p:nvSpPr>
+        <p:spPr>
+          <a:xfrm>
+            <a:off x="623888" y="1709738"/>
+            <a:ext cx="7886700" cy="2852737"/>
+          </a:xfrm>
+        </p:spPr>
+        <p:txBody>
+          <a:bodyPr anchor="b"/>
+          <a:lstStyle>
+            <a:lvl1pPr>
+              <a:defRPr sz="6000"/>
+            </a:lvl1pPr>
+          </a:lstStyle>
+          <a:p>
+            <a:r>
+              <a:rPr lang="en-US" smtClean="0"/>
+              <a:t>Click to edit Master title style</a:t>
+            </a:r>
+            <a:endParaRPr lang="en-US"/>
+          </a:p>
+        </p:txBody>
+      </p:sp>
+      <p:sp>
+        <p:nvSpPr>
+          <p:cNvPr id="3" name="Text Placeholder 2"/>
+          <p:cNvSpPr>
+            <a:spLocks noGrp="1"/>
+          </p:cNvSpPr>
+          <p:nvPr>
+            <p:ph type="body" idx="1"/>
+          </p:nvPr>
+        </p:nvSpPr>
+        <p:spPr>
+          <a:xfrm>
+            <a:off x="623888" y="4589463"/>
+            <a:ext cx="7886700" cy="1500187"/>
+          </a:xfrm>
+        </p:spPr>
+        <p:txBody>
+          <a:bodyPr/>
+          <a:lstStyle>
+            <a:lvl1pPr marL="0" indent="0">
+              <a:buNone/>
+              <a:defRPr sz="2400">
+                <a:solidFill>
+                  <a:schemeClr val="tx1">
+                    <a:tint val="75000"/>
+                  </a:schemeClr>
+                </a:solidFill>
+              </a:defRPr>
+            </a:lvl1pPr>
+            <a:lvl2pPr marL="457200" indent="0">
+              <a:buNone/>
+              <a:defRPr sz="2000">
+                <a:solidFill>
+                  <a:schemeClr val="tx1">
+                    <a:tint val="75000"/>
+                  </a:schemeClr>
+                </a:solidFill>
+              </a:defRPr>
+            </a:lvl2pPr>
+            <a:lvl3pPr marL="914400" indent="0">
+              <a:buNone/>
+              <a:defRPr sz="1800">
+                <a:solidFill>
+                  <a:schemeClr val="tx1">
+                    <a:tint val="75000"/>
+                  </a:schemeClr>
+                </a:solidFill>
+              </a:defRPr>
+            </a:lvl3pPr>
+            <a:lvl4pPr marL="1371600" indent="0">
+              <a:buNone/>
+              <a:defRPr sz="1600">
+                <a:solidFill>
+                  <a:schemeClr val="tx1">
+                    <a:tint val="75000"/>
+                  </a:schemeClr>
+                </a:solidFill>
+              </a:defRPr>
+            </a:lvl4pPr>
+            <a:lvl5pPr marL="1828800" indent="0">
+              <a:buNone/>
+              <a:defRPr sz="1600">
+                <a:solidFill>
+                  <a:schemeClr val="tx1">
+                    <a:tint val="75000"/>
+                  </a:schemeClr>
+                </a:solidFill>
+              </a:defRPr>
+            </a:lvl5pPr>
+            <a:lvl6pPr marL="2286000" indent="0">
+              <a:buNone/>
+              <a:defRPr sz="1600">
+                <a:solidFill>
+                  <a:schemeClr val="tx1">
+                    <a:tint val="75000"/>
+                  </a:schemeClr>
+                </a:solidFill>
+              </a:defRPr>
+            </a:lvl6pPr>
+            <a:lvl7pPr marL="2743200" indent="0">
+              <a:buNone/>
+              <a:defRPr sz="1600">
+                <a:solidFill>
+                  <a:schemeClr val="tx1">
+                    <a:tint val="75000"/>
+                  </a:schemeClr>
+                </a:solidFill>
+              </a:defRPr>
+            </a:lvl7pPr>
+            <a:lvl8pPr marL="3200400" indent="0">
+              <a:buNone/>
+              <a:defRPr sz="1600">
+                <a:solidFill>
+                  <a:schemeClr val="tx1">
+                    <a:tint val="75000"/>
+                  </a:schemeClr>
+                </a:solidFill>
+              </a:defRPr>
+            </a:lvl8pPr>
+            <a:lvl9pPr marL="3657600" indent="0">
+              <a:buNone/>
+              <a:defRPr sz="1600">
+                <a:solidFill>
+                  <a:schemeClr val="tx1">
+                    <a:tint val="75000"/>
+                  </a:schemeClr>
+                </a:solidFill>
+              </a:defRPr>
+            </a:lvl9pPr>
+          </a:lstStyle>
+          <a:p>
+            <a:pPr lvl="0"/>
+            <a:r>
+              <a:rPr lang="en-US" smtClean="0"/>
+              <a:t>Click to edit Master text styles</a:t>
+            </a:r>
+          </a:p>
+        </p:txBody>
+      </p:sp>
+      <p:sp>
+        <p:nvSpPr>
+          <p:cNvPr id="4" name="Date Placeholder 3"/>
+          <p:cNvSpPr>
+            <a:spLocks noGrp="1"/>
+          </p:cNvSpPr>
+          <p:nvPr>
+            <p:ph type="dt" sz="half" idx="10"/>
+          </p:nvPr>
+        </p:nvSpPr>
+        <p:spPr/>
+        <p:txBody>
+          <a:bodyPr/>
+          <a:lstStyle/>
+          <a:p>
+            <a:fld id="{D6FEC789-49FB-7442-B3B8-9CC0C5250B6C}" type="datetime1">
+              <a:rPr lang="en-US" smtClean="0"/>
+              <a:t>7/4/16</a:t>
+            </a:fld>
+            <a:endParaRPr lang="en-US"/>
+          </a:p>
+        </p:txBody>
+      </p:sp>
+      <p:sp>
+        <p:nvSpPr>
+          <p:cNvPr id="5" name="Footer Placeholder 4"/>
+          <p:cNvSpPr>
+            <a:spLocks noGrp="1"/>
+          </p:cNvSpPr>
+          <p:nvPr>
+            <p:ph type="ftr" sz="quarter" idx="11"/>
+          </p:nvPr>
+        </p:nvSpPr>
+        <p:spPr/>
+        <p:txBody>
+          <a:bodyPr/>
+          <a:lstStyle/>
+          <a:p>
+            <a:r>
+              <a:rPr lang="en-US" smtClean="0"/>
+              <a:t>© EV3Lessons.com, 2016, (Last edit: 7/04/2016)</a:t>
+            </a:r>
+            <a:endParaRPr lang="en-US"/>
+          </a:p>
+        </p:txBody>
+      </p:sp>
+      <p:sp>
+        <p:nvSpPr>
+          <p:cNvPr id="6" name="Slide Number Placeholder 5"/>
+          <p:cNvSpPr>
+            <a:spLocks noGrp="1"/>
+          </p:cNvSpPr>
+          <p:nvPr>
+            <p:ph type="sldNum" sz="quarter" idx="12"/>
+          </p:nvPr>
+        </p:nvSpPr>
+        <p:spPr/>
+        <p:txBody>
+          <a:bodyPr/>
+          <a:lstStyle/>
+          <a:p>
+            <a:fld id="{DE42E464-3EB8-43C8-8768-9E2AD4F497B7}" type="slidenum">
+              <a:rPr lang="en-US" smtClean="0"/>
+              <a:t>‹#›</a:t>
+            </a:fld>
+            <a:endParaRPr lang="en-US"/>
+          </a:p>
+        </p:txBody>
+      </p:sp>
+    </p:spTree>
+    <p:extLst>
+      <p:ext uri="{BB962C8B-B14F-4D97-AF65-F5344CB8AC3E}">
+        <p14:creationId xmlns:p14="http://schemas.microsoft.com/office/powerpoint/2010/main" val="1098376149"/>
+      </p:ext>
+    </p:extLst>
+  </p:cSld>
+  <p:clrMapOvr>
+    <a:masterClrMapping/>
+  </p:clrMapOvr>
+</p:sldLayout>
+</file>
+
+<file path=ppt/slideLayouts/slideLayout15.xml><?xml version="1.0" encoding="utf-8"?>
+<p:sldLayout xmlns:a="http://schemas.openxmlformats.org/drawingml/2006/main" xmlns:r="http://schemas.openxmlformats.org/officeDocument/2006/relationships" xmlns:p="http://schemas.openxmlformats.org/presentationml/2006/main" type="twoObj" preserve="1">
+  <p:cSld name="Two Content">
+    <p:spTree>
+      <p:nvGrpSpPr>
+        <p:cNvPr id="1" name=""/>
+        <p:cNvGrpSpPr/>
+        <p:nvPr/>
+      </p:nvGrpSpPr>
+      <p:grpSpPr>
+        <a:xfrm>
+          <a:off x="0" y="0"/>
+          <a:ext cx="0" cy="0"/>
+          <a:chOff x="0" y="0"/>
+          <a:chExt cx="0" cy="0"/>
+        </a:xfrm>
+      </p:grpSpPr>
+      <p:sp>
+        <p:nvSpPr>
+          <p:cNvPr id="2" name="Title 1"/>
+          <p:cNvSpPr>
+            <a:spLocks noGrp="1"/>
+          </p:cNvSpPr>
+          <p:nvPr>
+            <p:ph type="title"/>
+          </p:nvPr>
+        </p:nvSpPr>
+        <p:spPr/>
+        <p:txBody>
+          <a:bodyPr/>
+          <a:lstStyle/>
+          <a:p>
+            <a:r>
+              <a:rPr lang="en-US" smtClean="0"/>
+              <a:t>Click to edit Master title style</a:t>
+            </a:r>
+            <a:endParaRPr lang="en-US"/>
+          </a:p>
+        </p:txBody>
+      </p:sp>
+      <p:sp>
+        <p:nvSpPr>
+          <p:cNvPr id="3" name="Content Placeholder 2"/>
+          <p:cNvSpPr>
+            <a:spLocks noGrp="1"/>
+          </p:cNvSpPr>
+          <p:nvPr>
+            <p:ph sz="half" idx="1"/>
+          </p:nvPr>
+        </p:nvSpPr>
+        <p:spPr>
+          <a:xfrm>
+            <a:off x="628650" y="1825625"/>
+            <a:ext cx="3867150" cy="4351338"/>
+          </a:xfrm>
+        </p:spPr>
+        <p:txBody>
+          <a:bodyPr/>
+          <a:lstStyle/>
+          <a:p>
+            <a:pPr lvl="0"/>
+            <a:r>
+              <a:rPr lang="en-US" smtClean="0"/>
+              <a:t>Click to edit Master text styles</a:t>
+            </a:r>
+          </a:p>
+          <a:p>
+            <a:pPr lvl="1"/>
+            <a:r>
+              <a:rPr lang="en-US" smtClean="0"/>
+              <a:t>Second level</a:t>
+            </a:r>
+          </a:p>
+          <a:p>
+            <a:pPr lvl="2"/>
+            <a:r>
+              <a:rPr lang="en-US" smtClean="0"/>
+              <a:t>Third level</a:t>
+            </a:r>
+          </a:p>
+          <a:p>
+            <a:pPr lvl="3"/>
+            <a:r>
+              <a:rPr lang="en-US" smtClean="0"/>
+              <a:t>Fourth level</a:t>
+            </a:r>
+          </a:p>
+          <a:p>
+            <a:pPr lvl="4"/>
+            <a:r>
+              <a:rPr lang="en-US" smtClean="0"/>
+              <a:t>Fifth level</a:t>
+            </a:r>
+            <a:endParaRPr lang="en-US"/>
+          </a:p>
+        </p:txBody>
+      </p:sp>
+      <p:sp>
+        <p:nvSpPr>
+          <p:cNvPr id="4" name="Content Placeholder 3"/>
+          <p:cNvSpPr>
+            <a:spLocks noGrp="1"/>
+          </p:cNvSpPr>
+          <p:nvPr>
+            <p:ph sz="half" idx="2"/>
+          </p:nvPr>
+        </p:nvSpPr>
+        <p:spPr>
+          <a:xfrm>
+            <a:off x="4648200" y="1825625"/>
+            <a:ext cx="3867150" cy="4351338"/>
+          </a:xfrm>
+        </p:spPr>
+        <p:txBody>
+          <a:bodyPr/>
+          <a:lstStyle/>
+          <a:p>
+            <a:pPr lvl="0"/>
+            <a:r>
+              <a:rPr lang="en-US" smtClean="0"/>
+              <a:t>Click to edit Master text styles</a:t>
+            </a:r>
+          </a:p>
+          <a:p>
+            <a:pPr lvl="1"/>
+            <a:r>
+              <a:rPr lang="en-US" smtClean="0"/>
+              <a:t>Second level</a:t>
+            </a:r>
+          </a:p>
+          <a:p>
+            <a:pPr lvl="2"/>
+            <a:r>
+              <a:rPr lang="en-US" smtClean="0"/>
+              <a:t>Third level</a:t>
+            </a:r>
+          </a:p>
+          <a:p>
+            <a:pPr lvl="3"/>
+            <a:r>
+              <a:rPr lang="en-US" smtClean="0"/>
+              <a:t>Fourth level</a:t>
+            </a:r>
+          </a:p>
+          <a:p>
+            <a:pPr lvl="4"/>
+            <a:r>
+              <a:rPr lang="en-US" smtClean="0"/>
+              <a:t>Fifth level</a:t>
+            </a:r>
+            <a:endParaRPr lang="en-US"/>
+          </a:p>
+        </p:txBody>
+      </p:sp>
+      <p:sp>
+        <p:nvSpPr>
+          <p:cNvPr id="5" name="Date Placeholder 4"/>
+          <p:cNvSpPr>
+            <a:spLocks noGrp="1"/>
+          </p:cNvSpPr>
+          <p:nvPr>
+            <p:ph type="dt" sz="half" idx="10"/>
+          </p:nvPr>
+        </p:nvSpPr>
+        <p:spPr/>
+        <p:txBody>
+          <a:bodyPr/>
+          <a:lstStyle/>
+          <a:p>
+            <a:fld id="{DFDC536A-AD42-0D41-807A-C785035DECE9}" type="datetime1">
+              <a:rPr lang="en-US" smtClean="0"/>
+              <a:t>7/4/16</a:t>
+            </a:fld>
+            <a:endParaRPr lang="en-US"/>
+          </a:p>
+        </p:txBody>
+      </p:sp>
+      <p:sp>
+        <p:nvSpPr>
+          <p:cNvPr id="6" name="Footer Placeholder 5"/>
+          <p:cNvSpPr>
+            <a:spLocks noGrp="1"/>
+          </p:cNvSpPr>
+          <p:nvPr>
+            <p:ph type="ftr" sz="quarter" idx="11"/>
+          </p:nvPr>
+        </p:nvSpPr>
+        <p:spPr/>
+        <p:txBody>
+          <a:bodyPr/>
+          <a:lstStyle/>
+          <a:p>
+            <a:r>
+              <a:rPr lang="en-US" smtClean="0"/>
+              <a:t>© EV3Lessons.com, 2016, (Last edit: 7/04/2016)</a:t>
+            </a:r>
+            <a:endParaRPr lang="en-US"/>
+          </a:p>
+        </p:txBody>
+      </p:sp>
+      <p:sp>
+        <p:nvSpPr>
+          <p:cNvPr id="7" name="Slide Number Placeholder 6"/>
+          <p:cNvSpPr>
+            <a:spLocks noGrp="1"/>
+          </p:cNvSpPr>
+          <p:nvPr>
+            <p:ph type="sldNum" sz="quarter" idx="12"/>
+          </p:nvPr>
+        </p:nvSpPr>
+        <p:spPr/>
+        <p:txBody>
+          <a:bodyPr/>
+          <a:lstStyle/>
+          <a:p>
+            <a:fld id="{DE42E464-3EB8-43C8-8768-9E2AD4F497B7}" type="slidenum">
+              <a:rPr lang="en-US" smtClean="0"/>
+              <a:t>‹#›</a:t>
+            </a:fld>
+            <a:endParaRPr lang="en-US"/>
+          </a:p>
+        </p:txBody>
+      </p:sp>
+    </p:spTree>
+    <p:extLst>
+      <p:ext uri="{BB962C8B-B14F-4D97-AF65-F5344CB8AC3E}">
+        <p14:creationId xmlns:p14="http://schemas.microsoft.com/office/powerpoint/2010/main" val="638506631"/>
+      </p:ext>
+    </p:extLst>
+  </p:cSld>
+  <p:clrMapOvr>
+    <a:masterClrMapping/>
+  </p:clrMapOvr>
+</p:sldLayout>
+</file>
+
+<file path=ppt/slideLayouts/slideLayout16.xml><?xml version="1.0" encoding="utf-8"?>
+<p:sldLayout xmlns:a="http://schemas.openxmlformats.org/drawingml/2006/main" xmlns:r="http://schemas.openxmlformats.org/officeDocument/2006/relationships" xmlns:p="http://schemas.openxmlformats.org/presentationml/2006/main" type="twoTxTwoObj" preserve="1">
+  <p:cSld name="Comparison">
+    <p:spTree>
+      <p:nvGrpSpPr>
+        <p:cNvPr id="1" name=""/>
+        <p:cNvGrpSpPr/>
+        <p:nvPr/>
+      </p:nvGrpSpPr>
+      <p:grpSpPr>
+        <a:xfrm>
+          <a:off x="0" y="0"/>
+          <a:ext cx="0" cy="0"/>
+          <a:chOff x="0" y="0"/>
+          <a:chExt cx="0" cy="0"/>
+        </a:xfrm>
+      </p:grpSpPr>
+      <p:sp>
+        <p:nvSpPr>
+          <p:cNvPr id="2" name="Title 1"/>
+          <p:cNvSpPr>
+            <a:spLocks noGrp="1"/>
+          </p:cNvSpPr>
+          <p:nvPr>
+            <p:ph type="title"/>
+          </p:nvPr>
+        </p:nvSpPr>
+        <p:spPr>
+          <a:xfrm>
+            <a:off x="630238" y="365125"/>
+            <a:ext cx="7886700" cy="1325563"/>
+          </a:xfrm>
+        </p:spPr>
+        <p:txBody>
+          <a:bodyPr/>
+          <a:lstStyle/>
+          <a:p>
+            <a:r>
+              <a:rPr lang="en-US" smtClean="0"/>
+              <a:t>Click to edit Master title style</a:t>
+            </a:r>
+            <a:endParaRPr lang="en-US"/>
+          </a:p>
+        </p:txBody>
+      </p:sp>
+      <p:sp>
+        <p:nvSpPr>
+          <p:cNvPr id="3" name="Text Placeholder 2"/>
+          <p:cNvSpPr>
+            <a:spLocks noGrp="1"/>
+          </p:cNvSpPr>
+          <p:nvPr>
+            <p:ph type="body" idx="1"/>
+          </p:nvPr>
+        </p:nvSpPr>
+        <p:spPr>
+          <a:xfrm>
+            <a:off x="630238" y="1681163"/>
+            <a:ext cx="3868737" cy="823912"/>
+          </a:xfrm>
+        </p:spPr>
+        <p:txBody>
+          <a:bodyPr anchor="b"/>
+          <a:lstStyle>
+            <a:lvl1pPr marL="0" indent="0">
+              <a:buNone/>
+              <a:defRPr sz="2400" b="1"/>
+            </a:lvl1pPr>
+            <a:lvl2pPr marL="457200" indent="0">
+              <a:buNone/>
+              <a:defRPr sz="2000" b="1"/>
+            </a:lvl2pPr>
+            <a:lvl3pPr marL="914400" indent="0">
+              <a:buNone/>
+              <a:defRPr sz="1800" b="1"/>
+            </a:lvl3pPr>
+            <a:lvl4pPr marL="1371600" indent="0">
+              <a:buNone/>
+              <a:defRPr sz="1600" b="1"/>
+            </a:lvl4pPr>
+            <a:lvl5pPr marL="1828800" indent="0">
+              <a:buNone/>
+              <a:defRPr sz="1600" b="1"/>
+            </a:lvl5pPr>
+            <a:lvl6pPr marL="2286000" indent="0">
+              <a:buNone/>
+              <a:defRPr sz="1600" b="1"/>
+            </a:lvl6pPr>
+            <a:lvl7pPr marL="2743200" indent="0">
+              <a:buNone/>
+              <a:defRPr sz="1600" b="1"/>
+            </a:lvl7pPr>
+            <a:lvl8pPr marL="3200400" indent="0">
+              <a:buNone/>
+              <a:defRPr sz="1600" b="1"/>
+            </a:lvl8pPr>
+            <a:lvl9pPr marL="3657600" indent="0">
+              <a:buNone/>
+              <a:defRPr sz="1600" b="1"/>
+            </a:lvl9pPr>
+          </a:lstStyle>
+          <a:p>
+            <a:pPr lvl="0"/>
+            <a:r>
+              <a:rPr lang="en-US" smtClean="0"/>
+              <a:t>Click to edit Master text styles</a:t>
+            </a:r>
+          </a:p>
+        </p:txBody>
+      </p:sp>
+      <p:sp>
+        <p:nvSpPr>
+          <p:cNvPr id="4" name="Content Placeholder 3"/>
+          <p:cNvSpPr>
+            <a:spLocks noGrp="1"/>
+          </p:cNvSpPr>
+          <p:nvPr>
+            <p:ph sz="half" idx="2"/>
+          </p:nvPr>
+        </p:nvSpPr>
+        <p:spPr>
+          <a:xfrm>
+            <a:off x="630238" y="2505075"/>
+            <a:ext cx="3868737" cy="3684588"/>
+          </a:xfrm>
+        </p:spPr>
+        <p:txBody>
+          <a:bodyPr/>
+          <a:lstStyle/>
+          <a:p>
+            <a:pPr lvl="0"/>
+            <a:r>
+              <a:rPr lang="en-US" smtClean="0"/>
+              <a:t>Click to edit Master text styles</a:t>
+            </a:r>
+          </a:p>
+          <a:p>
+            <a:pPr lvl="1"/>
+            <a:r>
+              <a:rPr lang="en-US" smtClean="0"/>
+              <a:t>Second level</a:t>
+            </a:r>
+          </a:p>
+          <a:p>
+            <a:pPr lvl="2"/>
+            <a:r>
+              <a:rPr lang="en-US" smtClean="0"/>
+              <a:t>Third level</a:t>
+            </a:r>
+          </a:p>
+          <a:p>
+            <a:pPr lvl="3"/>
+            <a:r>
+              <a:rPr lang="en-US" smtClean="0"/>
+              <a:t>Fourth level</a:t>
+            </a:r>
+          </a:p>
+          <a:p>
+            <a:pPr lvl="4"/>
+            <a:r>
+              <a:rPr lang="en-US" smtClean="0"/>
+              <a:t>Fifth level</a:t>
+            </a:r>
+            <a:endParaRPr lang="en-US"/>
+          </a:p>
+        </p:txBody>
+      </p:sp>
+      <p:sp>
+        <p:nvSpPr>
+          <p:cNvPr id="5" name="Text Placeholder 4"/>
+          <p:cNvSpPr>
+            <a:spLocks noGrp="1"/>
+          </p:cNvSpPr>
+          <p:nvPr>
+            <p:ph type="body" sz="quarter" idx="3"/>
+          </p:nvPr>
+        </p:nvSpPr>
+        <p:spPr>
+          <a:xfrm>
+            <a:off x="4629150" y="1681163"/>
+            <a:ext cx="3887788" cy="823912"/>
+          </a:xfrm>
+        </p:spPr>
+        <p:txBody>
+          <a:bodyPr anchor="b"/>
+          <a:lstStyle>
+            <a:lvl1pPr marL="0" indent="0">
+              <a:buNone/>
+              <a:defRPr sz="2400" b="1"/>
+            </a:lvl1pPr>
+            <a:lvl2pPr marL="457200" indent="0">
+              <a:buNone/>
+              <a:defRPr sz="2000" b="1"/>
+            </a:lvl2pPr>
+            <a:lvl3pPr marL="914400" indent="0">
+              <a:buNone/>
+              <a:defRPr sz="1800" b="1"/>
+            </a:lvl3pPr>
+            <a:lvl4pPr marL="1371600" indent="0">
+              <a:buNone/>
+              <a:defRPr sz="1600" b="1"/>
+            </a:lvl4pPr>
+            <a:lvl5pPr marL="1828800" indent="0">
+              <a:buNone/>
+              <a:defRPr sz="1600" b="1"/>
+            </a:lvl5pPr>
+            <a:lvl6pPr marL="2286000" indent="0">
+              <a:buNone/>
+              <a:defRPr sz="1600" b="1"/>
+            </a:lvl6pPr>
+            <a:lvl7pPr marL="2743200" indent="0">
+              <a:buNone/>
+              <a:defRPr sz="1600" b="1"/>
+            </a:lvl7pPr>
+            <a:lvl8pPr marL="3200400" indent="0">
+              <a:buNone/>
+              <a:defRPr sz="1600" b="1"/>
+            </a:lvl8pPr>
+            <a:lvl9pPr marL="3657600" indent="0">
+              <a:buNone/>
+              <a:defRPr sz="1600" b="1"/>
+            </a:lvl9pPr>
+          </a:lstStyle>
+          <a:p>
+            <a:pPr lvl="0"/>
+            <a:r>
+              <a:rPr lang="en-US" smtClean="0"/>
+              <a:t>Click to edit Master text styles</a:t>
+            </a:r>
+          </a:p>
+        </p:txBody>
+      </p:sp>
+      <p:sp>
+        <p:nvSpPr>
+          <p:cNvPr id="6" name="Content Placeholder 5"/>
+          <p:cNvSpPr>
+            <a:spLocks noGrp="1"/>
+          </p:cNvSpPr>
+          <p:nvPr>
+            <p:ph sz="quarter" idx="4"/>
+          </p:nvPr>
+        </p:nvSpPr>
+        <p:spPr>
+          <a:xfrm>
+            <a:off x="4629150" y="2505075"/>
+            <a:ext cx="3887788" cy="3684588"/>
+          </a:xfrm>
+        </p:spPr>
+        <p:txBody>
+          <a:bodyPr/>
+          <a:lstStyle/>
+          <a:p>
+            <a:pPr lvl="0"/>
+            <a:r>
+              <a:rPr lang="en-US" smtClean="0"/>
+              <a:t>Click to edit Master text styles</a:t>
+            </a:r>
+          </a:p>
+          <a:p>
+            <a:pPr lvl="1"/>
+            <a:r>
+              <a:rPr lang="en-US" smtClean="0"/>
+              <a:t>Second level</a:t>
+            </a:r>
+          </a:p>
+          <a:p>
+            <a:pPr lvl="2"/>
+            <a:r>
+              <a:rPr lang="en-US" smtClean="0"/>
+              <a:t>Third level</a:t>
+            </a:r>
+          </a:p>
+          <a:p>
+            <a:pPr lvl="3"/>
+            <a:r>
+              <a:rPr lang="en-US" smtClean="0"/>
+              <a:t>Fourth level</a:t>
+            </a:r>
+          </a:p>
+          <a:p>
+            <a:pPr lvl="4"/>
+            <a:r>
+              <a:rPr lang="en-US" smtClean="0"/>
+              <a:t>Fifth level</a:t>
+            </a:r>
+            <a:endParaRPr lang="en-US"/>
+          </a:p>
+        </p:txBody>
+      </p:sp>
+      <p:sp>
+        <p:nvSpPr>
+          <p:cNvPr id="7" name="Date Placeholder 6"/>
+          <p:cNvSpPr>
+            <a:spLocks noGrp="1"/>
+          </p:cNvSpPr>
+          <p:nvPr>
+            <p:ph type="dt" sz="half" idx="10"/>
+          </p:nvPr>
+        </p:nvSpPr>
+        <p:spPr/>
+        <p:txBody>
+          <a:bodyPr/>
+          <a:lstStyle/>
+          <a:p>
+            <a:fld id="{23A22DC0-0E3E-4E4F-9D65-0A062092EE9F}" type="datetime1">
+              <a:rPr lang="en-US" smtClean="0"/>
+              <a:t>7/4/16</a:t>
+            </a:fld>
+            <a:endParaRPr lang="en-US"/>
+          </a:p>
+        </p:txBody>
+      </p:sp>
+      <p:sp>
+        <p:nvSpPr>
+          <p:cNvPr id="8" name="Footer Placeholder 7"/>
+          <p:cNvSpPr>
+            <a:spLocks noGrp="1"/>
+          </p:cNvSpPr>
+          <p:nvPr>
+            <p:ph type="ftr" sz="quarter" idx="11"/>
+          </p:nvPr>
+        </p:nvSpPr>
+        <p:spPr/>
+        <p:txBody>
+          <a:bodyPr/>
+          <a:lstStyle/>
+          <a:p>
+            <a:r>
+              <a:rPr lang="en-US" smtClean="0"/>
+              <a:t>© EV3Lessons.com, 2016, (Last edit: 7/04/2016)</a:t>
+            </a:r>
+            <a:endParaRPr lang="en-US"/>
+          </a:p>
+        </p:txBody>
+      </p:sp>
+      <p:sp>
+        <p:nvSpPr>
+          <p:cNvPr id="9" name="Slide Number Placeholder 8"/>
+          <p:cNvSpPr>
+            <a:spLocks noGrp="1"/>
+          </p:cNvSpPr>
+          <p:nvPr>
+            <p:ph type="sldNum" sz="quarter" idx="12"/>
+          </p:nvPr>
+        </p:nvSpPr>
+        <p:spPr/>
+        <p:txBody>
+          <a:bodyPr/>
+          <a:lstStyle/>
+          <a:p>
+            <a:fld id="{DE42E464-3EB8-43C8-8768-9E2AD4F497B7}" type="slidenum">
+              <a:rPr lang="en-US" smtClean="0"/>
+              <a:t>‹#›</a:t>
+            </a:fld>
+            <a:endParaRPr lang="en-US"/>
+          </a:p>
+        </p:txBody>
+      </p:sp>
+    </p:spTree>
+    <p:extLst>
+      <p:ext uri="{BB962C8B-B14F-4D97-AF65-F5344CB8AC3E}">
+        <p14:creationId xmlns:p14="http://schemas.microsoft.com/office/powerpoint/2010/main" val="405163158"/>
+      </p:ext>
+    </p:extLst>
+  </p:cSld>
+  <p:clrMapOvr>
+    <a:masterClrMapping/>
+  </p:clrMapOvr>
+</p:sldLayout>
+</file>
+
+<file path=ppt/slideLayouts/slideLayout17.xml><?xml version="1.0" encoding="utf-8"?>
+<p:sldLayout xmlns:a="http://schemas.openxmlformats.org/drawingml/2006/main" xmlns:r="http://schemas.openxmlformats.org/officeDocument/2006/relationships" xmlns:p="http://schemas.openxmlformats.org/presentationml/2006/main" type="titleOnly" preserve="1">
+  <p:cSld name="Title Only">
+    <p:spTree>
+      <p:nvGrpSpPr>
+        <p:cNvPr id="1" name=""/>
+        <p:cNvGrpSpPr/>
+        <p:nvPr/>
+      </p:nvGrpSpPr>
+      <p:grpSpPr>
+        <a:xfrm>
+          <a:off x="0" y="0"/>
+          <a:ext cx="0" cy="0"/>
+          <a:chOff x="0" y="0"/>
+          <a:chExt cx="0" cy="0"/>
+        </a:xfrm>
+      </p:grpSpPr>
+      <p:sp>
+        <p:nvSpPr>
+          <p:cNvPr id="2" name="Title 1"/>
+          <p:cNvSpPr>
+            <a:spLocks noGrp="1"/>
+          </p:cNvSpPr>
+          <p:nvPr>
+            <p:ph type="title"/>
+          </p:nvPr>
+        </p:nvSpPr>
+        <p:spPr/>
+        <p:txBody>
+          <a:bodyPr/>
+          <a:lstStyle/>
+          <a:p>
+            <a:r>
+              <a:rPr lang="en-US" smtClean="0"/>
+              <a:t>Click to edit Master title style</a:t>
+            </a:r>
+            <a:endParaRPr lang="en-US"/>
+          </a:p>
+        </p:txBody>
+      </p:sp>
+      <p:sp>
+        <p:nvSpPr>
+          <p:cNvPr id="3" name="Date Placeholder 2"/>
+          <p:cNvSpPr>
+            <a:spLocks noGrp="1"/>
+          </p:cNvSpPr>
+          <p:nvPr>
+            <p:ph type="dt" sz="half" idx="10"/>
+          </p:nvPr>
+        </p:nvSpPr>
+        <p:spPr/>
+        <p:txBody>
+          <a:bodyPr/>
+          <a:lstStyle/>
+          <a:p>
+            <a:fld id="{123734A8-898F-D042-81C5-87B9B7317C9D}" type="datetime1">
+              <a:rPr lang="en-US" smtClean="0"/>
+              <a:t>7/4/16</a:t>
+            </a:fld>
+            <a:endParaRPr lang="en-US"/>
+          </a:p>
+        </p:txBody>
+      </p:sp>
+      <p:sp>
+        <p:nvSpPr>
+          <p:cNvPr id="4" name="Footer Placeholder 3"/>
+          <p:cNvSpPr>
+            <a:spLocks noGrp="1"/>
+          </p:cNvSpPr>
+          <p:nvPr>
+            <p:ph type="ftr" sz="quarter" idx="11"/>
+          </p:nvPr>
+        </p:nvSpPr>
+        <p:spPr/>
+        <p:txBody>
+          <a:bodyPr/>
+          <a:lstStyle/>
+          <a:p>
+            <a:r>
+              <a:rPr lang="en-US" smtClean="0"/>
+              <a:t>© EV3Lessons.com, 2016, (Last edit: 7/04/2016)</a:t>
+            </a:r>
+            <a:endParaRPr lang="en-US"/>
+          </a:p>
+        </p:txBody>
+      </p:sp>
+      <p:sp>
+        <p:nvSpPr>
+          <p:cNvPr id="5" name="Slide Number Placeholder 4"/>
+          <p:cNvSpPr>
+            <a:spLocks noGrp="1"/>
+          </p:cNvSpPr>
+          <p:nvPr>
+            <p:ph type="sldNum" sz="quarter" idx="12"/>
+          </p:nvPr>
+        </p:nvSpPr>
+        <p:spPr/>
+        <p:txBody>
+          <a:bodyPr/>
+          <a:lstStyle/>
+          <a:p>
+            <a:fld id="{DE42E464-3EB8-43C8-8768-9E2AD4F497B7}" type="slidenum">
+              <a:rPr lang="en-US" smtClean="0"/>
+              <a:t>‹#›</a:t>
+            </a:fld>
+            <a:endParaRPr lang="en-US"/>
+          </a:p>
+        </p:txBody>
+      </p:sp>
+    </p:spTree>
+    <p:extLst>
+      <p:ext uri="{BB962C8B-B14F-4D97-AF65-F5344CB8AC3E}">
+        <p14:creationId xmlns:p14="http://schemas.microsoft.com/office/powerpoint/2010/main" val="2054035516"/>
+      </p:ext>
+    </p:extLst>
+  </p:cSld>
+  <p:clrMapOvr>
+    <a:masterClrMapping/>
+  </p:clrMapOvr>
+</p:sldLayout>
+</file>
+
+<file path=ppt/slideLayouts/slideLayout18.xml><?xml version="1.0" encoding="utf-8"?>
+<p:sldLayout xmlns:a="http://schemas.openxmlformats.org/drawingml/2006/main" xmlns:r="http://schemas.openxmlformats.org/officeDocument/2006/relationships" xmlns:p="http://schemas.openxmlformats.org/presentationml/2006/main" type="blank" preserve="1">
+  <p:cSld name="Blank">
+    <p:spTree>
+      <p:nvGrpSpPr>
+        <p:cNvPr id="1" name=""/>
+        <p:cNvGrpSpPr/>
+        <p:nvPr/>
+      </p:nvGrpSpPr>
+      <p:grpSpPr>
+        <a:xfrm>
+          <a:off x="0" y="0"/>
+          <a:ext cx="0" cy="0"/>
+          <a:chOff x="0" y="0"/>
+          <a:chExt cx="0" cy="0"/>
+        </a:xfrm>
+      </p:grpSpPr>
+      <p:sp>
+        <p:nvSpPr>
+          <p:cNvPr id="2" name="Date Placeholder 1"/>
+          <p:cNvSpPr>
+            <a:spLocks noGrp="1"/>
+          </p:cNvSpPr>
+          <p:nvPr>
+            <p:ph type="dt" sz="half" idx="10"/>
+          </p:nvPr>
+        </p:nvSpPr>
+        <p:spPr/>
+        <p:txBody>
+          <a:bodyPr/>
+          <a:lstStyle/>
+          <a:p>
+            <a:fld id="{684AB457-B71C-5143-826A-B48C11D31984}" type="datetime1">
+              <a:rPr lang="en-US" smtClean="0"/>
+              <a:t>7/4/16</a:t>
+            </a:fld>
+            <a:endParaRPr lang="en-US"/>
+          </a:p>
+        </p:txBody>
+      </p:sp>
+      <p:sp>
+        <p:nvSpPr>
+          <p:cNvPr id="3" name="Footer Placeholder 2"/>
+          <p:cNvSpPr>
+            <a:spLocks noGrp="1"/>
+          </p:cNvSpPr>
+          <p:nvPr>
+            <p:ph type="ftr" sz="quarter" idx="11"/>
+          </p:nvPr>
+        </p:nvSpPr>
+        <p:spPr/>
+        <p:txBody>
+          <a:bodyPr/>
+          <a:lstStyle/>
+          <a:p>
+            <a:r>
+              <a:rPr lang="en-US" smtClean="0"/>
+              <a:t>© EV3Lessons.com, 2016, (Last edit: 7/04/2016)</a:t>
+            </a:r>
+            <a:endParaRPr lang="en-US"/>
+          </a:p>
+        </p:txBody>
+      </p:sp>
+      <p:sp>
+        <p:nvSpPr>
+          <p:cNvPr id="4" name="Slide Number Placeholder 3"/>
+          <p:cNvSpPr>
+            <a:spLocks noGrp="1"/>
+          </p:cNvSpPr>
+          <p:nvPr>
+            <p:ph type="sldNum" sz="quarter" idx="12"/>
+          </p:nvPr>
+        </p:nvSpPr>
+        <p:spPr/>
+        <p:txBody>
+          <a:bodyPr/>
+          <a:lstStyle/>
+          <a:p>
+            <a:fld id="{DE42E464-3EB8-43C8-8768-9E2AD4F497B7}" type="slidenum">
+              <a:rPr lang="en-US" smtClean="0"/>
+              <a:t>‹#›</a:t>
+            </a:fld>
+            <a:endParaRPr lang="en-US"/>
+          </a:p>
+        </p:txBody>
+      </p:sp>
+    </p:spTree>
+    <p:extLst>
+      <p:ext uri="{BB962C8B-B14F-4D97-AF65-F5344CB8AC3E}">
+        <p14:creationId xmlns:p14="http://schemas.microsoft.com/office/powerpoint/2010/main" val="1375291887"/>
+      </p:ext>
+    </p:extLst>
+  </p:cSld>
+  <p:clrMapOvr>
+    <a:masterClrMapping/>
+  </p:clrMapOvr>
+</p:sldLayout>
+</file>
+
+<file path=ppt/slideLayouts/slideLayout19.xml><?xml version="1.0" encoding="utf-8"?>
+<p:sldLayout xmlns:a="http://schemas.openxmlformats.org/drawingml/2006/main" xmlns:r="http://schemas.openxmlformats.org/officeDocument/2006/relationships" xmlns:p="http://schemas.openxmlformats.org/presentationml/2006/main" type="objTx" preserve="1">
+  <p:cSld name="Content with Caption">
+    <p:spTree>
+      <p:nvGrpSpPr>
+        <p:cNvPr id="1" name=""/>
+        <p:cNvGrpSpPr/>
+        <p:nvPr/>
+      </p:nvGrpSpPr>
+      <p:grpSpPr>
+        <a:xfrm>
+          <a:off x="0" y="0"/>
+          <a:ext cx="0" cy="0"/>
+          <a:chOff x="0" y="0"/>
+          <a:chExt cx="0" cy="0"/>
+        </a:xfrm>
+      </p:grpSpPr>
+      <p:sp>
+        <p:nvSpPr>
+          <p:cNvPr id="2" name="Title 1"/>
+          <p:cNvSpPr>
+            <a:spLocks noGrp="1"/>
+          </p:cNvSpPr>
+          <p:nvPr>
+            <p:ph type="title"/>
+          </p:nvPr>
+        </p:nvSpPr>
+        <p:spPr>
+          <a:xfrm>
+            <a:off x="630238" y="457200"/>
+            <a:ext cx="2949575" cy="1600200"/>
+          </a:xfrm>
+        </p:spPr>
+        <p:txBody>
+          <a:bodyPr anchor="b"/>
+          <a:lstStyle>
+            <a:lvl1pPr>
+              <a:defRPr sz="3200"/>
+            </a:lvl1pPr>
+          </a:lstStyle>
+          <a:p>
+            <a:r>
+              <a:rPr lang="en-US" smtClean="0"/>
+              <a:t>Click to edit Master title style</a:t>
+            </a:r>
+            <a:endParaRPr lang="en-US"/>
+          </a:p>
+        </p:txBody>
+      </p:sp>
+      <p:sp>
+        <p:nvSpPr>
+          <p:cNvPr id="3" name="Content Placeholder 2"/>
+          <p:cNvSpPr>
+            <a:spLocks noGrp="1"/>
+          </p:cNvSpPr>
+          <p:nvPr>
+            <p:ph idx="1"/>
+          </p:nvPr>
+        </p:nvSpPr>
+        <p:spPr>
+          <a:xfrm>
+            <a:off x="3887788" y="987425"/>
+            <a:ext cx="4629150" cy="4873625"/>
+          </a:xfrm>
+        </p:spPr>
+        <p:txBody>
+          <a:bodyPr/>
+          <a:lstStyle>
+            <a:lvl1pPr>
+              <a:defRPr sz="3200"/>
+            </a:lvl1pPr>
+            <a:lvl2pPr>
+              <a:defRPr sz="2800"/>
+            </a:lvl2pPr>
+            <a:lvl3pPr>
+              <a:defRPr sz="2400"/>
+            </a:lvl3pPr>
+            <a:lvl4pPr>
+              <a:defRPr sz="2000"/>
+            </a:lvl4pPr>
+            <a:lvl5pPr>
+              <a:defRPr sz="2000"/>
+            </a:lvl5pPr>
+            <a:lvl6pPr>
+              <a:defRPr sz="2000"/>
+            </a:lvl6pPr>
+            <a:lvl7pPr>
+              <a:defRPr sz="2000"/>
+            </a:lvl7pPr>
+            <a:lvl8pPr>
+              <a:defRPr sz="2000"/>
+            </a:lvl8pPr>
+            <a:lvl9pPr>
+              <a:defRPr sz="2000"/>
+            </a:lvl9pPr>
+          </a:lstStyle>
+          <a:p>
+            <a:pPr lvl="0"/>
+            <a:r>
+              <a:rPr lang="en-US" smtClean="0"/>
+              <a:t>Click to edit Master text styles</a:t>
+            </a:r>
+          </a:p>
+          <a:p>
+            <a:pPr lvl="1"/>
+            <a:r>
+              <a:rPr lang="en-US" smtClean="0"/>
+              <a:t>Second level</a:t>
+            </a:r>
+          </a:p>
+          <a:p>
+            <a:pPr lvl="2"/>
+            <a:r>
+              <a:rPr lang="en-US" smtClean="0"/>
+              <a:t>Third level</a:t>
+            </a:r>
+          </a:p>
+          <a:p>
+            <a:pPr lvl="3"/>
+            <a:r>
+              <a:rPr lang="en-US" smtClean="0"/>
+              <a:t>Fourth level</a:t>
+            </a:r>
+          </a:p>
+          <a:p>
+            <a:pPr lvl="4"/>
+            <a:r>
+              <a:rPr lang="en-US" smtClean="0"/>
+              <a:t>Fifth level</a:t>
+            </a:r>
+            <a:endParaRPr lang="en-US"/>
+          </a:p>
+        </p:txBody>
+      </p:sp>
+      <p:sp>
+        <p:nvSpPr>
+          <p:cNvPr id="4" name="Text Placeholder 3"/>
+          <p:cNvSpPr>
+            <a:spLocks noGrp="1"/>
+          </p:cNvSpPr>
+          <p:nvPr>
+            <p:ph type="body" sz="half" idx="2"/>
+          </p:nvPr>
+        </p:nvSpPr>
+        <p:spPr>
+          <a:xfrm>
+            <a:off x="630238" y="2057400"/>
+            <a:ext cx="2949575" cy="3811588"/>
+          </a:xfrm>
+        </p:spPr>
+        <p:txBody>
+          <a:bodyPr/>
+          <a:lstStyle>
+            <a:lvl1pPr marL="0" indent="0">
+              <a:buNone/>
+              <a:defRPr sz="1600"/>
+            </a:lvl1pPr>
+            <a:lvl2pPr marL="457200" indent="0">
+              <a:buNone/>
+              <a:defRPr sz="1400"/>
+            </a:lvl2pPr>
+            <a:lvl3pPr marL="914400" indent="0">
+              <a:buNone/>
+              <a:defRPr sz="1200"/>
+            </a:lvl3pPr>
+            <a:lvl4pPr marL="1371600" indent="0">
+              <a:buNone/>
+              <a:defRPr sz="1000"/>
+            </a:lvl4pPr>
+            <a:lvl5pPr marL="1828800" indent="0">
+              <a:buNone/>
+              <a:defRPr sz="1000"/>
+            </a:lvl5pPr>
+            <a:lvl6pPr marL="2286000" indent="0">
+              <a:buNone/>
+              <a:defRPr sz="1000"/>
+            </a:lvl6pPr>
+            <a:lvl7pPr marL="2743200" indent="0">
+              <a:buNone/>
+              <a:defRPr sz="1000"/>
+            </a:lvl7pPr>
+            <a:lvl8pPr marL="3200400" indent="0">
+              <a:buNone/>
+              <a:defRPr sz="1000"/>
+            </a:lvl8pPr>
+            <a:lvl9pPr marL="3657600" indent="0">
+              <a:buNone/>
+              <a:defRPr sz="1000"/>
+            </a:lvl9pPr>
+          </a:lstStyle>
+          <a:p>
+            <a:pPr lvl="0"/>
+            <a:r>
+              <a:rPr lang="en-US" smtClean="0"/>
+              <a:t>Click to edit Master text styles</a:t>
+            </a:r>
+          </a:p>
+        </p:txBody>
+      </p:sp>
+      <p:sp>
+        <p:nvSpPr>
+          <p:cNvPr id="5" name="Date Placeholder 4"/>
+          <p:cNvSpPr>
+            <a:spLocks noGrp="1"/>
+          </p:cNvSpPr>
+          <p:nvPr>
+            <p:ph type="dt" sz="half" idx="10"/>
+          </p:nvPr>
+        </p:nvSpPr>
+        <p:spPr/>
+        <p:txBody>
+          <a:bodyPr/>
+          <a:lstStyle/>
+          <a:p>
+            <a:fld id="{45FD3294-A232-044D-BA94-ACD8E6488E61}" type="datetime1">
+              <a:rPr lang="en-US" smtClean="0"/>
+              <a:t>7/4/16</a:t>
+            </a:fld>
+            <a:endParaRPr lang="en-US"/>
+          </a:p>
+        </p:txBody>
+      </p:sp>
+      <p:sp>
+        <p:nvSpPr>
+          <p:cNvPr id="6" name="Footer Placeholder 5"/>
+          <p:cNvSpPr>
+            <a:spLocks noGrp="1"/>
+          </p:cNvSpPr>
+          <p:nvPr>
+            <p:ph type="ftr" sz="quarter" idx="11"/>
+          </p:nvPr>
+        </p:nvSpPr>
+        <p:spPr/>
+        <p:txBody>
+          <a:bodyPr/>
+          <a:lstStyle/>
+          <a:p>
+            <a:r>
+              <a:rPr lang="en-US" smtClean="0"/>
+              <a:t>© EV3Lessons.com, 2016, (Last edit: 7/04/2016)</a:t>
+            </a:r>
+            <a:endParaRPr lang="en-US"/>
+          </a:p>
+        </p:txBody>
+      </p:sp>
+      <p:sp>
+        <p:nvSpPr>
+          <p:cNvPr id="7" name="Slide Number Placeholder 6"/>
+          <p:cNvSpPr>
+            <a:spLocks noGrp="1"/>
+          </p:cNvSpPr>
+          <p:nvPr>
+            <p:ph type="sldNum" sz="quarter" idx="12"/>
+          </p:nvPr>
+        </p:nvSpPr>
+        <p:spPr/>
+        <p:txBody>
+          <a:bodyPr/>
+          <a:lstStyle/>
+          <a:p>
+            <a:fld id="{DE42E464-3EB8-43C8-8768-9E2AD4F497B7}" type="slidenum">
+              <a:rPr lang="en-US" smtClean="0"/>
+              <a:t>‹#›</a:t>
+            </a:fld>
+            <a:endParaRPr lang="en-US"/>
+          </a:p>
+        </p:txBody>
+      </p:sp>
+    </p:spTree>
+    <p:extLst>
+      <p:ext uri="{BB962C8B-B14F-4D97-AF65-F5344CB8AC3E}">
+        <p14:creationId xmlns:p14="http://schemas.microsoft.com/office/powerpoint/2010/main" val="1164252148"/>
+      </p:ext>
+    </p:extLst>
   </p:cSld>
   <p:clrMapOvr>
     <a:masterClrMapping/>
@@ -1602,9 +3562,9 @@
           <a:bodyPr/>
           <a:lstStyle/>
           <a:p>
-            <a:fld id="{4A321047-43D6-4172-B18C-66077035C21E}" type="datetime1">
-              <a:rPr lang="en-US" smtClean="0"/>
-              <a:t>11/14/15</a:t>
+            <a:fld id="{305B0AC6-3446-034C-AC71-AAAF263EC69F}" type="datetime1">
+              <a:rPr lang="en-US" smtClean="0"/>
+              <a:t>7/4/16</a:t>
             </a:fld>
             <a:endParaRPr lang="en-US"/>
           </a:p>
@@ -1627,7 +3587,7 @@
           <a:p>
             <a:r>
               <a:rPr lang="en-US" smtClean="0"/>
-              <a:t>© EV3Lessons.com, 2015, (Last edit: 2/26/2015)</a:t>
+              <a:t>© EV3Lessons.com, 2016, (Last edit: 7/04/2016)</a:t>
             </a:r>
             <a:endParaRPr lang="en-US"/>
           </a:p>
@@ -1645,9 +3605,12 @@
         </p:nvSpPr>
         <p:spPr>
           <a:xfrm>
-            <a:off x="8358822" y="6385560"/>
-            <a:ext cx="592138" cy="365125"/>
-          </a:xfrm>
+            <a:off x="8457383" y="6376457"/>
+            <a:ext cx="627256" cy="365125"/>
+          </a:xfrm>
+          <a:prstGeom prst="rect">
+            <a:avLst/>
+          </a:prstGeom>
         </p:spPr>
         <p:txBody>
           <a:bodyPr/>
@@ -1662,6 +3625,637 @@
         </p:txBody>
       </p:sp>
     </p:spTree>
+    <p:extLst>
+      <p:ext uri="{BB962C8B-B14F-4D97-AF65-F5344CB8AC3E}">
+        <p14:creationId xmlns:p14="http://schemas.microsoft.com/office/powerpoint/2010/main" val="1747937004"/>
+      </p:ext>
+    </p:extLst>
+  </p:cSld>
+  <p:clrMapOvr>
+    <a:masterClrMapping/>
+  </p:clrMapOvr>
+  <p:timing>
+    <p:tnLst>
+      <p:par>
+        <p:cTn id="1" dur="indefinite" restart="never" nodeType="tmRoot"/>
+      </p:par>
+    </p:tnLst>
+  </p:timing>
+</p:sldLayout>
+</file>
+
+<file path=ppt/slideLayouts/slideLayout20.xml><?xml version="1.0" encoding="utf-8"?>
+<p:sldLayout xmlns:a="http://schemas.openxmlformats.org/drawingml/2006/main" xmlns:r="http://schemas.openxmlformats.org/officeDocument/2006/relationships" xmlns:p="http://schemas.openxmlformats.org/presentationml/2006/main" type="picTx" preserve="1">
+  <p:cSld name="Picture with Caption">
+    <p:spTree>
+      <p:nvGrpSpPr>
+        <p:cNvPr id="1" name=""/>
+        <p:cNvGrpSpPr/>
+        <p:nvPr/>
+      </p:nvGrpSpPr>
+      <p:grpSpPr>
+        <a:xfrm>
+          <a:off x="0" y="0"/>
+          <a:ext cx="0" cy="0"/>
+          <a:chOff x="0" y="0"/>
+          <a:chExt cx="0" cy="0"/>
+        </a:xfrm>
+      </p:grpSpPr>
+      <p:sp>
+        <p:nvSpPr>
+          <p:cNvPr id="2" name="Title 1"/>
+          <p:cNvSpPr>
+            <a:spLocks noGrp="1"/>
+          </p:cNvSpPr>
+          <p:nvPr>
+            <p:ph type="title"/>
+          </p:nvPr>
+        </p:nvSpPr>
+        <p:spPr>
+          <a:xfrm>
+            <a:off x="630238" y="457200"/>
+            <a:ext cx="2949575" cy="1600200"/>
+          </a:xfrm>
+        </p:spPr>
+        <p:txBody>
+          <a:bodyPr anchor="b"/>
+          <a:lstStyle>
+            <a:lvl1pPr>
+              <a:defRPr sz="3200"/>
+            </a:lvl1pPr>
+          </a:lstStyle>
+          <a:p>
+            <a:r>
+              <a:rPr lang="en-US" smtClean="0"/>
+              <a:t>Click to edit Master title style</a:t>
+            </a:r>
+            <a:endParaRPr lang="en-US"/>
+          </a:p>
+        </p:txBody>
+      </p:sp>
+      <p:sp>
+        <p:nvSpPr>
+          <p:cNvPr id="3" name="Picture Placeholder 2"/>
+          <p:cNvSpPr>
+            <a:spLocks noGrp="1"/>
+          </p:cNvSpPr>
+          <p:nvPr>
+            <p:ph type="pic" idx="1"/>
+          </p:nvPr>
+        </p:nvSpPr>
+        <p:spPr>
+          <a:xfrm>
+            <a:off x="3887788" y="987425"/>
+            <a:ext cx="4629150" cy="4873625"/>
+          </a:xfrm>
+        </p:spPr>
+        <p:txBody>
+          <a:bodyPr/>
+          <a:lstStyle>
+            <a:lvl1pPr marL="0" indent="0">
+              <a:buNone/>
+              <a:defRPr sz="3200"/>
+            </a:lvl1pPr>
+            <a:lvl2pPr marL="457200" indent="0">
+              <a:buNone/>
+              <a:defRPr sz="2800"/>
+            </a:lvl2pPr>
+            <a:lvl3pPr marL="914400" indent="0">
+              <a:buNone/>
+              <a:defRPr sz="2400"/>
+            </a:lvl3pPr>
+            <a:lvl4pPr marL="1371600" indent="0">
+              <a:buNone/>
+              <a:defRPr sz="2000"/>
+            </a:lvl4pPr>
+            <a:lvl5pPr marL="1828800" indent="0">
+              <a:buNone/>
+              <a:defRPr sz="2000"/>
+            </a:lvl5pPr>
+            <a:lvl6pPr marL="2286000" indent="0">
+              <a:buNone/>
+              <a:defRPr sz="2000"/>
+            </a:lvl6pPr>
+            <a:lvl7pPr marL="2743200" indent="0">
+              <a:buNone/>
+              <a:defRPr sz="2000"/>
+            </a:lvl7pPr>
+            <a:lvl8pPr marL="3200400" indent="0">
+              <a:buNone/>
+              <a:defRPr sz="2000"/>
+            </a:lvl8pPr>
+            <a:lvl9pPr marL="3657600" indent="0">
+              <a:buNone/>
+              <a:defRPr sz="2000"/>
+            </a:lvl9pPr>
+          </a:lstStyle>
+          <a:p>
+            <a:r>
+              <a:rPr lang="en-US" smtClean="0"/>
+              <a:t>Drag picture to placeholder or click icon to add</a:t>
+            </a:r>
+            <a:endParaRPr lang="en-US"/>
+          </a:p>
+        </p:txBody>
+      </p:sp>
+      <p:sp>
+        <p:nvSpPr>
+          <p:cNvPr id="4" name="Text Placeholder 3"/>
+          <p:cNvSpPr>
+            <a:spLocks noGrp="1"/>
+          </p:cNvSpPr>
+          <p:nvPr>
+            <p:ph type="body" sz="half" idx="2"/>
+          </p:nvPr>
+        </p:nvSpPr>
+        <p:spPr>
+          <a:xfrm>
+            <a:off x="630238" y="2057400"/>
+            <a:ext cx="2949575" cy="3811588"/>
+          </a:xfrm>
+        </p:spPr>
+        <p:txBody>
+          <a:bodyPr/>
+          <a:lstStyle>
+            <a:lvl1pPr marL="0" indent="0">
+              <a:buNone/>
+              <a:defRPr sz="1600"/>
+            </a:lvl1pPr>
+            <a:lvl2pPr marL="457200" indent="0">
+              <a:buNone/>
+              <a:defRPr sz="1400"/>
+            </a:lvl2pPr>
+            <a:lvl3pPr marL="914400" indent="0">
+              <a:buNone/>
+              <a:defRPr sz="1200"/>
+            </a:lvl3pPr>
+            <a:lvl4pPr marL="1371600" indent="0">
+              <a:buNone/>
+              <a:defRPr sz="1000"/>
+            </a:lvl4pPr>
+            <a:lvl5pPr marL="1828800" indent="0">
+              <a:buNone/>
+              <a:defRPr sz="1000"/>
+            </a:lvl5pPr>
+            <a:lvl6pPr marL="2286000" indent="0">
+              <a:buNone/>
+              <a:defRPr sz="1000"/>
+            </a:lvl6pPr>
+            <a:lvl7pPr marL="2743200" indent="0">
+              <a:buNone/>
+              <a:defRPr sz="1000"/>
+            </a:lvl7pPr>
+            <a:lvl8pPr marL="3200400" indent="0">
+              <a:buNone/>
+              <a:defRPr sz="1000"/>
+            </a:lvl8pPr>
+            <a:lvl9pPr marL="3657600" indent="0">
+              <a:buNone/>
+              <a:defRPr sz="1000"/>
+            </a:lvl9pPr>
+          </a:lstStyle>
+          <a:p>
+            <a:pPr lvl="0"/>
+            <a:r>
+              <a:rPr lang="en-US" smtClean="0"/>
+              <a:t>Click to edit Master text styles</a:t>
+            </a:r>
+          </a:p>
+        </p:txBody>
+      </p:sp>
+      <p:sp>
+        <p:nvSpPr>
+          <p:cNvPr id="5" name="Date Placeholder 4"/>
+          <p:cNvSpPr>
+            <a:spLocks noGrp="1"/>
+          </p:cNvSpPr>
+          <p:nvPr>
+            <p:ph type="dt" sz="half" idx="10"/>
+          </p:nvPr>
+        </p:nvSpPr>
+        <p:spPr/>
+        <p:txBody>
+          <a:bodyPr/>
+          <a:lstStyle/>
+          <a:p>
+            <a:fld id="{7C7B0225-8752-564D-91D0-3CAA192F1D5D}" type="datetime1">
+              <a:rPr lang="en-US" smtClean="0"/>
+              <a:t>7/4/16</a:t>
+            </a:fld>
+            <a:endParaRPr lang="en-US"/>
+          </a:p>
+        </p:txBody>
+      </p:sp>
+      <p:sp>
+        <p:nvSpPr>
+          <p:cNvPr id="6" name="Footer Placeholder 5"/>
+          <p:cNvSpPr>
+            <a:spLocks noGrp="1"/>
+          </p:cNvSpPr>
+          <p:nvPr>
+            <p:ph type="ftr" sz="quarter" idx="11"/>
+          </p:nvPr>
+        </p:nvSpPr>
+        <p:spPr/>
+        <p:txBody>
+          <a:bodyPr/>
+          <a:lstStyle/>
+          <a:p>
+            <a:r>
+              <a:rPr lang="en-US" smtClean="0"/>
+              <a:t>© EV3Lessons.com, 2016, (Last edit: 7/04/2016)</a:t>
+            </a:r>
+            <a:endParaRPr lang="en-US"/>
+          </a:p>
+        </p:txBody>
+      </p:sp>
+      <p:sp>
+        <p:nvSpPr>
+          <p:cNvPr id="7" name="Slide Number Placeholder 6"/>
+          <p:cNvSpPr>
+            <a:spLocks noGrp="1"/>
+          </p:cNvSpPr>
+          <p:nvPr>
+            <p:ph type="sldNum" sz="quarter" idx="12"/>
+          </p:nvPr>
+        </p:nvSpPr>
+        <p:spPr/>
+        <p:txBody>
+          <a:bodyPr/>
+          <a:lstStyle/>
+          <a:p>
+            <a:fld id="{DE42E464-3EB8-43C8-8768-9E2AD4F497B7}" type="slidenum">
+              <a:rPr lang="en-US" smtClean="0"/>
+              <a:t>‹#›</a:t>
+            </a:fld>
+            <a:endParaRPr lang="en-US"/>
+          </a:p>
+        </p:txBody>
+      </p:sp>
+    </p:spTree>
+    <p:extLst>
+      <p:ext uri="{BB962C8B-B14F-4D97-AF65-F5344CB8AC3E}">
+        <p14:creationId xmlns:p14="http://schemas.microsoft.com/office/powerpoint/2010/main" val="1862343619"/>
+      </p:ext>
+    </p:extLst>
+  </p:cSld>
+  <p:clrMapOvr>
+    <a:masterClrMapping/>
+  </p:clrMapOvr>
+</p:sldLayout>
+</file>
+
+<file path=ppt/slideLayouts/slideLayout21.xml><?xml version="1.0" encoding="utf-8"?>
+<p:sldLayout xmlns:a="http://schemas.openxmlformats.org/drawingml/2006/main" xmlns:r="http://schemas.openxmlformats.org/officeDocument/2006/relationships" xmlns:p="http://schemas.openxmlformats.org/presentationml/2006/main" type="vertTx" preserve="1">
+  <p:cSld name="Title and Vertical Text">
+    <p:spTree>
+      <p:nvGrpSpPr>
+        <p:cNvPr id="1" name=""/>
+        <p:cNvGrpSpPr/>
+        <p:nvPr/>
+      </p:nvGrpSpPr>
+      <p:grpSpPr>
+        <a:xfrm>
+          <a:off x="0" y="0"/>
+          <a:ext cx="0" cy="0"/>
+          <a:chOff x="0" y="0"/>
+          <a:chExt cx="0" cy="0"/>
+        </a:xfrm>
+      </p:grpSpPr>
+      <p:sp>
+        <p:nvSpPr>
+          <p:cNvPr id="2" name="Title 1"/>
+          <p:cNvSpPr>
+            <a:spLocks noGrp="1"/>
+          </p:cNvSpPr>
+          <p:nvPr>
+            <p:ph type="title"/>
+          </p:nvPr>
+        </p:nvSpPr>
+        <p:spPr/>
+        <p:txBody>
+          <a:bodyPr/>
+          <a:lstStyle/>
+          <a:p>
+            <a:r>
+              <a:rPr lang="en-US" smtClean="0"/>
+              <a:t>Click to edit Master title style</a:t>
+            </a:r>
+            <a:endParaRPr lang="en-US"/>
+          </a:p>
+        </p:txBody>
+      </p:sp>
+      <p:sp>
+        <p:nvSpPr>
+          <p:cNvPr id="3" name="Vertical Text Placeholder 2"/>
+          <p:cNvSpPr>
+            <a:spLocks noGrp="1"/>
+          </p:cNvSpPr>
+          <p:nvPr>
+            <p:ph type="body" orient="vert" idx="1"/>
+          </p:nvPr>
+        </p:nvSpPr>
+        <p:spPr/>
+        <p:txBody>
+          <a:bodyPr vert="eaVert"/>
+          <a:lstStyle/>
+          <a:p>
+            <a:pPr lvl="0"/>
+            <a:r>
+              <a:rPr lang="en-US" smtClean="0"/>
+              <a:t>Click to edit Master text styles</a:t>
+            </a:r>
+          </a:p>
+          <a:p>
+            <a:pPr lvl="1"/>
+            <a:r>
+              <a:rPr lang="en-US" smtClean="0"/>
+              <a:t>Second level</a:t>
+            </a:r>
+          </a:p>
+          <a:p>
+            <a:pPr lvl="2"/>
+            <a:r>
+              <a:rPr lang="en-US" smtClean="0"/>
+              <a:t>Third level</a:t>
+            </a:r>
+          </a:p>
+          <a:p>
+            <a:pPr lvl="3"/>
+            <a:r>
+              <a:rPr lang="en-US" smtClean="0"/>
+              <a:t>Fourth level</a:t>
+            </a:r>
+          </a:p>
+          <a:p>
+            <a:pPr lvl="4"/>
+            <a:r>
+              <a:rPr lang="en-US" smtClean="0"/>
+              <a:t>Fifth level</a:t>
+            </a:r>
+            <a:endParaRPr lang="en-US"/>
+          </a:p>
+        </p:txBody>
+      </p:sp>
+      <p:sp>
+        <p:nvSpPr>
+          <p:cNvPr id="4" name="Date Placeholder 3"/>
+          <p:cNvSpPr>
+            <a:spLocks noGrp="1"/>
+          </p:cNvSpPr>
+          <p:nvPr>
+            <p:ph type="dt" sz="half" idx="10"/>
+          </p:nvPr>
+        </p:nvSpPr>
+        <p:spPr/>
+        <p:txBody>
+          <a:bodyPr/>
+          <a:lstStyle/>
+          <a:p>
+            <a:fld id="{0FE9D2F1-1454-DC49-880E-D3AD9E72360F}" type="datetime1">
+              <a:rPr lang="en-US" smtClean="0"/>
+              <a:t>7/4/16</a:t>
+            </a:fld>
+            <a:endParaRPr lang="en-US"/>
+          </a:p>
+        </p:txBody>
+      </p:sp>
+      <p:sp>
+        <p:nvSpPr>
+          <p:cNvPr id="5" name="Footer Placeholder 4"/>
+          <p:cNvSpPr>
+            <a:spLocks noGrp="1"/>
+          </p:cNvSpPr>
+          <p:nvPr>
+            <p:ph type="ftr" sz="quarter" idx="11"/>
+          </p:nvPr>
+        </p:nvSpPr>
+        <p:spPr/>
+        <p:txBody>
+          <a:bodyPr/>
+          <a:lstStyle/>
+          <a:p>
+            <a:r>
+              <a:rPr lang="en-US" smtClean="0"/>
+              <a:t>© EV3Lessons.com, 2016, (Last edit: 7/04/2016)</a:t>
+            </a:r>
+            <a:endParaRPr lang="en-US"/>
+          </a:p>
+        </p:txBody>
+      </p:sp>
+      <p:sp>
+        <p:nvSpPr>
+          <p:cNvPr id="6" name="Slide Number Placeholder 5"/>
+          <p:cNvSpPr>
+            <a:spLocks noGrp="1"/>
+          </p:cNvSpPr>
+          <p:nvPr>
+            <p:ph type="sldNum" sz="quarter" idx="12"/>
+          </p:nvPr>
+        </p:nvSpPr>
+        <p:spPr/>
+        <p:txBody>
+          <a:bodyPr/>
+          <a:lstStyle/>
+          <a:p>
+            <a:fld id="{DE42E464-3EB8-43C8-8768-9E2AD4F497B7}" type="slidenum">
+              <a:rPr lang="en-US" smtClean="0"/>
+              <a:t>‹#›</a:t>
+            </a:fld>
+            <a:endParaRPr lang="en-US"/>
+          </a:p>
+        </p:txBody>
+      </p:sp>
+    </p:spTree>
+    <p:extLst>
+      <p:ext uri="{BB962C8B-B14F-4D97-AF65-F5344CB8AC3E}">
+        <p14:creationId xmlns:p14="http://schemas.microsoft.com/office/powerpoint/2010/main" val="835049508"/>
+      </p:ext>
+    </p:extLst>
+  </p:cSld>
+  <p:clrMapOvr>
+    <a:masterClrMapping/>
+  </p:clrMapOvr>
+</p:sldLayout>
+</file>
+
+<file path=ppt/slideLayouts/slideLayout22.xml><?xml version="1.0" encoding="utf-8"?>
+<p:sldLayout xmlns:a="http://schemas.openxmlformats.org/drawingml/2006/main" xmlns:r="http://schemas.openxmlformats.org/officeDocument/2006/relationships" xmlns:p="http://schemas.openxmlformats.org/presentationml/2006/main" type="vertTitleAndTx" preserve="1">
+  <p:cSld name="Vertical Title and Text">
+    <p:spTree>
+      <p:nvGrpSpPr>
+        <p:cNvPr id="1" name=""/>
+        <p:cNvGrpSpPr/>
+        <p:nvPr/>
+      </p:nvGrpSpPr>
+      <p:grpSpPr>
+        <a:xfrm>
+          <a:off x="0" y="0"/>
+          <a:ext cx="0" cy="0"/>
+          <a:chOff x="0" y="0"/>
+          <a:chExt cx="0" cy="0"/>
+        </a:xfrm>
+      </p:grpSpPr>
+      <p:sp>
+        <p:nvSpPr>
+          <p:cNvPr id="2" name="Vertical Title 1"/>
+          <p:cNvSpPr>
+            <a:spLocks noGrp="1"/>
+          </p:cNvSpPr>
+          <p:nvPr>
+            <p:ph type="title" orient="vert"/>
+          </p:nvPr>
+        </p:nvSpPr>
+        <p:spPr>
+          <a:xfrm>
+            <a:off x="6543675" y="365125"/>
+            <a:ext cx="1971675" cy="5811838"/>
+          </a:xfrm>
+        </p:spPr>
+        <p:txBody>
+          <a:bodyPr vert="eaVert"/>
+          <a:lstStyle/>
+          <a:p>
+            <a:r>
+              <a:rPr lang="en-US" smtClean="0"/>
+              <a:t>Click to edit Master title style</a:t>
+            </a:r>
+            <a:endParaRPr lang="en-US"/>
+          </a:p>
+        </p:txBody>
+      </p:sp>
+      <p:sp>
+        <p:nvSpPr>
+          <p:cNvPr id="3" name="Vertical Text Placeholder 2"/>
+          <p:cNvSpPr>
+            <a:spLocks noGrp="1"/>
+          </p:cNvSpPr>
+          <p:nvPr>
+            <p:ph type="body" orient="vert" idx="1"/>
+          </p:nvPr>
+        </p:nvSpPr>
+        <p:spPr>
+          <a:xfrm>
+            <a:off x="628650" y="365125"/>
+            <a:ext cx="5762625" cy="5811838"/>
+          </a:xfrm>
+        </p:spPr>
+        <p:txBody>
+          <a:bodyPr vert="eaVert"/>
+          <a:lstStyle/>
+          <a:p>
+            <a:pPr lvl="0"/>
+            <a:r>
+              <a:rPr lang="en-US" smtClean="0"/>
+              <a:t>Click to edit Master text styles</a:t>
+            </a:r>
+          </a:p>
+          <a:p>
+            <a:pPr lvl="1"/>
+            <a:r>
+              <a:rPr lang="en-US" smtClean="0"/>
+              <a:t>Second level</a:t>
+            </a:r>
+          </a:p>
+          <a:p>
+            <a:pPr lvl="2"/>
+            <a:r>
+              <a:rPr lang="en-US" smtClean="0"/>
+              <a:t>Third level</a:t>
+            </a:r>
+          </a:p>
+          <a:p>
+            <a:pPr lvl="3"/>
+            <a:r>
+              <a:rPr lang="en-US" smtClean="0"/>
+              <a:t>Fourth level</a:t>
+            </a:r>
+          </a:p>
+          <a:p>
+            <a:pPr lvl="4"/>
+            <a:r>
+              <a:rPr lang="en-US" smtClean="0"/>
+              <a:t>Fifth level</a:t>
+            </a:r>
+            <a:endParaRPr lang="en-US"/>
+          </a:p>
+        </p:txBody>
+      </p:sp>
+      <p:sp>
+        <p:nvSpPr>
+          <p:cNvPr id="4" name="Date Placeholder 3"/>
+          <p:cNvSpPr>
+            <a:spLocks noGrp="1"/>
+          </p:cNvSpPr>
+          <p:nvPr>
+            <p:ph type="dt" sz="half" idx="10"/>
+          </p:nvPr>
+        </p:nvSpPr>
+        <p:spPr/>
+        <p:txBody>
+          <a:bodyPr/>
+          <a:lstStyle/>
+          <a:p>
+            <a:fld id="{FF628EDF-D75E-9648-A22C-C5829CD52CFB}" type="datetime1">
+              <a:rPr lang="en-US" smtClean="0"/>
+              <a:t>7/4/16</a:t>
+            </a:fld>
+            <a:endParaRPr lang="en-US"/>
+          </a:p>
+        </p:txBody>
+      </p:sp>
+      <p:sp>
+        <p:nvSpPr>
+          <p:cNvPr id="5" name="Footer Placeholder 4"/>
+          <p:cNvSpPr>
+            <a:spLocks noGrp="1"/>
+          </p:cNvSpPr>
+          <p:nvPr>
+            <p:ph type="ftr" sz="quarter" idx="11"/>
+          </p:nvPr>
+        </p:nvSpPr>
+        <p:spPr/>
+        <p:txBody>
+          <a:bodyPr/>
+          <a:lstStyle/>
+          <a:p>
+            <a:r>
+              <a:rPr lang="en-US" smtClean="0"/>
+              <a:t>© EV3Lessons.com, 2016, (Last edit: 7/04/2016)</a:t>
+            </a:r>
+            <a:endParaRPr lang="en-US"/>
+          </a:p>
+        </p:txBody>
+      </p:sp>
+      <p:sp>
+        <p:nvSpPr>
+          <p:cNvPr id="6" name="Slide Number Placeholder 5"/>
+          <p:cNvSpPr>
+            <a:spLocks noGrp="1"/>
+          </p:cNvSpPr>
+          <p:nvPr>
+            <p:ph type="sldNum" sz="quarter" idx="12"/>
+          </p:nvPr>
+        </p:nvSpPr>
+        <p:spPr/>
+        <p:txBody>
+          <a:bodyPr/>
+          <a:lstStyle/>
+          <a:p>
+            <a:fld id="{DE42E464-3EB8-43C8-8768-9E2AD4F497B7}" type="slidenum">
+              <a:rPr lang="en-US" smtClean="0"/>
+              <a:t>‹#›</a:t>
+            </a:fld>
+            <a:endParaRPr lang="en-US"/>
+          </a:p>
+        </p:txBody>
+      </p:sp>
+    </p:spTree>
+    <p:extLst>
+      <p:ext uri="{BB962C8B-B14F-4D97-AF65-F5344CB8AC3E}">
+        <p14:creationId xmlns:p14="http://schemas.microsoft.com/office/powerpoint/2010/main" val="871447811"/>
+      </p:ext>
+    </p:extLst>
   </p:cSld>
   <p:clrMapOvr>
     <a:masterClrMapping/>
@@ -1860,9 +4454,9 @@
           <a:bodyPr/>
           <a:lstStyle/>
           <a:p>
-            <a:fld id="{6C4FE498-A8BA-402A-B8AE-265D5E7A80E2}" type="datetime1">
-              <a:rPr lang="en-US" smtClean="0"/>
-              <a:t>11/14/15</a:t>
+            <a:fld id="{053A68E7-86AE-B94C-8CDD-D880EDD55491}" type="datetime1">
+              <a:rPr lang="en-US" smtClean="0"/>
+              <a:t>7/4/16</a:t>
             </a:fld>
             <a:endParaRPr lang="en-US"/>
           </a:p>
@@ -1878,7 +4472,15 @@
             <p:ph type="sldNum" sz="quarter" idx="11"/>
           </p:nvPr>
         </p:nvSpPr>
-        <p:spPr/>
+        <p:spPr>
+          <a:xfrm rot="16200000">
+            <a:off x="8227377" y="5885497"/>
+            <a:ext cx="1315721" cy="365125"/>
+          </a:xfrm>
+          <a:prstGeom prst="rect">
+            <a:avLst/>
+          </a:prstGeom>
+        </p:spPr>
         <p:txBody>
           <a:bodyPr/>
           <a:lstStyle/>
@@ -1908,13 +4510,18 @@
           <a:p>
             <a:r>
               <a:rPr lang="en-US" smtClean="0"/>
-              <a:t>© EV3Lessons.com, 2015, (Last edit: 2/26/2015)</a:t>
+              <a:t>© EV3Lessons.com, 2016, (Last edit: 7/04/2016)</a:t>
             </a:r>
             <a:endParaRPr lang="en-US"/>
           </a:p>
         </p:txBody>
       </p:sp>
     </p:spTree>
+    <p:extLst>
+      <p:ext uri="{BB962C8B-B14F-4D97-AF65-F5344CB8AC3E}">
+        <p14:creationId xmlns:p14="http://schemas.microsoft.com/office/powerpoint/2010/main" val="935268"/>
+      </p:ext>
+    </p:extLst>
   </p:cSld>
   <p:clrMapOvr>
     <a:masterClrMapping/>
@@ -2102,35 +4709,35 @@
           <a:p>
             <a:pPr lvl="0"/>
             <a:r>
-              <a:rPr lang="en-US" dirty="0" smtClean="0"/>
+              <a:rPr lang="en-US" smtClean="0"/>
               <a:t>Click to edit Master text styles</a:t>
             </a:r>
           </a:p>
           <a:p>
             <a:pPr lvl="1"/>
             <a:r>
-              <a:rPr lang="en-US" dirty="0" smtClean="0"/>
+              <a:rPr lang="en-US" smtClean="0"/>
               <a:t>Second level</a:t>
             </a:r>
           </a:p>
           <a:p>
             <a:pPr lvl="2"/>
             <a:r>
-              <a:rPr lang="en-US" dirty="0" smtClean="0"/>
+              <a:rPr lang="en-US" smtClean="0"/>
               <a:t>Third level</a:t>
             </a:r>
           </a:p>
           <a:p>
             <a:pPr lvl="3"/>
             <a:r>
-              <a:rPr lang="en-US" dirty="0" smtClean="0"/>
+              <a:rPr lang="en-US" smtClean="0"/>
               <a:t>Fourth level</a:t>
             </a:r>
           </a:p>
           <a:p>
             <a:pPr lvl="4"/>
             <a:r>
-              <a:rPr lang="en-US" dirty="0" smtClean="0"/>
+              <a:rPr lang="en-US" smtClean="0"/>
               <a:t>Fifth level</a:t>
             </a:r>
             <a:endParaRPr lang="en-US" dirty="0"/>
@@ -2152,9 +4759,9 @@
           <a:bodyPr/>
           <a:lstStyle/>
           <a:p>
-            <a:fld id="{8415EFD0-F26F-4B6A-8703-6BB3C49D1CF7}" type="datetime1">
-              <a:rPr lang="en-US" smtClean="0"/>
-              <a:t>11/14/15</a:t>
+            <a:fld id="{3FAFFF49-143A-4645-A51E-CB911277389F}" type="datetime1">
+              <a:rPr lang="en-US" smtClean="0"/>
+              <a:t>7/4/16</a:t>
             </a:fld>
             <a:endParaRPr lang="en-US"/>
           </a:p>
@@ -2177,7 +4784,7 @@
           <a:p>
             <a:r>
               <a:rPr lang="en-US" smtClean="0"/>
-              <a:t>© EV3Lessons.com, 2015, (Last edit: 2/26/2015)</a:t>
+              <a:t>© EV3Lessons.com, 2016, (Last edit: 7/04/2016)</a:t>
             </a:r>
             <a:endParaRPr lang="en-US"/>
           </a:p>
@@ -2193,7 +4800,15 @@
             <p:ph type="sldNum" sz="quarter" idx="12"/>
           </p:nvPr>
         </p:nvSpPr>
-        <p:spPr/>
+        <p:spPr>
+          <a:xfrm>
+            <a:off x="8477026" y="6358106"/>
+            <a:ext cx="666974" cy="365125"/>
+          </a:xfrm>
+          <a:prstGeom prst="rect">
+            <a:avLst/>
+          </a:prstGeom>
+        </p:spPr>
         <p:txBody>
           <a:bodyPr/>
           <a:lstStyle/>
@@ -2207,10 +4822,22 @@
         </p:txBody>
       </p:sp>
     </p:spTree>
+    <p:extLst>
+      <p:ext uri="{BB962C8B-B14F-4D97-AF65-F5344CB8AC3E}">
+        <p14:creationId xmlns:p14="http://schemas.microsoft.com/office/powerpoint/2010/main" val="686663747"/>
+      </p:ext>
+    </p:extLst>
   </p:cSld>
   <p:clrMapOvr>
     <a:masterClrMapping/>
   </p:clrMapOvr>
+  <p:timing>
+    <p:tnLst>
+      <p:par>
+        <p:cTn id="1" dur="indefinite" restart="never" nodeType="tmRoot"/>
+      </p:par>
+    </p:tnLst>
+  </p:timing>
 </p:sldLayout>
 </file>
 
@@ -2595,9 +5222,9 @@
           <a:bodyPr/>
           <a:lstStyle/>
           <a:p>
-            <a:fld id="{5E5173FA-4A4D-4536-B587-FE364F00D348}" type="datetime1">
-              <a:rPr lang="en-US" smtClean="0"/>
-              <a:t>11/14/15</a:t>
+            <a:fld id="{B4979853-F90F-3E4C-81E3-44430E02C514}" type="datetime1">
+              <a:rPr lang="en-US" smtClean="0"/>
+              <a:t>7/4/16</a:t>
             </a:fld>
             <a:endParaRPr lang="en-US"/>
           </a:p>
@@ -2620,15 +5247,15 @@
           <a:p>
             <a:r>
               <a:rPr lang="en-US" smtClean="0"/>
-              <a:t>© EV3Lessons.com, 2015, (Last edit: 2/26/2015)</a:t>
-            </a:r>
-            <a:endParaRPr lang="en-US"/>
-          </a:p>
-        </p:txBody>
-      </p:sp>
-      <p:sp>
-        <p:nvSpPr>
-          <p:cNvPr id="9" name="Slide Number Placeholder 8"/>
+              <a:t>© EV3Lessons.com, 2016, (Last edit: 7/04/2016)</a:t>
+            </a:r>
+            <a:endParaRPr lang="en-US"/>
+          </a:p>
+        </p:txBody>
+      </p:sp>
+      <p:sp>
+        <p:nvSpPr>
+          <p:cNvPr id="10" name="Slide Number Placeholder 6"/>
           <p:cNvSpPr>
             <a:spLocks noGrp="1"/>
           </p:cNvSpPr>
@@ -2636,7 +5263,15 @@
             <p:ph type="sldNum" sz="quarter" idx="12"/>
           </p:nvPr>
         </p:nvSpPr>
-        <p:spPr/>
+        <p:spPr>
+          <a:xfrm>
+            <a:off x="8477026" y="6358106"/>
+            <a:ext cx="666974" cy="365125"/>
+          </a:xfrm>
+          <a:prstGeom prst="rect">
+            <a:avLst/>
+          </a:prstGeom>
+        </p:spPr>
         <p:txBody>
           <a:bodyPr/>
           <a:lstStyle/>
@@ -2650,10 +5285,22 @@
         </p:txBody>
       </p:sp>
     </p:spTree>
+    <p:extLst>
+      <p:ext uri="{BB962C8B-B14F-4D97-AF65-F5344CB8AC3E}">
+        <p14:creationId xmlns:p14="http://schemas.microsoft.com/office/powerpoint/2010/main" val="180476851"/>
+      </p:ext>
+    </p:extLst>
   </p:cSld>
   <p:clrMapOvr>
     <a:masterClrMapping/>
   </p:clrMapOvr>
+  <p:timing>
+    <p:tnLst>
+      <p:par>
+        <p:cTn id="1" dur="indefinite" restart="never" nodeType="tmRoot"/>
+      </p:par>
+    </p:tnLst>
+  </p:timing>
 </p:sldLayout>
 </file>
 
@@ -2712,9 +5359,9 @@
           <a:bodyPr/>
           <a:lstStyle/>
           <a:p>
-            <a:fld id="{8945BA6B-FBFA-4B1A-8029-13B7ABDAE36F}" type="datetime1">
-              <a:rPr lang="en-US" smtClean="0"/>
-              <a:t>11/14/15</a:t>
+            <a:fld id="{035AFEF4-1CB3-0B42-9488-1737F8947CCB}" type="datetime1">
+              <a:rPr lang="en-US" smtClean="0"/>
+              <a:t>7/4/16</a:t>
             </a:fld>
             <a:endParaRPr lang="en-US"/>
           </a:p>
@@ -2737,15 +5384,15 @@
           <a:p>
             <a:r>
               <a:rPr lang="en-US" smtClean="0"/>
-              <a:t>© EV3Lessons.com, 2015, (Last edit: 2/26/2015)</a:t>
-            </a:r>
-            <a:endParaRPr lang="en-US"/>
-          </a:p>
-        </p:txBody>
-      </p:sp>
-      <p:sp>
-        <p:nvSpPr>
-          <p:cNvPr id="5" name="Slide Number Placeholder 4"/>
+              <a:t>© EV3Lessons.com, 2016, (Last edit: 7/04/2016)</a:t>
+            </a:r>
+            <a:endParaRPr lang="en-US"/>
+          </a:p>
+        </p:txBody>
+      </p:sp>
+      <p:sp>
+        <p:nvSpPr>
+          <p:cNvPr id="6" name="Slide Number Placeholder 6"/>
           <p:cNvSpPr>
             <a:spLocks noGrp="1"/>
           </p:cNvSpPr>
@@ -2753,7 +5400,15 @@
             <p:ph type="sldNum" sz="quarter" idx="12"/>
           </p:nvPr>
         </p:nvSpPr>
-        <p:spPr/>
+        <p:spPr>
+          <a:xfrm>
+            <a:off x="8477026" y="6358106"/>
+            <a:ext cx="666974" cy="365125"/>
+          </a:xfrm>
+          <a:prstGeom prst="rect">
+            <a:avLst/>
+          </a:prstGeom>
+        </p:spPr>
         <p:txBody>
           <a:bodyPr/>
           <a:lstStyle/>
@@ -2767,10 +5422,22 @@
         </p:txBody>
       </p:sp>
     </p:spTree>
+    <p:extLst>
+      <p:ext uri="{BB962C8B-B14F-4D97-AF65-F5344CB8AC3E}">
+        <p14:creationId xmlns:p14="http://schemas.microsoft.com/office/powerpoint/2010/main" val="1027525193"/>
+      </p:ext>
+    </p:extLst>
   </p:cSld>
   <p:clrMapOvr>
     <a:masterClrMapping/>
   </p:clrMapOvr>
+  <p:timing>
+    <p:tnLst>
+      <p:par>
+        <p:cTn id="1" dur="indefinite" restart="never" nodeType="tmRoot"/>
+      </p:par>
+    </p:tnLst>
+  </p:timing>
 </p:sldLayout>
 </file>
 
@@ -2806,9 +5473,9 @@
           <a:bodyPr/>
           <a:lstStyle/>
           <a:p>
-            <a:fld id="{C9929EA6-3AA3-4A80-A881-6903ACA21B4A}" type="datetime1">
-              <a:rPr lang="en-US" smtClean="0"/>
-              <a:t>11/14/15</a:t>
+            <a:fld id="{EA379F84-3529-9E43-9CE0-27FCAF146DEC}" type="datetime1">
+              <a:rPr lang="en-US" smtClean="0"/>
+              <a:t>7/4/16</a:t>
             </a:fld>
             <a:endParaRPr lang="en-US"/>
           </a:p>
@@ -2831,7 +5498,7 @@
           <a:p>
             <a:r>
               <a:rPr lang="en-US" smtClean="0"/>
-              <a:t>© EV3Lessons.com, 2015, (Last edit: 2/26/2015)</a:t>
+              <a:t>© EV3Lessons.com, 2016, (Last edit: 7/04/2016)</a:t>
             </a:r>
             <a:endParaRPr lang="en-US"/>
           </a:p>
@@ -2847,7 +5514,15 @@
             <p:ph type="sldNum" sz="quarter" idx="12"/>
           </p:nvPr>
         </p:nvSpPr>
-        <p:spPr/>
+        <p:spPr>
+          <a:xfrm rot="16200000">
+            <a:off x="8227377" y="5885497"/>
+            <a:ext cx="1315721" cy="365125"/>
+          </a:xfrm>
+          <a:prstGeom prst="rect">
+            <a:avLst/>
+          </a:prstGeom>
+        </p:spPr>
         <p:txBody>
           <a:bodyPr/>
           <a:lstStyle/>
@@ -2861,6 +5536,11 @@
         </p:txBody>
       </p:sp>
     </p:spTree>
+    <p:extLst>
+      <p:ext uri="{BB962C8B-B14F-4D97-AF65-F5344CB8AC3E}">
+        <p14:creationId xmlns:p14="http://schemas.microsoft.com/office/powerpoint/2010/main" val="1699913224"/>
+      </p:ext>
+    </p:extLst>
   </p:cSld>
   <p:clrMapOvr>
     <a:masterClrMapping/>
@@ -3052,9 +5732,9 @@
           <a:bodyPr/>
           <a:lstStyle/>
           <a:p>
-            <a:fld id="{D839DF9D-E7CC-4F82-990A-344000B642E3}" type="datetime1">
-              <a:rPr lang="en-US" smtClean="0"/>
-              <a:t>11/14/15</a:t>
+            <a:fld id="{7941E5C0-7A1C-CF46-813E-5688B577D40F}" type="datetime1">
+              <a:rPr lang="en-US" smtClean="0"/>
+              <a:t>7/4/16</a:t>
             </a:fld>
             <a:endParaRPr lang="en-US"/>
           </a:p>
@@ -3077,7 +5757,7 @@
           <a:p>
             <a:r>
               <a:rPr lang="en-US" smtClean="0"/>
-              <a:t>© EV3Lessons.com, 2015, (Last edit: 2/26/2015)</a:t>
+              <a:t>© EV3Lessons.com, 2016, (Last edit: 7/04/2016)</a:t>
             </a:r>
             <a:endParaRPr lang="en-US"/>
           </a:p>
@@ -3093,7 +5773,15 @@
             <p:ph type="sldNum" sz="quarter" idx="12"/>
           </p:nvPr>
         </p:nvSpPr>
-        <p:spPr/>
+        <p:spPr>
+          <a:xfrm rot="16200000">
+            <a:off x="8227377" y="5885497"/>
+            <a:ext cx="1315721" cy="365125"/>
+          </a:xfrm>
+          <a:prstGeom prst="rect">
+            <a:avLst/>
+          </a:prstGeom>
+        </p:spPr>
         <p:txBody>
           <a:bodyPr/>
           <a:lstStyle/>
@@ -3130,6 +5818,11 @@
         </p:txBody>
       </p:sp>
     </p:spTree>
+    <p:extLst>
+      <p:ext uri="{BB962C8B-B14F-4D97-AF65-F5344CB8AC3E}">
+        <p14:creationId xmlns:p14="http://schemas.microsoft.com/office/powerpoint/2010/main" val="319116080"/>
+      </p:ext>
+    </p:extLst>
   </p:cSld>
   <p:clrMapOvr>
     <a:masterClrMapping/>
@@ -3350,9 +6043,9 @@
           <a:bodyPr/>
           <a:lstStyle/>
           <a:p>
-            <a:fld id="{7400BFCA-853B-4591-AE9A-E05186331CE2}" type="datetime1">
-              <a:rPr lang="en-US" smtClean="0"/>
-              <a:t>11/14/15</a:t>
+            <a:fld id="{BFA4DF06-EB1C-AA45-8F61-B383035F8826}" type="datetime1">
+              <a:rPr lang="en-US" smtClean="0"/>
+              <a:t>7/4/16</a:t>
             </a:fld>
             <a:endParaRPr lang="en-US"/>
           </a:p>
@@ -3375,7 +6068,7 @@
           <a:p>
             <a:r>
               <a:rPr lang="en-US" smtClean="0"/>
-              <a:t>© EV3Lessons.com, 2015, (Last edit: 2/26/2015)</a:t>
+              <a:t>© EV3Lessons.com, 2016, (Last edit: 7/04/2016)</a:t>
             </a:r>
             <a:endParaRPr lang="en-US"/>
           </a:p>
@@ -3391,7 +6084,15 @@
             <p:ph type="sldNum" sz="quarter" idx="12"/>
           </p:nvPr>
         </p:nvSpPr>
-        <p:spPr/>
+        <p:spPr>
+          <a:xfrm rot="16200000">
+            <a:off x="8227377" y="5885497"/>
+            <a:ext cx="1315721" cy="365125"/>
+          </a:xfrm>
+          <a:prstGeom prst="rect">
+            <a:avLst/>
+          </a:prstGeom>
+        </p:spPr>
         <p:txBody>
           <a:bodyPr/>
           <a:lstStyle>
@@ -3493,6 +6194,11 @@
         </p:txBody>
       </p:sp>
     </p:spTree>
+    <p:extLst>
+      <p:ext uri="{BB962C8B-B14F-4D97-AF65-F5344CB8AC3E}">
+        <p14:creationId xmlns:p14="http://schemas.microsoft.com/office/powerpoint/2010/main" val="1117290001"/>
+      </p:ext>
+    </p:extLst>
   </p:cSld>
   <p:clrMapOvr>
     <a:masterClrMapping/>
@@ -3501,7 +6207,7 @@
 </file>
 
 <file path=ppt/slideMasters/slideMaster1.xml><?xml version="1.0" encoding="utf-8"?>
-<p:sldMaster xmlns:a="http://schemas.openxmlformats.org/drawingml/2006/main" xmlns:r="http://schemas.openxmlformats.org/officeDocument/2006/relationships" xmlns:p="http://schemas.openxmlformats.org/presentationml/2006/main">
+<p:sldMaster xmlns:a="http://schemas.openxmlformats.org/drawingml/2006/main" xmlns:r="http://schemas.openxmlformats.org/officeDocument/2006/relationships" xmlns:p="http://schemas.openxmlformats.org/presentationml/2006/main" preserve="1">
   <p:cSld>
     <p:bg>
       <p:bgRef idx="1001">
@@ -3548,7 +6254,7 @@
           <a:lstStyle/>
           <a:p>
             <a:r>
-              <a:rPr lang="en-US" dirty="0" smtClean="0"/>
+              <a:rPr lang="en-US" smtClean="0"/>
               <a:t>Click to edit Master title style</a:t>
             </a:r>
             <a:endParaRPr lang="en-US" dirty="0"/>
@@ -3648,9 +6354,9 @@
             </a:lvl1pPr>
           </a:lstStyle>
           <a:p>
-            <a:fld id="{6C6C0C8C-DDD7-4F58-A33D-9511EFC16315}" type="datetime1">
-              <a:rPr lang="en-US" smtClean="0"/>
-              <a:t>11/14/15</a:t>
+            <a:fld id="{CC4ABEF4-6A55-BC42-99E2-09DD0B13F66C}" type="datetime1">
+              <a:rPr lang="en-US" smtClean="0"/>
+              <a:t>7/4/16</a:t>
             </a:fld>
             <a:endParaRPr lang="en-US"/>
           </a:p>
@@ -3689,15 +6395,15 @@
           <a:p>
             <a:r>
               <a:rPr lang="en-US" smtClean="0"/>
-              <a:t>© EV3Lessons.com, 2015, (Last edit: 2/26/2015)</a:t>
-            </a:r>
-            <a:endParaRPr lang="en-US"/>
-          </a:p>
-        </p:txBody>
-      </p:sp>
-      <p:sp>
-        <p:nvSpPr>
-          <p:cNvPr id="6" name="Slide Number Placeholder 5"/>
+              <a:t>© EV3Lessons.com, 2016, (Last edit: 7/04/2016)</a:t>
+            </a:r>
+            <a:endParaRPr lang="en-US"/>
+          </a:p>
+        </p:txBody>
+      </p:sp>
+      <p:sp>
+        <p:nvSpPr>
+          <p:cNvPr id="9" name="Slide Number Placeholder 6"/>
           <p:cNvSpPr>
             <a:spLocks noGrp="1"/>
           </p:cNvSpPr>
@@ -3707,24 +6413,16 @@
         </p:nvSpPr>
         <p:spPr>
           <a:xfrm>
-            <a:off x="8356800" y="6492875"/>
-            <a:ext cx="574937" cy="265458"/>
+            <a:off x="8477026" y="6358106"/>
+            <a:ext cx="666974" cy="365125"/>
           </a:xfrm>
           <a:prstGeom prst="rect">
             <a:avLst/>
           </a:prstGeom>
         </p:spPr>
         <p:txBody>
-          <a:bodyPr vert="horz" lIns="91440" tIns="45720" rIns="91440" bIns="45720" rtlCol="0" anchor="ctr"/>
-          <a:lstStyle>
-            <a:lvl1pPr algn="l">
-              <a:defRPr sz="2400" b="1">
-                <a:solidFill>
-                  <a:schemeClr val="tx2"/>
-                </a:solidFill>
-              </a:defRPr>
-            </a:lvl1pPr>
-          </a:lstStyle>
+          <a:bodyPr/>
+          <a:lstStyle/>
           <a:p>
             <a:fld id="{4DBC7FC8-25FB-FC45-8177-2B991DA6778C}" type="slidenum">
               <a:rPr lang="en-US" smtClean="0"/>
@@ -3736,13 +6434,13 @@
       </p:sp>
       <p:sp>
         <p:nvSpPr>
-          <p:cNvPr id="9" name="Rectangle 8"/>
+          <p:cNvPr id="10" name="Rectangle 9"/>
           <p:cNvSpPr/>
-          <p:nvPr userDrawn="1"/>
+          <p:nvPr/>
         </p:nvSpPr>
         <p:spPr>
           <a:xfrm>
-            <a:off x="9004705" y="2895600"/>
+            <a:off x="8996106" y="2895600"/>
             <a:ext cx="147895" cy="3962400"/>
           </a:xfrm>
           <a:prstGeom prst="rect">
@@ -3771,23 +6469,16 @@
             <a:schemeClr val="lt1"/>
           </a:fontRef>
         </p:style>
-        <p:txBody>
-          <a:bodyPr/>
-          <a:lstStyle/>
-          <a:p>
-            <a:endParaRPr lang="en-US"/>
-          </a:p>
-        </p:txBody>
-      </p:sp>
-      <p:sp>
-        <p:nvSpPr>
-          <p:cNvPr id="10" name="Rectangle 9"/>
+      </p:sp>
+      <p:sp>
+        <p:nvSpPr>
+          <p:cNvPr id="11" name="Rectangle 10"/>
           <p:cNvSpPr/>
-          <p:nvPr userDrawn="1"/>
+          <p:nvPr/>
         </p:nvSpPr>
         <p:spPr>
           <a:xfrm>
-            <a:off x="8967641" y="0"/>
+            <a:off x="8959042" y="0"/>
             <a:ext cx="184958" cy="2895600"/>
           </a:xfrm>
           <a:prstGeom prst="rect">
@@ -3816,23 +6507,16 @@
             <a:schemeClr val="lt1"/>
           </a:fontRef>
         </p:style>
-        <p:txBody>
-          <a:bodyPr/>
-          <a:lstStyle/>
-          <a:p>
-            <a:endParaRPr lang="en-US"/>
-          </a:p>
-        </p:txBody>
-      </p:sp>
-      <p:sp>
-        <p:nvSpPr>
-          <p:cNvPr id="11" name="Rectangle 10"/>
+      </p:sp>
+      <p:sp>
+        <p:nvSpPr>
+          <p:cNvPr id="12" name="Rectangle 11"/>
           <p:cNvSpPr/>
-          <p:nvPr userDrawn="1"/>
+          <p:nvPr/>
         </p:nvSpPr>
         <p:spPr>
           <a:xfrm>
-            <a:off x="8931737" y="0"/>
+            <a:off x="8904666" y="0"/>
             <a:ext cx="91440" cy="6858000"/>
           </a:xfrm>
           <a:prstGeom prst="rect">
@@ -3861,6 +6545,134 @@
             <a:schemeClr val="lt1"/>
           </a:fontRef>
         </p:style>
+      </p:sp>
+      <p:sp>
+        <p:nvSpPr>
+          <p:cNvPr id="13" name="Rectangle 12"/>
+          <p:cNvSpPr/>
+          <p:nvPr userDrawn="1"/>
+        </p:nvSpPr>
+        <p:spPr>
+          <a:xfrm>
+            <a:off x="9004705" y="2895600"/>
+            <a:ext cx="147895" cy="3962400"/>
+          </a:xfrm>
+          <a:prstGeom prst="rect">
+            <a:avLst/>
+          </a:prstGeom>
+          <a:solidFill>
+            <a:srgbClr val="92D050"/>
+          </a:solidFill>
+          <a:ln>
+            <a:noFill/>
+          </a:ln>
+        </p:spPr>
+        <p:style>
+          <a:lnRef idx="2">
+            <a:schemeClr val="accent1">
+              <a:shade val="50000"/>
+            </a:schemeClr>
+          </a:lnRef>
+          <a:fillRef idx="1">
+            <a:schemeClr val="accent1"/>
+          </a:fillRef>
+          <a:effectRef idx="0">
+            <a:schemeClr val="accent1"/>
+          </a:effectRef>
+          <a:fontRef idx="minor">
+            <a:schemeClr val="lt1"/>
+          </a:fontRef>
+        </p:style>
+        <p:txBody>
+          <a:bodyPr/>
+          <a:lstStyle/>
+          <a:p>
+            <a:endParaRPr lang="en-US"/>
+          </a:p>
+        </p:txBody>
+      </p:sp>
+      <p:sp>
+        <p:nvSpPr>
+          <p:cNvPr id="14" name="Rectangle 13"/>
+          <p:cNvSpPr/>
+          <p:nvPr userDrawn="1"/>
+        </p:nvSpPr>
+        <p:spPr>
+          <a:xfrm>
+            <a:off x="8967641" y="0"/>
+            <a:ext cx="184958" cy="2895600"/>
+          </a:xfrm>
+          <a:prstGeom prst="rect">
+            <a:avLst/>
+          </a:prstGeom>
+          <a:solidFill>
+            <a:srgbClr val="7030A0"/>
+          </a:solidFill>
+          <a:ln>
+            <a:noFill/>
+          </a:ln>
+        </p:spPr>
+        <p:style>
+          <a:lnRef idx="2">
+            <a:schemeClr val="accent1">
+              <a:shade val="50000"/>
+            </a:schemeClr>
+          </a:lnRef>
+          <a:fillRef idx="1">
+            <a:schemeClr val="accent1"/>
+          </a:fillRef>
+          <a:effectRef idx="0">
+            <a:schemeClr val="accent1"/>
+          </a:effectRef>
+          <a:fontRef idx="minor">
+            <a:schemeClr val="lt1"/>
+          </a:fontRef>
+        </p:style>
+        <p:txBody>
+          <a:bodyPr/>
+          <a:lstStyle/>
+          <a:p>
+            <a:endParaRPr lang="en-US"/>
+          </a:p>
+        </p:txBody>
+      </p:sp>
+      <p:sp>
+        <p:nvSpPr>
+          <p:cNvPr id="15" name="Rectangle 14"/>
+          <p:cNvSpPr/>
+          <p:nvPr userDrawn="1"/>
+        </p:nvSpPr>
+        <p:spPr>
+          <a:xfrm>
+            <a:off x="8931737" y="0"/>
+            <a:ext cx="91440" cy="6858000"/>
+          </a:xfrm>
+          <a:prstGeom prst="rect">
+            <a:avLst/>
+          </a:prstGeom>
+          <a:solidFill>
+            <a:srgbClr val="0070C0"/>
+          </a:solidFill>
+          <a:ln>
+            <a:noFill/>
+          </a:ln>
+        </p:spPr>
+        <p:style>
+          <a:lnRef idx="2">
+            <a:schemeClr val="accent1">
+              <a:shade val="50000"/>
+            </a:schemeClr>
+          </a:lnRef>
+          <a:fillRef idx="1">
+            <a:schemeClr val="accent1"/>
+          </a:fillRef>
+          <a:effectRef idx="0">
+            <a:schemeClr val="accent1"/>
+          </a:effectRef>
+          <a:fontRef idx="minor">
+            <a:schemeClr val="lt1"/>
+          </a:fontRef>
+        </p:style>
         <p:txBody>
           <a:bodyPr/>
           <a:lstStyle/>
@@ -3870,21 +6682,33 @@
         </p:txBody>
       </p:sp>
     </p:spTree>
+    <p:extLst>
+      <p:ext uri="{BB962C8B-B14F-4D97-AF65-F5344CB8AC3E}">
+        <p14:creationId xmlns:p14="http://schemas.microsoft.com/office/powerpoint/2010/main" val="48697959"/>
+      </p:ext>
+    </p:extLst>
   </p:cSld>
   <p:clrMap bg1="lt1" tx1="dk1" bg2="lt2" tx2="dk2" accent1="accent1" accent2="accent2" accent3="accent3" accent4="accent4" accent5="accent5" accent6="accent6" hlink="hlink" folHlink="folHlink"/>
   <p:sldLayoutIdLst>
-    <p:sldLayoutId id="2147483715" r:id="rId1"/>
-    <p:sldLayoutId id="2147483716" r:id="rId2"/>
-    <p:sldLayoutId id="2147483717" r:id="rId3"/>
-    <p:sldLayoutId id="2147483718" r:id="rId4"/>
-    <p:sldLayoutId id="2147483719" r:id="rId5"/>
-    <p:sldLayoutId id="2147483720" r:id="rId6"/>
-    <p:sldLayoutId id="2147483721" r:id="rId7"/>
-    <p:sldLayoutId id="2147483722" r:id="rId8"/>
-    <p:sldLayoutId id="2147483723" r:id="rId9"/>
-    <p:sldLayoutId id="2147483724" r:id="rId10"/>
-    <p:sldLayoutId id="2147483725" r:id="rId11"/>
+    <p:sldLayoutId id="2147483727" r:id="rId1"/>
+    <p:sldLayoutId id="2147483728" r:id="rId2"/>
+    <p:sldLayoutId id="2147483729" r:id="rId3"/>
+    <p:sldLayoutId id="2147483730" r:id="rId4"/>
+    <p:sldLayoutId id="2147483731" r:id="rId5"/>
+    <p:sldLayoutId id="2147483732" r:id="rId6"/>
+    <p:sldLayoutId id="2147483733" r:id="rId7"/>
+    <p:sldLayoutId id="2147483734" r:id="rId8"/>
+    <p:sldLayoutId id="2147483735" r:id="rId9"/>
+    <p:sldLayoutId id="2147483736" r:id="rId10"/>
+    <p:sldLayoutId id="2147483737" r:id="rId11"/>
   </p:sldLayoutIdLst>
+  <p:timing>
+    <p:tnLst>
+      <p:par>
+        <p:cTn id="1" dur="indefinite" restart="never" nodeType="tmRoot"/>
+      </p:par>
+    </p:tnLst>
+  </p:timing>
   <p:hf hdr="0" dt="0"/>
   <p:txStyles>
     <p:titleStyle>
@@ -4166,6 +6990,551 @@
 </p:sldMaster>
 </file>
 
+<file path=ppt/slideMasters/slideMaster2.xml><?xml version="1.0" encoding="utf-8"?>
+<p:sldMaster xmlns:a="http://schemas.openxmlformats.org/drawingml/2006/main" xmlns:r="http://schemas.openxmlformats.org/officeDocument/2006/relationships" xmlns:p="http://schemas.openxmlformats.org/presentationml/2006/main" preserve="1">
+  <p:cSld>
+    <p:bg>
+      <p:bgRef idx="1001">
+        <a:schemeClr val="bg1"/>
+      </p:bgRef>
+    </p:bg>
+    <p:spTree>
+      <p:nvGrpSpPr>
+        <p:cNvPr id="1" name=""/>
+        <p:cNvGrpSpPr/>
+        <p:nvPr/>
+      </p:nvGrpSpPr>
+      <p:grpSpPr>
+        <a:xfrm>
+          <a:off x="0" y="0"/>
+          <a:ext cx="0" cy="0"/>
+          <a:chOff x="0" y="0"/>
+          <a:chExt cx="0" cy="0"/>
+        </a:xfrm>
+      </p:grpSpPr>
+      <p:sp>
+        <p:nvSpPr>
+          <p:cNvPr id="2" name="Title Placeholder 1"/>
+          <p:cNvSpPr>
+            <a:spLocks noGrp="1"/>
+          </p:cNvSpPr>
+          <p:nvPr>
+            <p:ph type="title"/>
+          </p:nvPr>
+        </p:nvSpPr>
+        <p:spPr>
+          <a:xfrm>
+            <a:off x="628650" y="365125"/>
+            <a:ext cx="7886700" cy="1325563"/>
+          </a:xfrm>
+          <a:prstGeom prst="rect">
+            <a:avLst/>
+          </a:prstGeom>
+        </p:spPr>
+        <p:txBody>
+          <a:bodyPr vert="horz" lIns="91440" tIns="45720" rIns="91440" bIns="45720" rtlCol="0" anchor="ctr">
+            <a:normAutofit/>
+          </a:bodyPr>
+          <a:lstStyle/>
+          <a:p>
+            <a:r>
+              <a:rPr lang="en-US" smtClean="0"/>
+              <a:t>Click to edit Master title style</a:t>
+            </a:r>
+            <a:endParaRPr lang="en-US"/>
+          </a:p>
+        </p:txBody>
+      </p:sp>
+      <p:sp>
+        <p:nvSpPr>
+          <p:cNvPr id="3" name="Text Placeholder 2"/>
+          <p:cNvSpPr>
+            <a:spLocks noGrp="1"/>
+          </p:cNvSpPr>
+          <p:nvPr>
+            <p:ph type="body" idx="1"/>
+          </p:nvPr>
+        </p:nvSpPr>
+        <p:spPr>
+          <a:xfrm>
+            <a:off x="628650" y="1825625"/>
+            <a:ext cx="7886700" cy="4351338"/>
+          </a:xfrm>
+          <a:prstGeom prst="rect">
+            <a:avLst/>
+          </a:prstGeom>
+        </p:spPr>
+        <p:txBody>
+          <a:bodyPr vert="horz" lIns="91440" tIns="45720" rIns="91440" bIns="45720" rtlCol="0">
+            <a:normAutofit/>
+          </a:bodyPr>
+          <a:lstStyle/>
+          <a:p>
+            <a:pPr lvl="0"/>
+            <a:r>
+              <a:rPr lang="en-US" smtClean="0"/>
+              <a:t>Click to edit Master text styles</a:t>
+            </a:r>
+          </a:p>
+          <a:p>
+            <a:pPr lvl="1"/>
+            <a:r>
+              <a:rPr lang="en-US" smtClean="0"/>
+              <a:t>Second level</a:t>
+            </a:r>
+          </a:p>
+          <a:p>
+            <a:pPr lvl="2"/>
+            <a:r>
+              <a:rPr lang="en-US" smtClean="0"/>
+              <a:t>Third level</a:t>
+            </a:r>
+          </a:p>
+          <a:p>
+            <a:pPr lvl="3"/>
+            <a:r>
+              <a:rPr lang="en-US" smtClean="0"/>
+              <a:t>Fourth level</a:t>
+            </a:r>
+          </a:p>
+          <a:p>
+            <a:pPr lvl="4"/>
+            <a:r>
+              <a:rPr lang="en-US" smtClean="0"/>
+              <a:t>Fifth level</a:t>
+            </a:r>
+            <a:endParaRPr lang="en-US"/>
+          </a:p>
+        </p:txBody>
+      </p:sp>
+      <p:sp>
+        <p:nvSpPr>
+          <p:cNvPr id="4" name="Date Placeholder 3"/>
+          <p:cNvSpPr>
+            <a:spLocks noGrp="1"/>
+          </p:cNvSpPr>
+          <p:nvPr>
+            <p:ph type="dt" sz="half" idx="2"/>
+          </p:nvPr>
+        </p:nvSpPr>
+        <p:spPr>
+          <a:xfrm>
+            <a:off x="628650" y="6356350"/>
+            <a:ext cx="2057400" cy="365125"/>
+          </a:xfrm>
+          <a:prstGeom prst="rect">
+            <a:avLst/>
+          </a:prstGeom>
+        </p:spPr>
+        <p:txBody>
+          <a:bodyPr vert="horz" lIns="91440" tIns="45720" rIns="91440" bIns="45720" rtlCol="0" anchor="ctr"/>
+          <a:lstStyle>
+            <a:lvl1pPr algn="l">
+              <a:defRPr sz="1200">
+                <a:solidFill>
+                  <a:schemeClr val="tx1">
+                    <a:tint val="75000"/>
+                  </a:schemeClr>
+                </a:solidFill>
+              </a:defRPr>
+            </a:lvl1pPr>
+          </a:lstStyle>
+          <a:p>
+            <a:fld id="{A94CCF2C-3F06-1B4E-AF8F-CB63FD771C74}" type="datetime1">
+              <a:rPr lang="en-US" smtClean="0"/>
+              <a:t>7/4/16</a:t>
+            </a:fld>
+            <a:endParaRPr lang="en-US"/>
+          </a:p>
+        </p:txBody>
+      </p:sp>
+      <p:sp>
+        <p:nvSpPr>
+          <p:cNvPr id="5" name="Footer Placeholder 4"/>
+          <p:cNvSpPr>
+            <a:spLocks noGrp="1"/>
+          </p:cNvSpPr>
+          <p:nvPr>
+            <p:ph type="ftr" sz="quarter" idx="3"/>
+          </p:nvPr>
+        </p:nvSpPr>
+        <p:spPr>
+          <a:xfrm>
+            <a:off x="3028950" y="6356350"/>
+            <a:ext cx="3086100" cy="365125"/>
+          </a:xfrm>
+          <a:prstGeom prst="rect">
+            <a:avLst/>
+          </a:prstGeom>
+        </p:spPr>
+        <p:txBody>
+          <a:bodyPr vert="horz" lIns="91440" tIns="45720" rIns="91440" bIns="45720" rtlCol="0" anchor="ctr"/>
+          <a:lstStyle>
+            <a:lvl1pPr algn="ctr">
+              <a:defRPr sz="1200">
+                <a:solidFill>
+                  <a:schemeClr val="tx1">
+                    <a:tint val="75000"/>
+                  </a:schemeClr>
+                </a:solidFill>
+              </a:defRPr>
+            </a:lvl1pPr>
+          </a:lstStyle>
+          <a:p>
+            <a:r>
+              <a:rPr lang="en-US" smtClean="0"/>
+              <a:t>© EV3Lessons.com, 2016, (Last edit: 7/04/2016)</a:t>
+            </a:r>
+            <a:endParaRPr lang="en-US"/>
+          </a:p>
+        </p:txBody>
+      </p:sp>
+      <p:sp>
+        <p:nvSpPr>
+          <p:cNvPr id="6" name="Slide Number Placeholder 5"/>
+          <p:cNvSpPr>
+            <a:spLocks noGrp="1"/>
+          </p:cNvSpPr>
+          <p:nvPr>
+            <p:ph type="sldNum" sz="quarter" idx="4"/>
+          </p:nvPr>
+        </p:nvSpPr>
+        <p:spPr>
+          <a:xfrm>
+            <a:off x="6457950" y="6356350"/>
+            <a:ext cx="2057400" cy="365125"/>
+          </a:xfrm>
+          <a:prstGeom prst="rect">
+            <a:avLst/>
+          </a:prstGeom>
+        </p:spPr>
+        <p:txBody>
+          <a:bodyPr vert="horz" lIns="91440" tIns="45720" rIns="91440" bIns="45720" rtlCol="0" anchor="ctr"/>
+          <a:lstStyle>
+            <a:lvl1pPr algn="r">
+              <a:defRPr sz="1200">
+                <a:solidFill>
+                  <a:schemeClr val="tx1">
+                    <a:tint val="75000"/>
+                  </a:schemeClr>
+                </a:solidFill>
+              </a:defRPr>
+            </a:lvl1pPr>
+          </a:lstStyle>
+          <a:p>
+            <a:fld id="{DE42E464-3EB8-43C8-8768-9E2AD4F497B7}" type="slidenum">
+              <a:rPr lang="en-US" smtClean="0"/>
+              <a:t>‹#›</a:t>
+            </a:fld>
+            <a:endParaRPr lang="en-US"/>
+          </a:p>
+        </p:txBody>
+      </p:sp>
+    </p:spTree>
+    <p:extLst>
+      <p:ext uri="{BB962C8B-B14F-4D97-AF65-F5344CB8AC3E}">
+        <p14:creationId xmlns:p14="http://schemas.microsoft.com/office/powerpoint/2010/main" val="409941736"/>
+      </p:ext>
+    </p:extLst>
+  </p:cSld>
+  <p:clrMap bg1="lt1" tx1="dk1" bg2="lt2" tx2="dk2" accent1="accent1" accent2="accent2" accent3="accent3" accent4="accent4" accent5="accent5" accent6="accent6" hlink="hlink" folHlink="folHlink"/>
+  <p:sldLayoutIdLst>
+    <p:sldLayoutId id="2147483739" r:id="rId1"/>
+    <p:sldLayoutId id="2147483740" r:id="rId2"/>
+    <p:sldLayoutId id="2147483741" r:id="rId3"/>
+    <p:sldLayoutId id="2147483742" r:id="rId4"/>
+    <p:sldLayoutId id="2147483743" r:id="rId5"/>
+    <p:sldLayoutId id="2147483744" r:id="rId6"/>
+    <p:sldLayoutId id="2147483745" r:id="rId7"/>
+    <p:sldLayoutId id="2147483746" r:id="rId8"/>
+    <p:sldLayoutId id="2147483747" r:id="rId9"/>
+    <p:sldLayoutId id="2147483748" r:id="rId10"/>
+    <p:sldLayoutId id="2147483749" r:id="rId11"/>
+  </p:sldLayoutIdLst>
+  <p:hf hdr="0" dt="0"/>
+  <p:txStyles>
+    <p:titleStyle>
+      <a:lvl1pPr algn="l" defTabSz="914400" rtl="0" eaLnBrk="1" latinLnBrk="0" hangingPunct="1">
+        <a:lnSpc>
+          <a:spcPct val="90000"/>
+        </a:lnSpc>
+        <a:spcBef>
+          <a:spcPct val="0"/>
+        </a:spcBef>
+        <a:buNone/>
+        <a:defRPr sz="4400" kern="1200">
+          <a:solidFill>
+            <a:schemeClr val="tx1"/>
+          </a:solidFill>
+          <a:latin typeface="+mj-lt"/>
+          <a:ea typeface="+mj-ea"/>
+          <a:cs typeface="+mj-cs"/>
+        </a:defRPr>
+      </a:lvl1pPr>
+    </p:titleStyle>
+    <p:bodyStyle>
+      <a:lvl1pPr marL="228600" indent="-228600" algn="l" defTabSz="914400" rtl="0" eaLnBrk="1" latinLnBrk="0" hangingPunct="1">
+        <a:lnSpc>
+          <a:spcPct val="90000"/>
+        </a:lnSpc>
+        <a:spcBef>
+          <a:spcPts val="1000"/>
+        </a:spcBef>
+        <a:buFont typeface="Arial" panose="020B0604020202020204" pitchFamily="34" charset="0"/>
+        <a:buChar char="•"/>
+        <a:defRPr sz="2800" kern="1200">
+          <a:solidFill>
+            <a:schemeClr val="tx1"/>
+          </a:solidFill>
+          <a:latin typeface="+mn-lt"/>
+          <a:ea typeface="+mn-ea"/>
+          <a:cs typeface="+mn-cs"/>
+        </a:defRPr>
+      </a:lvl1pPr>
+      <a:lvl2pPr marL="685800" indent="-228600" algn="l" defTabSz="914400" rtl="0" eaLnBrk="1" latinLnBrk="0" hangingPunct="1">
+        <a:lnSpc>
+          <a:spcPct val="90000"/>
+        </a:lnSpc>
+        <a:spcBef>
+          <a:spcPts val="500"/>
+        </a:spcBef>
+        <a:buFont typeface="Arial" panose="020B0604020202020204" pitchFamily="34" charset="0"/>
+        <a:buChar char="•"/>
+        <a:defRPr sz="2400" kern="1200">
+          <a:solidFill>
+            <a:schemeClr val="tx1"/>
+          </a:solidFill>
+          <a:latin typeface="+mn-lt"/>
+          <a:ea typeface="+mn-ea"/>
+          <a:cs typeface="+mn-cs"/>
+        </a:defRPr>
+      </a:lvl2pPr>
+      <a:lvl3pPr marL="1143000" indent="-228600" algn="l" defTabSz="914400" rtl="0" eaLnBrk="1" latinLnBrk="0" hangingPunct="1">
+        <a:lnSpc>
+          <a:spcPct val="90000"/>
+        </a:lnSpc>
+        <a:spcBef>
+          <a:spcPts val="500"/>
+        </a:spcBef>
+        <a:buFont typeface="Arial" panose="020B0604020202020204" pitchFamily="34" charset="0"/>
+        <a:buChar char="•"/>
+        <a:defRPr sz="2000" kern="1200">
+          <a:solidFill>
+            <a:schemeClr val="tx1"/>
+          </a:solidFill>
+          <a:latin typeface="+mn-lt"/>
+          <a:ea typeface="+mn-ea"/>
+          <a:cs typeface="+mn-cs"/>
+        </a:defRPr>
+      </a:lvl3pPr>
+      <a:lvl4pPr marL="1600200" indent="-228600" algn="l" defTabSz="914400" rtl="0" eaLnBrk="1" latinLnBrk="0" hangingPunct="1">
+        <a:lnSpc>
+          <a:spcPct val="90000"/>
+        </a:lnSpc>
+        <a:spcBef>
+          <a:spcPts val="500"/>
+        </a:spcBef>
+        <a:buFont typeface="Arial" panose="020B0604020202020204" pitchFamily="34" charset="0"/>
+        <a:buChar char="•"/>
+        <a:defRPr sz="1800" kern="1200">
+          <a:solidFill>
+            <a:schemeClr val="tx1"/>
+          </a:solidFill>
+          <a:latin typeface="+mn-lt"/>
+          <a:ea typeface="+mn-ea"/>
+          <a:cs typeface="+mn-cs"/>
+        </a:defRPr>
+      </a:lvl4pPr>
+      <a:lvl5pPr marL="2057400" indent="-228600" algn="l" defTabSz="914400" rtl="0" eaLnBrk="1" latinLnBrk="0" hangingPunct="1">
+        <a:lnSpc>
+          <a:spcPct val="90000"/>
+        </a:lnSpc>
+        <a:spcBef>
+          <a:spcPts val="500"/>
+        </a:spcBef>
+        <a:buFont typeface="Arial" panose="020B0604020202020204" pitchFamily="34" charset="0"/>
+        <a:buChar char="•"/>
+        <a:defRPr sz="1800" kern="1200">
+          <a:solidFill>
+            <a:schemeClr val="tx1"/>
+          </a:solidFill>
+          <a:latin typeface="+mn-lt"/>
+          <a:ea typeface="+mn-ea"/>
+          <a:cs typeface="+mn-cs"/>
+        </a:defRPr>
+      </a:lvl5pPr>
+      <a:lvl6pPr marL="2514600" indent="-228600" algn="l" defTabSz="914400" rtl="0" eaLnBrk="1" latinLnBrk="0" hangingPunct="1">
+        <a:lnSpc>
+          <a:spcPct val="90000"/>
+        </a:lnSpc>
+        <a:spcBef>
+          <a:spcPts val="500"/>
+        </a:spcBef>
+        <a:buFont typeface="Arial" panose="020B0604020202020204" pitchFamily="34" charset="0"/>
+        <a:buChar char="•"/>
+        <a:defRPr sz="1800" kern="1200">
+          <a:solidFill>
+            <a:schemeClr val="tx1"/>
+          </a:solidFill>
+          <a:latin typeface="+mn-lt"/>
+          <a:ea typeface="+mn-ea"/>
+          <a:cs typeface="+mn-cs"/>
+        </a:defRPr>
+      </a:lvl6pPr>
+      <a:lvl7pPr marL="2971800" indent="-228600" algn="l" defTabSz="914400" rtl="0" eaLnBrk="1" latinLnBrk="0" hangingPunct="1">
+        <a:lnSpc>
+          <a:spcPct val="90000"/>
+        </a:lnSpc>
+        <a:spcBef>
+          <a:spcPts val="500"/>
+        </a:spcBef>
+        <a:buFont typeface="Arial" panose="020B0604020202020204" pitchFamily="34" charset="0"/>
+        <a:buChar char="•"/>
+        <a:defRPr sz="1800" kern="1200">
+          <a:solidFill>
+            <a:schemeClr val="tx1"/>
+          </a:solidFill>
+          <a:latin typeface="+mn-lt"/>
+          <a:ea typeface="+mn-ea"/>
+          <a:cs typeface="+mn-cs"/>
+        </a:defRPr>
+      </a:lvl7pPr>
+      <a:lvl8pPr marL="3429000" indent="-228600" algn="l" defTabSz="914400" rtl="0" eaLnBrk="1" latinLnBrk="0" hangingPunct="1">
+        <a:lnSpc>
+          <a:spcPct val="90000"/>
+        </a:lnSpc>
+        <a:spcBef>
+          <a:spcPts val="500"/>
+        </a:spcBef>
+        <a:buFont typeface="Arial" panose="020B0604020202020204" pitchFamily="34" charset="0"/>
+        <a:buChar char="•"/>
+        <a:defRPr sz="1800" kern="1200">
+          <a:solidFill>
+            <a:schemeClr val="tx1"/>
+          </a:solidFill>
+          <a:latin typeface="+mn-lt"/>
+          <a:ea typeface="+mn-ea"/>
+          <a:cs typeface="+mn-cs"/>
+        </a:defRPr>
+      </a:lvl8pPr>
+      <a:lvl9pPr marL="3886200" indent="-228600" algn="l" defTabSz="914400" rtl="0" eaLnBrk="1" latinLnBrk="0" hangingPunct="1">
+        <a:lnSpc>
+          <a:spcPct val="90000"/>
+        </a:lnSpc>
+        <a:spcBef>
+          <a:spcPts val="500"/>
+        </a:spcBef>
+        <a:buFont typeface="Arial" panose="020B0604020202020204" pitchFamily="34" charset="0"/>
+        <a:buChar char="•"/>
+        <a:defRPr sz="1800" kern="1200">
+          <a:solidFill>
+            <a:schemeClr val="tx1"/>
+          </a:solidFill>
+          <a:latin typeface="+mn-lt"/>
+          <a:ea typeface="+mn-ea"/>
+          <a:cs typeface="+mn-cs"/>
+        </a:defRPr>
+      </a:lvl9pPr>
+    </p:bodyStyle>
+    <p:otherStyle>
+      <a:defPPr>
+        <a:defRPr lang="en-US"/>
+      </a:defPPr>
+      <a:lvl1pPr marL="0" algn="l" defTabSz="914400" rtl="0" eaLnBrk="1" latinLnBrk="0" hangingPunct="1">
+        <a:defRPr sz="1800" kern="1200">
+          <a:solidFill>
+            <a:schemeClr val="tx1"/>
+          </a:solidFill>
+          <a:latin typeface="+mn-lt"/>
+          <a:ea typeface="+mn-ea"/>
+          <a:cs typeface="+mn-cs"/>
+        </a:defRPr>
+      </a:lvl1pPr>
+      <a:lvl2pPr marL="457200" algn="l" defTabSz="914400" rtl="0" eaLnBrk="1" latinLnBrk="0" hangingPunct="1">
+        <a:defRPr sz="1800" kern="1200">
+          <a:solidFill>
+            <a:schemeClr val="tx1"/>
+          </a:solidFill>
+          <a:latin typeface="+mn-lt"/>
+          <a:ea typeface="+mn-ea"/>
+          <a:cs typeface="+mn-cs"/>
+        </a:defRPr>
+      </a:lvl2pPr>
+      <a:lvl3pPr marL="914400" algn="l" defTabSz="914400" rtl="0" eaLnBrk="1" latinLnBrk="0" hangingPunct="1">
+        <a:defRPr sz="1800" kern="1200">
+          <a:solidFill>
+            <a:schemeClr val="tx1"/>
+          </a:solidFill>
+          <a:latin typeface="+mn-lt"/>
+          <a:ea typeface="+mn-ea"/>
+          <a:cs typeface="+mn-cs"/>
+        </a:defRPr>
+      </a:lvl3pPr>
+      <a:lvl4pPr marL="1371600" algn="l" defTabSz="914400" rtl="0" eaLnBrk="1" latinLnBrk="0" hangingPunct="1">
+        <a:defRPr sz="1800" kern="1200">
+          <a:solidFill>
+            <a:schemeClr val="tx1"/>
+          </a:solidFill>
+          <a:latin typeface="+mn-lt"/>
+          <a:ea typeface="+mn-ea"/>
+          <a:cs typeface="+mn-cs"/>
+        </a:defRPr>
+      </a:lvl4pPr>
+      <a:lvl5pPr marL="1828800" algn="l" defTabSz="914400" rtl="0" eaLnBrk="1" latinLnBrk="0" hangingPunct="1">
+        <a:defRPr sz="1800" kern="1200">
+          <a:solidFill>
+            <a:schemeClr val="tx1"/>
+          </a:solidFill>
+          <a:latin typeface="+mn-lt"/>
+          <a:ea typeface="+mn-ea"/>
+          <a:cs typeface="+mn-cs"/>
+        </a:defRPr>
+      </a:lvl5pPr>
+      <a:lvl6pPr marL="2286000" algn="l" defTabSz="914400" rtl="0" eaLnBrk="1" latinLnBrk="0" hangingPunct="1">
+        <a:defRPr sz="1800" kern="1200">
+          <a:solidFill>
+            <a:schemeClr val="tx1"/>
+          </a:solidFill>
+          <a:latin typeface="+mn-lt"/>
+          <a:ea typeface="+mn-ea"/>
+          <a:cs typeface="+mn-cs"/>
+        </a:defRPr>
+      </a:lvl6pPr>
+      <a:lvl7pPr marL="2743200" algn="l" defTabSz="914400" rtl="0" eaLnBrk="1" latinLnBrk="0" hangingPunct="1">
+        <a:defRPr sz="1800" kern="1200">
+          <a:solidFill>
+            <a:schemeClr val="tx1"/>
+          </a:solidFill>
+          <a:latin typeface="+mn-lt"/>
+          <a:ea typeface="+mn-ea"/>
+          <a:cs typeface="+mn-cs"/>
+        </a:defRPr>
+      </a:lvl7pPr>
+      <a:lvl8pPr marL="3200400" algn="l" defTabSz="914400" rtl="0" eaLnBrk="1" latinLnBrk="0" hangingPunct="1">
+        <a:defRPr sz="1800" kern="1200">
+          <a:solidFill>
+            <a:schemeClr val="tx1"/>
+          </a:solidFill>
+          <a:latin typeface="+mn-lt"/>
+          <a:ea typeface="+mn-ea"/>
+          <a:cs typeface="+mn-cs"/>
+        </a:defRPr>
+      </a:lvl8pPr>
+      <a:lvl9pPr marL="3657600" algn="l" defTabSz="914400" rtl="0" eaLnBrk="1" latinLnBrk="0" hangingPunct="1">
+        <a:defRPr sz="1800" kern="1200">
+          <a:solidFill>
+            <a:schemeClr val="tx1"/>
+          </a:solidFill>
+          <a:latin typeface="+mn-lt"/>
+          <a:ea typeface="+mn-ea"/>
+          <a:cs typeface="+mn-cs"/>
+        </a:defRPr>
+      </a:lvl9pPr>
+    </p:otherStyle>
+  </p:txStyles>
+</p:sldMaster>
+</file>
+
 <file path=ppt/slides/slide1.xml><?xml version="1.0" encoding="utf-8"?>
 <p:sld xmlns:a="http://schemas.openxmlformats.org/drawingml/2006/main" xmlns:r="http://schemas.openxmlformats.org/officeDocument/2006/relationships" xmlns:p="http://schemas.openxmlformats.org/presentationml/2006/main">
   <p:cSld>
@@ -4185,7 +7554,30 @@
       </p:grpSpPr>
       <p:sp>
         <p:nvSpPr>
-          <p:cNvPr id="2" name="Title 1"/>
+          <p:cNvPr id="2" name="Subtitle 1"/>
+          <p:cNvSpPr>
+            <a:spLocks noGrp="1"/>
+          </p:cNvSpPr>
+          <p:nvPr>
+            <p:ph type="subTitle" idx="1"/>
+          </p:nvPr>
+        </p:nvSpPr>
+        <p:spPr/>
+        <p:txBody>
+          <a:bodyPr/>
+          <a:lstStyle/>
+          <a:p>
+            <a:r>
+              <a:rPr lang="en-US" dirty="0" smtClean="0"/>
+              <a:t>Loops</a:t>
+            </a:r>
+            <a:endParaRPr lang="en-US" dirty="0"/>
+          </a:p>
+        </p:txBody>
+      </p:sp>
+      <p:sp>
+        <p:nvSpPr>
+          <p:cNvPr id="3" name="Title 2"/>
           <p:cNvSpPr>
             <a:spLocks noGrp="1"/>
           </p:cNvSpPr>
@@ -4193,212 +7585,30 @@
             <p:ph type="ctrTitle"/>
           </p:nvPr>
         </p:nvSpPr>
-        <p:spPr>
-          <a:xfrm>
-            <a:off x="402305" y="311631"/>
-            <a:ext cx="4182799" cy="1923569"/>
-          </a:xfrm>
-        </p:spPr>
+        <p:spPr/>
         <p:txBody>
           <a:bodyPr/>
           <a:lstStyle/>
           <a:p>
             <a:pPr algn="ctr"/>
             <a:r>
-              <a:rPr lang="en-US" sz="3200" dirty="0" smtClean="0"/>
-              <a:t>BEGINNER EV3 PROGRAMMING</a:t>
-            </a:r>
-            <a:r>
-              <a:rPr lang="en-US" sz="4000" dirty="0" smtClean="0"/>
-              <a:t/>
-            </a:r>
-            <a:br>
-              <a:rPr lang="en-US" sz="4000" dirty="0" smtClean="0"/>
-            </a:br>
-            <a:r>
-              <a:rPr lang="en-US" sz="3200" dirty="0" smtClean="0"/>
-              <a:t>Lesson</a:t>
-            </a:r>
-            <a:endParaRPr lang="en-US" sz="3200" dirty="0"/>
-          </a:p>
-        </p:txBody>
-      </p:sp>
-      <p:sp>
-        <p:nvSpPr>
-          <p:cNvPr id="7" name="TextBox 6"/>
-          <p:cNvSpPr txBox="1"/>
-          <p:nvPr/>
-        </p:nvSpPr>
-        <p:spPr>
-          <a:xfrm>
-            <a:off x="1487501" y="5949643"/>
-            <a:ext cx="4750545" cy="523220"/>
-          </a:xfrm>
-          <a:prstGeom prst="rect">
-            <a:avLst/>
-          </a:prstGeom>
-          <a:noFill/>
-        </p:spPr>
-        <p:txBody>
-          <a:bodyPr wrap="square" rtlCol="0">
-            <a:spAutoFit/>
-          </a:bodyPr>
-          <a:lstStyle/>
-          <a:p>
-            <a:r>
-              <a:rPr lang="en-US" sz="2800" dirty="0" smtClean="0"/>
-              <a:t>By: Droids Robotics</a:t>
-            </a:r>
-          </a:p>
-        </p:txBody>
-      </p:sp>
-      <p:sp>
-        <p:nvSpPr>
-          <p:cNvPr id="4" name="TextBox 3"/>
-          <p:cNvSpPr txBox="1"/>
-          <p:nvPr/>
-        </p:nvSpPr>
-        <p:spPr>
-          <a:xfrm>
-            <a:off x="550088" y="2713113"/>
-            <a:ext cx="8187512" cy="954107"/>
-          </a:xfrm>
-          <a:prstGeom prst="rect">
-            <a:avLst/>
-          </a:prstGeom>
-          <a:noFill/>
-        </p:spPr>
-        <p:txBody>
-          <a:bodyPr wrap="square" rtlCol="0">
-            <a:spAutoFit/>
-          </a:bodyPr>
-          <a:lstStyle/>
-          <a:p>
-            <a:r>
-              <a:rPr lang="en-US" sz="2800" dirty="0" smtClean="0">
-                <a:solidFill>
-                  <a:srgbClr val="FF0000"/>
-                </a:solidFill>
-              </a:rPr>
-              <a:t>Topics Covered:</a:t>
-            </a:r>
-          </a:p>
-          <a:p>
-            <a:r>
-              <a:rPr lang="en-US" sz="2800" dirty="0" smtClean="0">
-                <a:solidFill>
-                  <a:srgbClr val="FF0000"/>
-                </a:solidFill>
-              </a:rPr>
-              <a:t>Repeating Actions</a:t>
-            </a:r>
-            <a:r>
-              <a:rPr lang="en-US" sz="2800" dirty="0">
-                <a:solidFill>
-                  <a:srgbClr val="FF0000"/>
-                </a:solidFill>
-              </a:rPr>
-              <a:t> </a:t>
-            </a:r>
-            <a:r>
-              <a:rPr lang="en-US" sz="2800" dirty="0" smtClean="0">
-                <a:solidFill>
-                  <a:srgbClr val="FF0000"/>
-                </a:solidFill>
-              </a:rPr>
-              <a:t>(Loops)</a:t>
-            </a:r>
-          </a:p>
-        </p:txBody>
-      </p:sp>
-      <p:pic>
-        <p:nvPicPr>
-          <p:cNvPr id="1026" name="Picture 2" descr="EV3Lessons.com"/>
-          <p:cNvPicPr>
-            <a:picLocks noChangeAspect="1" noChangeArrowheads="1"/>
-          </p:cNvPicPr>
-          <p:nvPr/>
-        </p:nvPicPr>
-        <p:blipFill>
-          <a:blip r:embed="rId3">
-            <a:extLst>
-              <a:ext uri="{28A0092B-C50C-407E-A947-70E740481C1C}">
-                <a14:useLocalDpi xmlns:a14="http://schemas.microsoft.com/office/drawing/2010/main" val="0"/>
-              </a:ext>
-            </a:extLst>
-          </a:blip>
-          <a:srcRect/>
-          <a:stretch>
-            <a:fillRect/>
-          </a:stretch>
-        </p:blipFill>
-        <p:spPr bwMode="auto">
-          <a:xfrm>
-            <a:off x="4585105" y="436041"/>
-            <a:ext cx="4231698" cy="1571774"/>
-          </a:xfrm>
-          <a:prstGeom prst="rect">
-            <a:avLst/>
-          </a:prstGeom>
-          <a:noFill/>
-          <a:extLst>
-            <a:ext uri="{909E8E84-426E-40dd-AFC4-6F175D3DCCD1}">
-              <a14:hiddenFill xmlns:a14="http://schemas.microsoft.com/office/drawing/2010/main" xmlns="">
-                <a:solidFill>
-                  <a:srgbClr val="FFFFFF"/>
-                </a:solidFill>
-              </a14:hiddenFill>
-            </a:ext>
-          </a:extLst>
-        </p:spPr>
-      </p:pic>
-      <p:pic>
-        <p:nvPicPr>
-          <p:cNvPr id="5" name="Picture 4"/>
-          <p:cNvPicPr>
-            <a:picLocks noChangeAspect="1"/>
-          </p:cNvPicPr>
-          <p:nvPr/>
-        </p:nvPicPr>
-        <p:blipFill>
-          <a:blip r:embed="rId4">
-            <a:extLst>
-              <a:ext uri="{28A0092B-C50C-407E-A947-70E740481C1C}">
-                <a14:useLocalDpi xmlns:a14="http://schemas.microsoft.com/office/drawing/2010/main" val="0"/>
-              </a:ext>
-            </a:extLst>
-          </a:blip>
-          <a:stretch>
-            <a:fillRect/>
-          </a:stretch>
-        </p:blipFill>
-        <p:spPr>
-          <a:xfrm>
-            <a:off x="236628" y="5171090"/>
-            <a:ext cx="1250873" cy="1196669"/>
-          </a:xfrm>
-          <a:prstGeom prst="rect">
-            <a:avLst/>
-          </a:prstGeom>
-        </p:spPr>
-      </p:pic>
+              <a:rPr lang="en-US" dirty="0" smtClean="0"/>
+              <a:t>BEGINNER PROGRAMMING LESSONS</a:t>
+            </a:r>
+            <a:endParaRPr lang="en-US" dirty="0"/>
+          </a:p>
+        </p:txBody>
+      </p:sp>
     </p:spTree>
     <p:extLst>
       <p:ext uri="{BB962C8B-B14F-4D97-AF65-F5344CB8AC3E}">
-        <p14:creationId xmlns:p14="http://schemas.microsoft.com/office/powerpoint/2010/main" val="2169424735"/>
+        <p14:creationId xmlns:p14="http://schemas.microsoft.com/office/powerpoint/2010/main" val="2023982725"/>
       </p:ext>
     </p:extLst>
   </p:cSld>
   <p:clrMapOvr>
     <a:masterClrMapping/>
   </p:clrMapOvr>
-  <p:timing>
-    <p:tnLst>
-      <p:par>
-        <p:cTn id="1" dur="indefinite" restart="never" nodeType="tmRoot"/>
-      </p:par>
-    </p:tnLst>
-  </p:timing>
 </p:sld>
 </file>
 
@@ -4496,7 +7706,7 @@
           <a:p>
             <a:r>
               <a:rPr lang="en-US" smtClean="0"/>
-              <a:t>© EV3Lessons.com, 2015, (Last edit: 2/26/2015)</a:t>
+              <a:t>© EV3Lessons.com, 2016, (Last edit: 7/04/2016)</a:t>
             </a:r>
             <a:endParaRPr lang="en-US"/>
           </a:p>
@@ -4631,6 +7841,52 @@
           <a:p>
             <a:pPr lvl="1"/>
             <a:endParaRPr lang="en-US" dirty="0"/>
+          </a:p>
+        </p:txBody>
+      </p:sp>
+      <p:sp>
+        <p:nvSpPr>
+          <p:cNvPr id="6" name="Footer Placeholder 5"/>
+          <p:cNvSpPr>
+            <a:spLocks noGrp="1"/>
+          </p:cNvSpPr>
+          <p:nvPr>
+            <p:ph type="ftr" sz="quarter" idx="11"/>
+          </p:nvPr>
+        </p:nvSpPr>
+        <p:spPr/>
+        <p:txBody>
+          <a:bodyPr/>
+          <a:lstStyle/>
+          <a:p>
+            <a:r>
+              <a:rPr lang="en-US" smtClean="0"/>
+              <a:t>© EV3Lessons.com, 2016, (Last edit: 7/04/2016)</a:t>
+            </a:r>
+            <a:endParaRPr lang="en-US"/>
+          </a:p>
+        </p:txBody>
+      </p:sp>
+      <p:sp>
+        <p:nvSpPr>
+          <p:cNvPr id="8" name="Slide Number Placeholder 7"/>
+          <p:cNvSpPr>
+            <a:spLocks noGrp="1"/>
+          </p:cNvSpPr>
+          <p:nvPr>
+            <p:ph type="sldNum" sz="quarter" idx="12"/>
+          </p:nvPr>
+        </p:nvSpPr>
+        <p:spPr/>
+        <p:txBody>
+          <a:bodyPr/>
+          <a:lstStyle/>
+          <a:p>
+            <a:fld id="{4DBC7FC8-25FB-FC45-8177-2B991DA6778C}" type="slidenum">
+              <a:rPr lang="en-US" smtClean="0"/>
+              <a:t>3</a:t>
+            </a:fld>
+            <a:endParaRPr lang="en-US"/>
           </a:p>
         </p:txBody>
       </p:sp>
@@ -4767,29 +8023,6 @@
               <a:t>Hint:</a:t>
             </a:r>
             <a:endParaRPr lang="en-US" dirty="0"/>
-          </a:p>
-        </p:txBody>
-      </p:sp>
-      <p:sp>
-        <p:nvSpPr>
-          <p:cNvPr id="6" name="Footer Placeholder 5"/>
-          <p:cNvSpPr>
-            <a:spLocks noGrp="1"/>
-          </p:cNvSpPr>
-          <p:nvPr>
-            <p:ph type="ftr" sz="quarter" idx="11"/>
-          </p:nvPr>
-        </p:nvSpPr>
-        <p:spPr/>
-        <p:txBody>
-          <a:bodyPr/>
-          <a:lstStyle/>
-          <a:p>
-            <a:r>
-              <a:rPr lang="en-US" smtClean="0"/>
-              <a:t>© EV3Lessons.com, 2015, (Last edit: 2/26/2015)</a:t>
-            </a:r>
-            <a:endParaRPr lang="en-US"/>
           </a:p>
         </p:txBody>
       </p:sp>
@@ -5164,29 +8397,6 @@
           </p:txBody>
         </p:sp>
       </p:grpSp>
-      <p:sp>
-        <p:nvSpPr>
-          <p:cNvPr id="8" name="Slide Number Placeholder 7"/>
-          <p:cNvSpPr>
-            <a:spLocks noGrp="1"/>
-          </p:cNvSpPr>
-          <p:nvPr>
-            <p:ph type="sldNum" sz="quarter" idx="12"/>
-          </p:nvPr>
-        </p:nvSpPr>
-        <p:spPr/>
-        <p:txBody>
-          <a:bodyPr/>
-          <a:lstStyle/>
-          <a:p>
-            <a:fld id="{4DBC7FC8-25FB-FC45-8177-2B991DA6778C}" type="slidenum">
-              <a:rPr lang="en-US" smtClean="0"/>
-              <a:t>3</a:t>
-            </a:fld>
-            <a:endParaRPr lang="en-US"/>
-          </a:p>
-        </p:txBody>
-      </p:sp>
     </p:spTree>
     <p:extLst>
       <p:ext uri="{BB962C8B-B14F-4D97-AF65-F5344CB8AC3E}">
@@ -5300,6 +8510,52 @@
           <a:p>
             <a:pPr lvl="1"/>
             <a:endParaRPr lang="en-US" dirty="0"/>
+          </a:p>
+        </p:txBody>
+      </p:sp>
+      <p:sp>
+        <p:nvSpPr>
+          <p:cNvPr id="10" name="Footer Placeholder 9"/>
+          <p:cNvSpPr>
+            <a:spLocks noGrp="1"/>
+          </p:cNvSpPr>
+          <p:nvPr>
+            <p:ph type="ftr" sz="quarter" idx="11"/>
+          </p:nvPr>
+        </p:nvSpPr>
+        <p:spPr/>
+        <p:txBody>
+          <a:bodyPr/>
+          <a:lstStyle/>
+          <a:p>
+            <a:r>
+              <a:rPr lang="en-US" smtClean="0"/>
+              <a:t>© EV3Lessons.com, 2016, (Last edit: 7/04/2016)</a:t>
+            </a:r>
+            <a:endParaRPr lang="en-US"/>
+          </a:p>
+        </p:txBody>
+      </p:sp>
+      <p:sp>
+        <p:nvSpPr>
+          <p:cNvPr id="11" name="Slide Number Placeholder 10"/>
+          <p:cNvSpPr>
+            <a:spLocks noGrp="1"/>
+          </p:cNvSpPr>
+          <p:nvPr>
+            <p:ph type="sldNum" sz="quarter" idx="12"/>
+          </p:nvPr>
+        </p:nvSpPr>
+        <p:spPr/>
+        <p:txBody>
+          <a:bodyPr/>
+          <a:lstStyle/>
+          <a:p>
+            <a:fld id="{4DBC7FC8-25FB-FC45-8177-2B991DA6778C}" type="slidenum">
+              <a:rPr lang="en-US" smtClean="0"/>
+              <a:t>4</a:t>
+            </a:fld>
+            <a:endParaRPr lang="en-US"/>
           </a:p>
         </p:txBody>
       </p:sp>
@@ -5467,52 +8723,6 @@
           </a:prstGeom>
         </p:spPr>
       </p:pic>
-      <p:sp>
-        <p:nvSpPr>
-          <p:cNvPr id="10" name="Footer Placeholder 9"/>
-          <p:cNvSpPr>
-            <a:spLocks noGrp="1"/>
-          </p:cNvSpPr>
-          <p:nvPr>
-            <p:ph type="ftr" sz="quarter" idx="11"/>
-          </p:nvPr>
-        </p:nvSpPr>
-        <p:spPr/>
-        <p:txBody>
-          <a:bodyPr/>
-          <a:lstStyle/>
-          <a:p>
-            <a:r>
-              <a:rPr lang="en-US" smtClean="0"/>
-              <a:t>© EV3Lessons.com, 2015, (Last edit: 2/26/2015)</a:t>
-            </a:r>
-            <a:endParaRPr lang="en-US"/>
-          </a:p>
-        </p:txBody>
-      </p:sp>
-      <p:sp>
-        <p:nvSpPr>
-          <p:cNvPr id="11" name="Slide Number Placeholder 10"/>
-          <p:cNvSpPr>
-            <a:spLocks noGrp="1"/>
-          </p:cNvSpPr>
-          <p:nvPr>
-            <p:ph type="sldNum" sz="quarter" idx="12"/>
-          </p:nvPr>
-        </p:nvSpPr>
-        <p:spPr/>
-        <p:txBody>
-          <a:bodyPr/>
-          <a:lstStyle/>
-          <a:p>
-            <a:fld id="{4DBC7FC8-25FB-FC45-8177-2B991DA6778C}" type="slidenum">
-              <a:rPr lang="en-US" smtClean="0"/>
-              <a:t>4</a:t>
-            </a:fld>
-            <a:endParaRPr lang="en-US"/>
-          </a:p>
-        </p:txBody>
-      </p:sp>
     </p:spTree>
     <p:extLst>
       <p:ext uri="{BB962C8B-B14F-4D97-AF65-F5344CB8AC3E}">
@@ -5629,7 +8839,7 @@
           <a:p>
             <a:r>
               <a:rPr lang="en-US" smtClean="0"/>
-              <a:t>© EV3Lessons.com, 2015, (Last edit: 2/26/2015)</a:t>
+              <a:t>© EV3Lessons.com, 2016, (Last edit: 7/04/2016)</a:t>
             </a:r>
             <a:endParaRPr lang="en-US"/>
           </a:p>
@@ -6099,7 +9309,7 @@
           <a:p>
             <a:r>
               <a:rPr lang="en-US" smtClean="0"/>
-              <a:t>© EV3Lessons.com, 2015, (Last edit: 2/26/2015)</a:t>
+              <a:t>© EV3Lessons.com, 2016, (Last edit: 7/04/2016)</a:t>
             </a:r>
             <a:endParaRPr lang="en-US"/>
           </a:p>
@@ -6222,8 +9432,8 @@
         </p:nvSpPr>
         <p:spPr>
           <a:xfrm>
-            <a:off x="457200" y="1124832"/>
-            <a:ext cx="8245474" cy="4963057"/>
+            <a:off x="457200" y="1556657"/>
+            <a:ext cx="8245474" cy="4531232"/>
           </a:xfrm>
         </p:spPr>
         <p:txBody>
@@ -6238,8 +9448,13 @@
             </a:pPr>
             <a:r>
               <a:rPr lang="en-US" sz="1800" dirty="0" smtClean="0"/>
-              <a:t>This tutorial was created by Sanjay Seshan and Arvind Seshan from Droids Robotics.</a:t>
-            </a:r>
+              <a:t>This tutorial was created by Sanjay Seshan and Arvind </a:t>
+            </a:r>
+            <a:r>
+              <a:rPr lang="en-US" sz="1800" dirty="0" err="1" smtClean="0"/>
+              <a:t>Seshan</a:t>
+            </a:r>
+            <a:endParaRPr lang="en-US" sz="1800" dirty="0" smtClean="0"/>
           </a:p>
           <a:p>
             <a:pPr marL="342900" indent="-342900">
@@ -6248,23 +9463,11 @@
             </a:pPr>
             <a:r>
               <a:rPr lang="en-US" sz="1800" dirty="0" smtClean="0"/>
-              <a:t>More lessons are available at www.ev3lessons.com</a:t>
-            </a:r>
-          </a:p>
-          <a:p>
-            <a:pPr marL="342900" indent="-342900">
-              <a:buFont typeface="Arial"/>
-              <a:buChar char="•"/>
-            </a:pPr>
+              <a:t>More lessons are available at </a:t>
+            </a:r>
             <a:r>
               <a:rPr lang="en-US" sz="1800" dirty="0" smtClean="0"/>
-              <a:t>Author’s Email: </a:t>
-            </a:r>
-            <a:r>
-              <a:rPr lang="en-US" sz="1800" dirty="0" smtClean="0">
-                <a:hlinkClick r:id="rId2"/>
-              </a:rPr>
-              <a:t>team@droidsrobotics.org</a:t>
+              <a:t>www.ev3lessons.com</a:t>
             </a:r>
             <a:r>
               <a:rPr lang="en-US" sz="1800" b="0" dirty="0"/>
@@ -6294,9 +9497,32 @@
           <a:p>
             <a:r>
               <a:rPr lang="en-US" smtClean="0"/>
-              <a:t>© EV3Lessons.com, 2015, (Last edit: 2/26/2015)</a:t>
+              <a:t>© EV3Lessons.com, 2016, (Last edit: 7/04/2016)</a:t>
             </a:r>
             <a:endParaRPr lang="en-US" dirty="0"/>
+          </a:p>
+        </p:txBody>
+      </p:sp>
+      <p:sp>
+        <p:nvSpPr>
+          <p:cNvPr id="9" name="Slide Number Placeholder 8"/>
+          <p:cNvSpPr>
+            <a:spLocks noGrp="1"/>
+          </p:cNvSpPr>
+          <p:nvPr>
+            <p:ph type="sldNum" sz="quarter" idx="12"/>
+          </p:nvPr>
+        </p:nvSpPr>
+        <p:spPr/>
+        <p:txBody>
+          <a:bodyPr/>
+          <a:lstStyle/>
+          <a:p>
+            <a:fld id="{4DBC7FC8-25FB-FC45-8177-2B991DA6778C}" type="slidenum">
+              <a:rPr lang="en-US" smtClean="0"/>
+              <a:t>7</a:t>
+            </a:fld>
+            <a:endParaRPr lang="en-US"/>
           </a:p>
         </p:txBody>
       </p:sp>
@@ -6325,7 +9551,7 @@
           <a:effectLst/>
           <a:extLst>
             <a:ext uri="{91240B29-F687-4f45-9708-019B960494DF}">
-              <a14:hiddenLine xmlns:a14="http://schemas.microsoft.com/office/drawing/2010/main" xmlns="" w="9525">
+              <a14:hiddenLine xmlns="" xmlns:a14="http://schemas.microsoft.com/office/drawing/2010/main" w="9525">
                 <a:solidFill>
                   <a:schemeClr val="tx1"/>
                 </a:solidFill>
@@ -6335,7 +9561,7 @@
               </a14:hiddenLine>
             </a:ext>
             <a:ext uri="{AF507438-7753-43e0-B8FC-AC1667EBCBE1}">
-              <a14:hiddenEffects xmlns:a14="http://schemas.microsoft.com/office/drawing/2010/main" xmlns="">
+              <a14:hiddenEffects xmlns="" xmlns:a14="http://schemas.microsoft.com/office/drawing/2010/main">
                 <a:effectLst>
                   <a:outerShdw dist="35921" dir="2700000" algn="ctr" rotWithShape="0">
                     <a:schemeClr val="bg2"/>
@@ -6556,7 +9782,7 @@
                 </a:solidFill>
                 <a:effectLst/>
                 <a:latin typeface="Helvetica Neue"/>
-                <a:hlinkClick r:id="rId3"/>
+                <a:hlinkClick r:id="rId2"/>
               </a:rPr>
               <a:t>Creative Commons Attribution-</a:t>
             </a:r>
@@ -6570,7 +9796,7 @@
                 </a:solidFill>
                 <a:effectLst/>
                 <a:latin typeface="Helvetica Neue"/>
-                <a:hlinkClick r:id="rId3"/>
+                <a:hlinkClick r:id="rId2"/>
               </a:rPr>
               <a:t>NonCommercial</a:t>
             </a:r>
@@ -6584,7 +9810,7 @@
                 </a:solidFill>
                 <a:effectLst/>
                 <a:latin typeface="Helvetica Neue"/>
-                <a:hlinkClick r:id="rId3"/>
+                <a:hlinkClick r:id="rId2"/>
               </a:rPr>
               <a:t>-</a:t>
             </a:r>
@@ -6598,7 +9824,7 @@
                 </a:solidFill>
                 <a:effectLst/>
                 <a:latin typeface="Helvetica Neue"/>
-                <a:hlinkClick r:id="rId3"/>
+                <a:hlinkClick r:id="rId2"/>
               </a:rPr>
               <a:t>ShareAlike</a:t>
             </a:r>
@@ -6612,7 +9838,7 @@
                 </a:solidFill>
                 <a:effectLst/>
                 <a:latin typeface="Helvetica Neue"/>
-                <a:hlinkClick r:id="rId3"/>
+                <a:hlinkClick r:id="rId2"/>
               </a:rPr>
               <a:t> 4.0 International License</a:t>
             </a:r>
@@ -6657,7 +9883,7 @@
       <p:pic>
         <p:nvPicPr>
           <p:cNvPr id="2050" name="Picture 2" descr="Creative Commons License">
-            <a:hlinkClick r:id="rId3"/>
+            <a:hlinkClick r:id="rId2"/>
           </p:cNvPr>
           <p:cNvPicPr>
             <a:picLocks noChangeAspect="1" noChangeArrowheads="1"/>
@@ -6665,7 +9891,7 @@
           <p:nvPr/>
         </p:nvPicPr>
         <p:blipFill>
-          <a:blip r:embed="rId4">
+          <a:blip r:embed="rId3">
             <a:extLst>
               <a:ext uri="{28A0092B-C50C-407E-A947-70E740481C1C}">
                 <a14:useLocalDpi xmlns:a14="http://schemas.microsoft.com/office/drawing/2010/main" val="0"/>
@@ -6688,7 +9914,7 @@
           <a:noFill/>
           <a:extLst>
             <a:ext uri="{909E8E84-426E-40dd-AFC4-6F175D3DCCD1}">
-              <a14:hiddenFill xmlns:a14="http://schemas.microsoft.com/office/drawing/2010/main" xmlns="">
+              <a14:hiddenFill xmlns="" xmlns:a14="http://schemas.microsoft.com/office/drawing/2010/main">
                 <a:solidFill>
                   <a:srgbClr val="FFFFFF"/>
                 </a:solidFill>
@@ -6697,29 +9923,6 @@
           </a:extLst>
         </p:spPr>
       </p:pic>
-      <p:sp>
-        <p:nvSpPr>
-          <p:cNvPr id="9" name="Slide Number Placeholder 8"/>
-          <p:cNvSpPr>
-            <a:spLocks noGrp="1"/>
-          </p:cNvSpPr>
-          <p:nvPr>
-            <p:ph type="sldNum" sz="quarter" idx="12"/>
-          </p:nvPr>
-        </p:nvSpPr>
-        <p:spPr/>
-        <p:txBody>
-          <a:bodyPr/>
-          <a:lstStyle/>
-          <a:p>
-            <a:fld id="{4DBC7FC8-25FB-FC45-8177-2B991DA6778C}" type="slidenum">
-              <a:rPr lang="en-US" smtClean="0"/>
-              <a:t>7</a:t>
-            </a:fld>
-            <a:endParaRPr lang="en-US"/>
-          </a:p>
-        </p:txBody>
-      </p:sp>
     </p:spTree>
     <p:extLst>
       <p:ext uri="{BB962C8B-B14F-4D97-AF65-F5344CB8AC3E}">
@@ -6741,7 +9944,7 @@
 </file>
 
 <file path=ppt/theme/theme1.xml><?xml version="1.0" encoding="utf-8"?>
-<a:theme xmlns:a="http://schemas.openxmlformats.org/drawingml/2006/main" name="Essential">
+<a:theme xmlns:a="http://schemas.openxmlformats.org/drawingml/2006/main" name="beginner">
   <a:themeElements>
     <a:clrScheme name="Essential">
       <a:dk1>
@@ -6990,11 +10193,16 @@
   </a:themeElements>
   <a:objectDefaults/>
   <a:extraClrSchemeLst/>
+  <a:extLst>
+    <a:ext uri="{05A4C25C-085E-4340-85A3-A5531E510DB2}">
+      <thm15:themeFamily xmlns:thm15="http://schemas.microsoft.com/office/thememl/2012/main" name="beginner" id="{AEF29D72-34CC-C448-A679-08550D2D21D1}" vid="{04B54D62-7BE5-DF47-9F85-5B9FEF4E3E09}"/>
+    </a:ext>
+  </a:extLst>
 </a:theme>
 </file>
 
 <file path=ppt/theme/theme2.xml><?xml version="1.0" encoding="utf-8"?>
-<a:theme xmlns:a="http://schemas.openxmlformats.org/drawingml/2006/main" name="Office Theme">
+<a:theme xmlns:a="http://schemas.openxmlformats.org/drawingml/2006/main" name="Custom Design">
   <a:themeElements>
     <a:clrScheme name="Office">
       <a:dk1>
@@ -7004,39 +10212,39 @@
         <a:sysClr val="window" lastClr="FFFFFF"/>
       </a:lt1>
       <a:dk2>
-        <a:srgbClr val="1F497D"/>
+        <a:srgbClr val="44546A"/>
       </a:dk2>
       <a:lt2>
-        <a:srgbClr val="EEECE1"/>
+        <a:srgbClr val="E7E6E6"/>
       </a:lt2>
       <a:accent1>
-        <a:srgbClr val="4F81BD"/>
+        <a:srgbClr val="5B9BD5"/>
       </a:accent1>
       <a:accent2>
-        <a:srgbClr val="C0504D"/>
+        <a:srgbClr val="ED7D31"/>
       </a:accent2>
       <a:accent3>
-        <a:srgbClr val="9BBB59"/>
+        <a:srgbClr val="A5A5A5"/>
       </a:accent3>
       <a:accent4>
-        <a:srgbClr val="8064A2"/>
+        <a:srgbClr val="FFC000"/>
       </a:accent4>
       <a:accent5>
-        <a:srgbClr val="4BACC6"/>
+        <a:srgbClr val="4472C4"/>
       </a:accent5>
       <a:accent6>
-        <a:srgbClr val="F79646"/>
+        <a:srgbClr val="70AD47"/>
       </a:accent6>
       <a:hlink>
-        <a:srgbClr val="0000FF"/>
+        <a:srgbClr val="0563C1"/>
       </a:hlink>
       <a:folHlink>
-        <a:srgbClr val="800080"/>
+        <a:srgbClr val="954F72"/>
       </a:folHlink>
     </a:clrScheme>
     <a:fontScheme name="Office">
       <a:majorFont>
-        <a:latin typeface="Calibri"/>
+        <a:latin typeface="Calibri Light"/>
         <a:ea typeface=""/>
         <a:cs typeface=""/>
         <a:font script="Jpan" typeface="ＭＳ Ｐゴシック"/>
@@ -7115,201 +10323,142 @@
           <a:gsLst>
             <a:gs pos="0">
               <a:schemeClr val="phClr">
-                <a:tint val="50000"/>
-                <a:satMod val="300000"/>
+                <a:lumMod val="110000"/>
+                <a:satMod val="105000"/>
+                <a:tint val="67000"/>
               </a:schemeClr>
             </a:gs>
-            <a:gs pos="35000">
+            <a:gs pos="50000">
               <a:schemeClr val="phClr">
-                <a:tint val="37000"/>
-                <a:satMod val="300000"/>
+                <a:lumMod val="105000"/>
+                <a:satMod val="103000"/>
+                <a:tint val="73000"/>
               </a:schemeClr>
             </a:gs>
             <a:gs pos="100000">
               <a:schemeClr val="phClr">
-                <a:tint val="15000"/>
-                <a:satMod val="350000"/>
+                <a:lumMod val="105000"/>
+                <a:satMod val="109000"/>
+                <a:tint val="81000"/>
               </a:schemeClr>
             </a:gs>
           </a:gsLst>
-          <a:lin ang="16200000" scaled="1"/>
+          <a:lin ang="5400000" scaled="0"/>
         </a:gradFill>
         <a:gradFill rotWithShape="1">
           <a:gsLst>
             <a:gs pos="0">
               <a:schemeClr val="phClr">
-                <a:tint val="100000"/>
+                <a:satMod val="103000"/>
+                <a:lumMod val="102000"/>
+                <a:tint val="94000"/>
+              </a:schemeClr>
+            </a:gs>
+            <a:gs pos="50000">
+              <a:schemeClr val="phClr">
+                <a:satMod val="110000"/>
+                <a:lumMod val="100000"/>
                 <a:shade val="100000"/>
-                <a:satMod val="130000"/>
               </a:schemeClr>
             </a:gs>
             <a:gs pos="100000">
               <a:schemeClr val="phClr">
-                <a:tint val="50000"/>
-                <a:shade val="100000"/>
-                <a:satMod val="350000"/>
+                <a:lumMod val="99000"/>
+                <a:satMod val="120000"/>
+                <a:shade val="78000"/>
               </a:schemeClr>
             </a:gs>
           </a:gsLst>
-          <a:lin ang="16200000" scaled="0"/>
+          <a:lin ang="5400000" scaled="0"/>
         </a:gradFill>
       </a:fillStyleLst>
       <a:lnStyleLst>
-        <a:ln w="9525" cap="flat" cmpd="sng" algn="ctr">
-          <a:solidFill>
-            <a:schemeClr val="phClr">
-              <a:shade val="95000"/>
-              <a:satMod val="105000"/>
-            </a:schemeClr>
-          </a:solidFill>
-          <a:prstDash val="solid"/>
-        </a:ln>
-        <a:ln w="25400" cap="flat" cmpd="sng" algn="ctr">
+        <a:ln w="6350" cap="flat" cmpd="sng" algn="ctr">
           <a:solidFill>
             <a:schemeClr val="phClr"/>
           </a:solidFill>
           <a:prstDash val="solid"/>
+          <a:miter lim="800000"/>
         </a:ln>
-        <a:ln w="38100" cap="flat" cmpd="sng" algn="ctr">
+        <a:ln w="12700" cap="flat" cmpd="sng" algn="ctr">
           <a:solidFill>
             <a:schemeClr val="phClr"/>
           </a:solidFill>
           <a:prstDash val="solid"/>
+          <a:miter lim="800000"/>
+        </a:ln>
+        <a:ln w="19050" cap="flat" cmpd="sng" algn="ctr">
+          <a:solidFill>
+            <a:schemeClr val="phClr"/>
+          </a:solidFill>
+          <a:prstDash val="solid"/>
+          <a:miter lim="800000"/>
         </a:ln>
       </a:lnStyleLst>
       <a:effectStyleLst>
         <a:effectStyle>
+          <a:effectLst/>
+        </a:effectStyle>
+        <a:effectStyle>
+          <a:effectLst/>
+        </a:effectStyle>
+        <a:effectStyle>
           <a:effectLst>
-            <a:outerShdw blurRad="40000" dist="20000" dir="5400000" rotWithShape="0">
+            <a:outerShdw blurRad="57150" dist="19050" dir="5400000" algn="ctr" rotWithShape="0">
               <a:srgbClr val="000000">
-                <a:alpha val="38000"/>
+                <a:alpha val="63000"/>
               </a:srgbClr>
             </a:outerShdw>
           </a:effectLst>
-        </a:effectStyle>
-        <a:effectStyle>
-          <a:effectLst>
-            <a:outerShdw blurRad="40000" dist="23000" dir="5400000" rotWithShape="0">
-              <a:srgbClr val="000000">
-                <a:alpha val="35000"/>
-              </a:srgbClr>
-            </a:outerShdw>
-          </a:effectLst>
-        </a:effectStyle>
-        <a:effectStyle>
-          <a:effectLst>
-            <a:outerShdw blurRad="40000" dist="23000" dir="5400000" rotWithShape="0">
-              <a:srgbClr val="000000">
-                <a:alpha val="35000"/>
-              </a:srgbClr>
-            </a:outerShdw>
-          </a:effectLst>
-          <a:scene3d>
-            <a:camera prst="orthographicFront">
-              <a:rot lat="0" lon="0" rev="0"/>
-            </a:camera>
-            <a:lightRig rig="threePt" dir="t">
-              <a:rot lat="0" lon="0" rev="1200000"/>
-            </a:lightRig>
-          </a:scene3d>
-          <a:sp3d>
-            <a:bevelT w="63500" h="25400"/>
-          </a:sp3d>
         </a:effectStyle>
       </a:effectStyleLst>
       <a:bgFillStyleLst>
         <a:solidFill>
           <a:schemeClr val="phClr"/>
         </a:solidFill>
+        <a:solidFill>
+          <a:schemeClr val="phClr">
+            <a:tint val="95000"/>
+            <a:satMod val="170000"/>
+          </a:schemeClr>
+        </a:solidFill>
         <a:gradFill rotWithShape="1">
           <a:gsLst>
             <a:gs pos="0">
               <a:schemeClr val="phClr">
-                <a:tint val="40000"/>
-                <a:satMod val="350000"/>
+                <a:tint val="93000"/>
+                <a:satMod val="150000"/>
+                <a:shade val="98000"/>
+                <a:lumMod val="102000"/>
               </a:schemeClr>
             </a:gs>
-            <a:gs pos="40000">
+            <a:gs pos="50000">
               <a:schemeClr val="phClr">
-                <a:tint val="45000"/>
-                <a:shade val="99000"/>
-                <a:satMod val="350000"/>
+                <a:tint val="98000"/>
+                <a:satMod val="130000"/>
+                <a:shade val="90000"/>
+                <a:lumMod val="103000"/>
               </a:schemeClr>
             </a:gs>
             <a:gs pos="100000">
               <a:schemeClr val="phClr">
-                <a:shade val="20000"/>
-                <a:satMod val="255000"/>
+                <a:shade val="63000"/>
+                <a:satMod val="120000"/>
               </a:schemeClr>
             </a:gs>
           </a:gsLst>
-          <a:path path="circle">
-            <a:fillToRect l="50000" t="-80000" r="50000" b="180000"/>
-          </a:path>
-        </a:gradFill>
-        <a:gradFill rotWithShape="1">
-          <a:gsLst>
-            <a:gs pos="0">
-              <a:schemeClr val="phClr">
-                <a:tint val="80000"/>
-                <a:satMod val="300000"/>
-              </a:schemeClr>
-            </a:gs>
-            <a:gs pos="100000">
-              <a:schemeClr val="phClr">
-                <a:shade val="30000"/>
-                <a:satMod val="200000"/>
-              </a:schemeClr>
-            </a:gs>
-          </a:gsLst>
-          <a:path path="circle">
-            <a:fillToRect l="50000" t="50000" r="50000" b="50000"/>
-          </a:path>
+          <a:lin ang="5400000" scaled="0"/>
         </a:gradFill>
       </a:bgFillStyleLst>
     </a:fmtScheme>
   </a:themeElements>
-  <a:objectDefaults>
-    <a:spDef>
-      <a:spPr/>
-      <a:bodyPr/>
-      <a:lstStyle/>
-      <a:style>
-        <a:lnRef idx="1">
-          <a:schemeClr val="accent1"/>
-        </a:lnRef>
-        <a:fillRef idx="3">
-          <a:schemeClr val="accent1"/>
-        </a:fillRef>
-        <a:effectRef idx="2">
-          <a:schemeClr val="accent1"/>
-        </a:effectRef>
-        <a:fontRef idx="minor">
-          <a:schemeClr val="lt1"/>
-        </a:fontRef>
-      </a:style>
-    </a:spDef>
-    <a:lnDef>
-      <a:spPr/>
-      <a:bodyPr/>
-      <a:lstStyle/>
-      <a:style>
-        <a:lnRef idx="2">
-          <a:schemeClr val="accent1"/>
-        </a:lnRef>
-        <a:fillRef idx="0">
-          <a:schemeClr val="accent1"/>
-        </a:fillRef>
-        <a:effectRef idx="1">
-          <a:schemeClr val="accent1"/>
-        </a:effectRef>
-        <a:fontRef idx="minor">
-          <a:schemeClr val="tx1"/>
-        </a:fontRef>
-      </a:style>
-    </a:lnDef>
-  </a:objectDefaults>
+  <a:objectDefaults/>
   <a:extraClrSchemeLst/>
+  <a:extLst>
+    <a:ext uri="{05A4C25C-085E-4340-85A3-A5531E510DB2}">
+      <thm15:themeFamily xmlns:thm15="http://schemas.microsoft.com/office/thememl/2012/main" name="Office Theme" id="{62F939B6-93AF-4DB8-9C6B-D6C7DFDC589F}" vid="{4A3C46E8-61CC-4603-A589-7422A47A8E4A}"/>
+    </a:ext>
+  </a:extLst>
 </a:theme>
 </file>
 
@@ -7631,4 +10780,324 @@
   </a:objectDefaults>
   <a:extraClrSchemeLst/>
 </a:theme>
+</file>
+
+<file path=ppt/theme/theme4.xml><?xml version="1.0" encoding="utf-8"?>
+<a:theme xmlns:a="http://schemas.openxmlformats.org/drawingml/2006/main" name="Office Theme">
+  <a:themeElements>
+    <a:clrScheme name="Office">
+      <a:dk1>
+        <a:sysClr val="windowText" lastClr="000000"/>
+      </a:dk1>
+      <a:lt1>
+        <a:sysClr val="window" lastClr="FFFFFF"/>
+      </a:lt1>
+      <a:dk2>
+        <a:srgbClr val="1F497D"/>
+      </a:dk2>
+      <a:lt2>
+        <a:srgbClr val="EEECE1"/>
+      </a:lt2>
+      <a:accent1>
+        <a:srgbClr val="4F81BD"/>
+      </a:accent1>
+      <a:accent2>
+        <a:srgbClr val="C0504D"/>
+      </a:accent2>
+      <a:accent3>
+        <a:srgbClr val="9BBB59"/>
+      </a:accent3>
+      <a:accent4>
+        <a:srgbClr val="8064A2"/>
+      </a:accent4>
+      <a:accent5>
+        <a:srgbClr val="4BACC6"/>
+      </a:accent5>
+      <a:accent6>
+        <a:srgbClr val="F79646"/>
+      </a:accent6>
+      <a:hlink>
+        <a:srgbClr val="0000FF"/>
+      </a:hlink>
+      <a:folHlink>
+        <a:srgbClr val="800080"/>
+      </a:folHlink>
+    </a:clrScheme>
+    <a:fontScheme name="Office">
+      <a:majorFont>
+        <a:latin typeface="Calibri"/>
+        <a:ea typeface=""/>
+        <a:cs typeface=""/>
+        <a:font script="Jpan" typeface="ＭＳ Ｐゴシック"/>
+        <a:font script="Hang" typeface="맑은 고딕"/>
+        <a:font script="Hans" typeface="宋体"/>
+        <a:font script="Hant" typeface="新細明體"/>
+        <a:font script="Arab" typeface="Times New Roman"/>
+        <a:font script="Hebr" typeface="Times New Roman"/>
+        <a:font script="Thai" typeface="Angsana New"/>
+        <a:font script="Ethi" typeface="Nyala"/>
+        <a:font script="Beng" typeface="Vrinda"/>
+        <a:font script="Gujr" typeface="Shruti"/>
+        <a:font script="Khmr" typeface="MoolBoran"/>
+        <a:font script="Knda" typeface="Tunga"/>
+        <a:font script="Guru" typeface="Raavi"/>
+        <a:font script="Cans" typeface="Euphemia"/>
+        <a:font script="Cher" typeface="Plantagenet Cherokee"/>
+        <a:font script="Yiii" typeface="Microsoft Yi Baiti"/>
+        <a:font script="Tibt" typeface="Microsoft Himalaya"/>
+        <a:font script="Thaa" typeface="MV Boli"/>
+        <a:font script="Deva" typeface="Mangal"/>
+        <a:font script="Telu" typeface="Gautami"/>
+        <a:font script="Taml" typeface="Latha"/>
+        <a:font script="Syrc" typeface="Estrangelo Edessa"/>
+        <a:font script="Orya" typeface="Kalinga"/>
+        <a:font script="Mlym" typeface="Kartika"/>
+        <a:font script="Laoo" typeface="DokChampa"/>
+        <a:font script="Sinh" typeface="Iskoola Pota"/>
+        <a:font script="Mong" typeface="Mongolian Baiti"/>
+        <a:font script="Viet" typeface="Times New Roman"/>
+        <a:font script="Uigh" typeface="Microsoft Uighur"/>
+        <a:font script="Geor" typeface="Sylfaen"/>
+      </a:majorFont>
+      <a:minorFont>
+        <a:latin typeface="Calibri"/>
+        <a:ea typeface=""/>
+        <a:cs typeface=""/>
+        <a:font script="Jpan" typeface="ＭＳ Ｐゴシック"/>
+        <a:font script="Hang" typeface="맑은 고딕"/>
+        <a:font script="Hans" typeface="宋体"/>
+        <a:font script="Hant" typeface="新細明體"/>
+        <a:font script="Arab" typeface="Arial"/>
+        <a:font script="Hebr" typeface="Arial"/>
+        <a:font script="Thai" typeface="Cordia New"/>
+        <a:font script="Ethi" typeface="Nyala"/>
+        <a:font script="Beng" typeface="Vrinda"/>
+        <a:font script="Gujr" typeface="Shruti"/>
+        <a:font script="Khmr" typeface="DaunPenh"/>
+        <a:font script="Knda" typeface="Tunga"/>
+        <a:font script="Guru" typeface="Raavi"/>
+        <a:font script="Cans" typeface="Euphemia"/>
+        <a:font script="Cher" typeface="Plantagenet Cherokee"/>
+        <a:font script="Yiii" typeface="Microsoft Yi Baiti"/>
+        <a:font script="Tibt" typeface="Microsoft Himalaya"/>
+        <a:font script="Thaa" typeface="MV Boli"/>
+        <a:font script="Deva" typeface="Mangal"/>
+        <a:font script="Telu" typeface="Gautami"/>
+        <a:font script="Taml" typeface="Latha"/>
+        <a:font script="Syrc" typeface="Estrangelo Edessa"/>
+        <a:font script="Orya" typeface="Kalinga"/>
+        <a:font script="Mlym" typeface="Kartika"/>
+        <a:font script="Laoo" typeface="DokChampa"/>
+        <a:font script="Sinh" typeface="Iskoola Pota"/>
+        <a:font script="Mong" typeface="Mongolian Baiti"/>
+        <a:font script="Viet" typeface="Arial"/>
+        <a:font script="Uigh" typeface="Microsoft Uighur"/>
+        <a:font script="Geor" typeface="Sylfaen"/>
+      </a:minorFont>
+    </a:fontScheme>
+    <a:fmtScheme name="Office">
+      <a:fillStyleLst>
+        <a:solidFill>
+          <a:schemeClr val="phClr"/>
+        </a:solidFill>
+        <a:gradFill rotWithShape="1">
+          <a:gsLst>
+            <a:gs pos="0">
+              <a:schemeClr val="phClr">
+                <a:tint val="50000"/>
+                <a:satMod val="300000"/>
+              </a:schemeClr>
+            </a:gs>
+            <a:gs pos="35000">
+              <a:schemeClr val="phClr">
+                <a:tint val="37000"/>
+                <a:satMod val="300000"/>
+              </a:schemeClr>
+            </a:gs>
+            <a:gs pos="100000">
+              <a:schemeClr val="phClr">
+                <a:tint val="15000"/>
+                <a:satMod val="350000"/>
+              </a:schemeClr>
+            </a:gs>
+          </a:gsLst>
+          <a:lin ang="16200000" scaled="1"/>
+        </a:gradFill>
+        <a:gradFill rotWithShape="1">
+          <a:gsLst>
+            <a:gs pos="0">
+              <a:schemeClr val="phClr">
+                <a:tint val="100000"/>
+                <a:shade val="100000"/>
+                <a:satMod val="130000"/>
+              </a:schemeClr>
+            </a:gs>
+            <a:gs pos="100000">
+              <a:schemeClr val="phClr">
+                <a:tint val="50000"/>
+                <a:shade val="100000"/>
+                <a:satMod val="350000"/>
+              </a:schemeClr>
+            </a:gs>
+          </a:gsLst>
+          <a:lin ang="16200000" scaled="0"/>
+        </a:gradFill>
+      </a:fillStyleLst>
+      <a:lnStyleLst>
+        <a:ln w="9525" cap="flat" cmpd="sng" algn="ctr">
+          <a:solidFill>
+            <a:schemeClr val="phClr">
+              <a:shade val="95000"/>
+              <a:satMod val="105000"/>
+            </a:schemeClr>
+          </a:solidFill>
+          <a:prstDash val="solid"/>
+        </a:ln>
+        <a:ln w="25400" cap="flat" cmpd="sng" algn="ctr">
+          <a:solidFill>
+            <a:schemeClr val="phClr"/>
+          </a:solidFill>
+          <a:prstDash val="solid"/>
+        </a:ln>
+        <a:ln w="38100" cap="flat" cmpd="sng" algn="ctr">
+          <a:solidFill>
+            <a:schemeClr val="phClr"/>
+          </a:solidFill>
+          <a:prstDash val="solid"/>
+        </a:ln>
+      </a:lnStyleLst>
+      <a:effectStyleLst>
+        <a:effectStyle>
+          <a:effectLst>
+            <a:outerShdw blurRad="40000" dist="20000" dir="5400000" rotWithShape="0">
+              <a:srgbClr val="000000">
+                <a:alpha val="38000"/>
+              </a:srgbClr>
+            </a:outerShdw>
+          </a:effectLst>
+        </a:effectStyle>
+        <a:effectStyle>
+          <a:effectLst>
+            <a:outerShdw blurRad="40000" dist="23000" dir="5400000" rotWithShape="0">
+              <a:srgbClr val="000000">
+                <a:alpha val="35000"/>
+              </a:srgbClr>
+            </a:outerShdw>
+          </a:effectLst>
+        </a:effectStyle>
+        <a:effectStyle>
+          <a:effectLst>
+            <a:outerShdw blurRad="40000" dist="23000" dir="5400000" rotWithShape="0">
+              <a:srgbClr val="000000">
+                <a:alpha val="35000"/>
+              </a:srgbClr>
+            </a:outerShdw>
+          </a:effectLst>
+          <a:scene3d>
+            <a:camera prst="orthographicFront">
+              <a:rot lat="0" lon="0" rev="0"/>
+            </a:camera>
+            <a:lightRig rig="threePt" dir="t">
+              <a:rot lat="0" lon="0" rev="1200000"/>
+            </a:lightRig>
+          </a:scene3d>
+          <a:sp3d>
+            <a:bevelT w="63500" h="25400"/>
+          </a:sp3d>
+        </a:effectStyle>
+      </a:effectStyleLst>
+      <a:bgFillStyleLst>
+        <a:solidFill>
+          <a:schemeClr val="phClr"/>
+        </a:solidFill>
+        <a:gradFill rotWithShape="1">
+          <a:gsLst>
+            <a:gs pos="0">
+              <a:schemeClr val="phClr">
+                <a:tint val="40000"/>
+                <a:satMod val="350000"/>
+              </a:schemeClr>
+            </a:gs>
+            <a:gs pos="40000">
+              <a:schemeClr val="phClr">
+                <a:tint val="45000"/>
+                <a:shade val="99000"/>
+                <a:satMod val="350000"/>
+              </a:schemeClr>
+            </a:gs>
+            <a:gs pos="100000">
+              <a:schemeClr val="phClr">
+                <a:shade val="20000"/>
+                <a:satMod val="255000"/>
+              </a:schemeClr>
+            </a:gs>
+          </a:gsLst>
+          <a:path path="circle">
+            <a:fillToRect l="50000" t="-80000" r="50000" b="180000"/>
+          </a:path>
+        </a:gradFill>
+        <a:gradFill rotWithShape="1">
+          <a:gsLst>
+            <a:gs pos="0">
+              <a:schemeClr val="phClr">
+                <a:tint val="80000"/>
+                <a:satMod val="300000"/>
+              </a:schemeClr>
+            </a:gs>
+            <a:gs pos="100000">
+              <a:schemeClr val="phClr">
+                <a:shade val="30000"/>
+                <a:satMod val="200000"/>
+              </a:schemeClr>
+            </a:gs>
+          </a:gsLst>
+          <a:path path="circle">
+            <a:fillToRect l="50000" t="50000" r="50000" b="50000"/>
+          </a:path>
+        </a:gradFill>
+      </a:bgFillStyleLst>
+    </a:fmtScheme>
+  </a:themeElements>
+  <a:objectDefaults>
+    <a:spDef>
+      <a:spPr/>
+      <a:bodyPr/>
+      <a:lstStyle/>
+      <a:style>
+        <a:lnRef idx="1">
+          <a:schemeClr val="accent1"/>
+        </a:lnRef>
+        <a:fillRef idx="3">
+          <a:schemeClr val="accent1"/>
+        </a:fillRef>
+        <a:effectRef idx="2">
+          <a:schemeClr val="accent1"/>
+        </a:effectRef>
+        <a:fontRef idx="minor">
+          <a:schemeClr val="lt1"/>
+        </a:fontRef>
+      </a:style>
+    </a:spDef>
+    <a:lnDef>
+      <a:spPr/>
+      <a:bodyPr/>
+      <a:lstStyle/>
+      <a:style>
+        <a:lnRef idx="2">
+          <a:schemeClr val="accent1"/>
+        </a:lnRef>
+        <a:fillRef idx="0">
+          <a:schemeClr val="accent1"/>
+        </a:fillRef>
+        <a:effectRef idx="1">
+          <a:schemeClr val="accent1"/>
+        </a:effectRef>
+        <a:fontRef idx="minor">
+          <a:schemeClr val="tx1"/>
+        </a:fontRef>
+      </a:style>
+    </a:lnDef>
+  </a:objectDefaults>
+  <a:extraClrSchemeLst/>
+</a:theme>
 </file>
--- a/translations/en-us/beginner/Loops.pptx
+++ b/translations/en-us/beginner/Loops.pptx
@@ -218,7 +218,7 @@
           <a:p>
             <a:fld id="{F8D9B3D7-15CB-9343-AA49-EFB5A8F33F18}" type="datetimeFigureOut">
               <a:rPr lang="en-US" smtClean="0"/>
-              <a:t>7/4/16</a:t>
+              <a:t>7/19/16</a:t>
             </a:fld>
             <a:endParaRPr lang="en-US"/>
           </a:p>
@@ -384,7 +384,7 @@
           <a:p>
             <a:fld id="{FD3EFF1E-85A1-6640-AFB9-C38833E80A84}" type="datetimeFigureOut">
               <a:rPr lang="en-US" smtClean="0"/>
-              <a:t>7/4/16</a:t>
+              <a:t>7/19/16</a:t>
             </a:fld>
             <a:endParaRPr lang="en-US"/>
           </a:p>
@@ -889,7 +889,7 @@
           <a:p>
             <a:fld id="{B41DCFFF-3180-B14B-B5E5-26BA2D43A538}" type="datetime1">
               <a:rPr lang="en-US" smtClean="0"/>
-              <a:t>7/4/16</a:t>
+              <a:t>7/19/16</a:t>
             </a:fld>
             <a:endParaRPr lang="en-US"/>
           </a:p>
@@ -1108,7 +1108,7 @@
           <a:noFill/>
           <a:extLst>
             <a:ext uri="{909E8E84-426E-40dd-AFC4-6F175D3DCCD1}">
-              <a14:hiddenFill xmlns:a14="http://schemas.microsoft.com/office/drawing/2010/main" xmlns="">
+              <a14:hiddenFill xmlns="" xmlns:a14="http://schemas.microsoft.com/office/drawing/2010/main">
                 <a:solidFill>
                   <a:srgbClr val="FFFFFF"/>
                 </a:solidFill>
@@ -1451,7 +1451,7 @@
           <a:p>
             <a:fld id="{CB9D08AF-0752-9648-9B26-1313BE9BBFC4}" type="datetime1">
               <a:rPr lang="en-US" smtClean="0"/>
-              <a:t>7/4/16</a:t>
+              <a:t>7/19/16</a:t>
             </a:fld>
             <a:endParaRPr lang="en-US"/>
           </a:p>
@@ -1643,7 +1643,7 @@
           <a:p>
             <a:fld id="{84A0EC50-32B4-714D-A95A-A20F643D9595}" type="datetime1">
               <a:rPr lang="en-US" smtClean="0"/>
-              <a:t>7/4/16</a:t>
+              <a:t>7/19/16</a:t>
             </a:fld>
             <a:endParaRPr lang="en-US"/>
           </a:p>
@@ -1847,7 +1847,7 @@
           <a:p>
             <a:fld id="{5621E052-628E-F14A-A84F-D6C3117A028F}" type="datetime1">
               <a:rPr lang="en-US" smtClean="0"/>
-              <a:t>7/4/16</a:t>
+              <a:t>7/19/16</a:t>
             </a:fld>
             <a:endParaRPr lang="en-US"/>
           </a:p>
@@ -2021,7 +2021,7 @@
           <a:p>
             <a:fld id="{4CBD7A79-8C4D-6841-A406-FE765EC9A82B}" type="datetime1">
               <a:rPr lang="en-US" smtClean="0"/>
-              <a:t>7/4/16</a:t>
+              <a:t>7/19/16</a:t>
             </a:fld>
             <a:endParaRPr lang="en-US"/>
           </a:p>
@@ -2271,7 +2271,7 @@
           <a:p>
             <a:fld id="{D6FEC789-49FB-7442-B3B8-9CC0C5250B6C}" type="datetime1">
               <a:rPr lang="en-US" smtClean="0"/>
-              <a:t>7/4/16</a:t>
+              <a:t>7/19/16</a:t>
             </a:fld>
             <a:endParaRPr lang="en-US"/>
           </a:p>
@@ -2507,7 +2507,7 @@
           <a:p>
             <a:fld id="{DFDC536A-AD42-0D41-807A-C785035DECE9}" type="datetime1">
               <a:rPr lang="en-US" smtClean="0"/>
-              <a:t>7/4/16</a:t>
+              <a:t>7/19/16</a:t>
             </a:fld>
             <a:endParaRPr lang="en-US"/>
           </a:p>
@@ -2878,7 +2878,7 @@
           <a:p>
             <a:fld id="{23A22DC0-0E3E-4E4F-9D65-0A062092EE9F}" type="datetime1">
               <a:rPr lang="en-US" smtClean="0"/>
-              <a:t>7/4/16</a:t>
+              <a:t>7/19/16</a:t>
             </a:fld>
             <a:endParaRPr lang="en-US"/>
           </a:p>
@@ -3000,7 +3000,7 @@
           <a:p>
             <a:fld id="{123734A8-898F-D042-81C5-87B9B7317C9D}" type="datetime1">
               <a:rPr lang="en-US" smtClean="0"/>
-              <a:t>7/4/16</a:t>
+              <a:t>7/19/16</a:t>
             </a:fld>
             <a:endParaRPr lang="en-US"/>
           </a:p>
@@ -3099,7 +3099,7 @@
           <a:p>
             <a:fld id="{684AB457-B71C-5143-826A-B48C11D31984}" type="datetime1">
               <a:rPr lang="en-US" smtClean="0"/>
-              <a:t>7/4/16</a:t>
+              <a:t>7/19/16</a:t>
             </a:fld>
             <a:endParaRPr lang="en-US"/>
           </a:p>
@@ -3380,7 +3380,7 @@
           <a:p>
             <a:fld id="{45FD3294-A232-044D-BA94-ACD8E6488E61}" type="datetime1">
               <a:rPr lang="en-US" smtClean="0"/>
-              <a:t>7/4/16</a:t>
+              <a:t>7/19/16</a:t>
             </a:fld>
             <a:endParaRPr lang="en-US"/>
           </a:p>
@@ -3564,7 +3564,7 @@
           <a:p>
             <a:fld id="{305B0AC6-3446-034C-AC71-AAAF263EC69F}" type="datetime1">
               <a:rPr lang="en-US" smtClean="0"/>
-              <a:t>7/4/16</a:t>
+              <a:t>7/19/16</a:t>
             </a:fld>
             <a:endParaRPr lang="en-US"/>
           </a:p>
@@ -3840,7 +3840,7 @@
           <a:p>
             <a:fld id="{7C7B0225-8752-564D-91D0-3CAA192F1D5D}" type="datetime1">
               <a:rPr lang="en-US" smtClean="0"/>
-              <a:t>7/4/16</a:t>
+              <a:t>7/19/16</a:t>
             </a:fld>
             <a:endParaRPr lang="en-US"/>
           </a:p>
@@ -4014,7 +4014,7 @@
           <a:p>
             <a:fld id="{0FE9D2F1-1454-DC49-880E-D3AD9E72360F}" type="datetime1">
               <a:rPr lang="en-US" smtClean="0"/>
-              <a:t>7/4/16</a:t>
+              <a:t>7/19/16</a:t>
             </a:fld>
             <a:endParaRPr lang="en-US"/>
           </a:p>
@@ -4198,7 +4198,7 @@
           <a:p>
             <a:fld id="{FF628EDF-D75E-9648-A22C-C5829CD52CFB}" type="datetime1">
               <a:rPr lang="en-US" smtClean="0"/>
-              <a:t>7/4/16</a:t>
+              <a:t>7/19/16</a:t>
             </a:fld>
             <a:endParaRPr lang="en-US"/>
           </a:p>
@@ -4456,7 +4456,7 @@
           <a:p>
             <a:fld id="{053A68E7-86AE-B94C-8CDD-D880EDD55491}" type="datetime1">
               <a:rPr lang="en-US" smtClean="0"/>
-              <a:t>7/4/16</a:t>
+              <a:t>7/19/16</a:t>
             </a:fld>
             <a:endParaRPr lang="en-US"/>
           </a:p>
@@ -4761,7 +4761,7 @@
           <a:p>
             <a:fld id="{3FAFFF49-143A-4645-A51E-CB911277389F}" type="datetime1">
               <a:rPr lang="en-US" smtClean="0"/>
-              <a:t>7/4/16</a:t>
+              <a:t>7/19/16</a:t>
             </a:fld>
             <a:endParaRPr lang="en-US"/>
           </a:p>
@@ -5224,7 +5224,7 @@
           <a:p>
             <a:fld id="{B4979853-F90F-3E4C-81E3-44430E02C514}" type="datetime1">
               <a:rPr lang="en-US" smtClean="0"/>
-              <a:t>7/4/16</a:t>
+              <a:t>7/19/16</a:t>
             </a:fld>
             <a:endParaRPr lang="en-US"/>
           </a:p>
@@ -5361,7 +5361,7 @@
           <a:p>
             <a:fld id="{035AFEF4-1CB3-0B42-9488-1737F8947CCB}" type="datetime1">
               <a:rPr lang="en-US" smtClean="0"/>
-              <a:t>7/4/16</a:t>
+              <a:t>7/19/16</a:t>
             </a:fld>
             <a:endParaRPr lang="en-US"/>
           </a:p>
@@ -5475,7 +5475,7 @@
           <a:p>
             <a:fld id="{EA379F84-3529-9E43-9CE0-27FCAF146DEC}" type="datetime1">
               <a:rPr lang="en-US" smtClean="0"/>
-              <a:t>7/4/16</a:t>
+              <a:t>7/19/16</a:t>
             </a:fld>
             <a:endParaRPr lang="en-US"/>
           </a:p>
@@ -5734,7 +5734,7 @@
           <a:p>
             <a:fld id="{7941E5C0-7A1C-CF46-813E-5688B577D40F}" type="datetime1">
               <a:rPr lang="en-US" smtClean="0"/>
-              <a:t>7/4/16</a:t>
+              <a:t>7/19/16</a:t>
             </a:fld>
             <a:endParaRPr lang="en-US"/>
           </a:p>
@@ -6045,7 +6045,7 @@
           <a:p>
             <a:fld id="{BFA4DF06-EB1C-AA45-8F61-B383035F8826}" type="datetime1">
               <a:rPr lang="en-US" smtClean="0"/>
-              <a:t>7/4/16</a:t>
+              <a:t>7/19/16</a:t>
             </a:fld>
             <a:endParaRPr lang="en-US"/>
           </a:p>
@@ -6356,7 +6356,7 @@
           <a:p>
             <a:fld id="{CC4ABEF4-6A55-BC42-99E2-09DD0B13F66C}" type="datetime1">
               <a:rPr lang="en-US" smtClean="0"/>
-              <a:t>7/4/16</a:t>
+              <a:t>7/19/16</a:t>
             </a:fld>
             <a:endParaRPr lang="en-US"/>
           </a:p>
@@ -7142,7 +7142,7 @@
           <a:p>
             <a:fld id="{A94CCF2C-3F06-1B4E-AF8F-CB63FD771C74}" type="datetime1">
               <a:rPr lang="en-US" smtClean="0"/>
-              <a:t>7/4/16</a:t>
+              <a:t>7/19/16</a:t>
             </a:fld>
             <a:endParaRPr lang="en-US"/>
           </a:p>
@@ -7599,6 +7599,35 @@
           </a:p>
         </p:txBody>
       </p:sp>
+      <p:pic>
+        <p:nvPicPr>
+          <p:cNvPr id="4" name="Picture 3"/>
+          <p:cNvPicPr>
+            <a:picLocks noChangeAspect="1"/>
+          </p:cNvPicPr>
+          <p:nvPr/>
+        </p:nvPicPr>
+        <p:blipFill rotWithShape="1">
+          <a:blip r:embed="rId3">
+            <a:extLst>
+              <a:ext uri="{28A0092B-C50C-407E-A947-70E740481C1C}">
+                <a14:useLocalDpi xmlns:a14="http://schemas.microsoft.com/office/drawing/2010/main" val="0"/>
+              </a:ext>
+            </a:extLst>
+          </a:blip>
+          <a:srcRect l="4523" t="17619" r="3095" b="25000"/>
+          <a:stretch/>
+        </p:blipFill>
+        <p:spPr>
+          <a:xfrm>
+            <a:off x="3711108" y="4592409"/>
+            <a:ext cx="1700816" cy="1056435"/>
+          </a:xfrm>
+          <a:prstGeom prst="rect">
+            <a:avLst/>
+          </a:prstGeom>
+        </p:spPr>
+      </p:pic>
     </p:spTree>
     <p:extLst>
       <p:ext uri="{BB962C8B-B14F-4D97-AF65-F5344CB8AC3E}">
@@ -7800,8 +7829,8 @@
         </p:nvSpPr>
         <p:spPr>
           <a:xfrm>
-            <a:off x="316079" y="981357"/>
-            <a:ext cx="6539432" cy="4563595"/>
+            <a:off x="250597" y="879145"/>
+            <a:ext cx="6539432" cy="5395100"/>
           </a:xfrm>
         </p:spPr>
         <p:txBody>
@@ -7812,31 +7841,26 @@
           <a:p>
             <a:r>
               <a:rPr lang="en-US" sz="2800" dirty="0" smtClean="0"/>
-              <a:t>How can we move around a box using the commands we already know?</a:t>
-            </a:r>
-          </a:p>
-          <a:p>
-            <a:pPr lvl="1"/>
-            <a:r>
-              <a:rPr lang="en-US" b="1" dirty="0" smtClean="0">
-                <a:solidFill>
-                  <a:srgbClr val="FF0000"/>
-                </a:solidFill>
-              </a:rPr>
-              <a:t>(move + turn) + (move + turn) + (move + turn) …</a:t>
-            </a:r>
+              <a:t>How can we play two different tasks multiple times (even forever)</a:t>
+            </a:r>
+          </a:p>
+          <a:p>
+            <a:endParaRPr lang="en-US" sz="2800" dirty="0"/>
+          </a:p>
+          <a:p>
+            <a:r>
+              <a:rPr lang="en-US" sz="2800" dirty="0" smtClean="0"/>
+              <a:t>You could do this and copy the two blocks several times:</a:t>
+            </a:r>
+          </a:p>
+          <a:p>
+            <a:endParaRPr lang="en-US" sz="2800" dirty="0"/>
           </a:p>
           <a:p>
             <a:endParaRPr lang="en-US" dirty="0" smtClean="0"/>
           </a:p>
           <a:p>
             <a:endParaRPr lang="en-US" dirty="0" smtClean="0"/>
-          </a:p>
-          <a:p>
-            <a:r>
-              <a:rPr lang="en-US" dirty="0" smtClean="0"/>
-              <a:t>Loops make repeating a task multiple times easy</a:t>
-            </a:r>
           </a:p>
           <a:p>
             <a:pPr lvl="1"/>
@@ -7926,38 +7950,14 @@
         </p:blipFill>
         <p:spPr>
           <a:xfrm>
-            <a:off x="5739649" y="5024833"/>
-            <a:ext cx="2224239" cy="1480130"/>
+            <a:off x="6500657" y="5949856"/>
+            <a:ext cx="1546040" cy="926818"/>
           </a:xfrm>
           <a:prstGeom prst="rect">
             <a:avLst/>
           </a:prstGeom>
         </p:spPr>
       </p:pic>
-      <p:pic>
-        <p:nvPicPr>
-          <p:cNvPr id="7" name="Picture 6"/>
-          <p:cNvPicPr>
-            <a:picLocks noChangeAspect="1"/>
-          </p:cNvPicPr>
-          <p:nvPr/>
-        </p:nvPicPr>
-        <p:blipFill>
-          <a:blip r:embed="rId4"/>
-          <a:stretch>
-            <a:fillRect/>
-          </a:stretch>
-        </p:blipFill>
-        <p:spPr>
-          <a:xfrm>
-            <a:off x="149256" y="3227703"/>
-            <a:ext cx="8890000" cy="914400"/>
-          </a:xfrm>
-          <a:prstGeom prst="rect">
-            <a:avLst/>
-          </a:prstGeom>
-        </p:spPr>
-      </p:pic>
       <p:sp>
         <p:nvSpPr>
           <p:cNvPr id="4" name="TextBox 3"/>
@@ -7967,7 +7967,7 @@
         <p:spPr>
           <a:xfrm>
             <a:off x="316078" y="4732176"/>
-            <a:ext cx="5059349" cy="646331"/>
+            <a:ext cx="8272751" cy="1323439"/>
           </a:xfrm>
           <a:prstGeom prst="rect">
             <a:avLst/>
@@ -7981,14 +7981,27 @@
           <a:lstStyle/>
           <a:p>
             <a:r>
-              <a:rPr lang="en-US" sz="3600" dirty="0" smtClean="0">
+              <a:rPr lang="en-US" sz="2400" dirty="0" smtClean="0"/>
+              <a:t>But this will not work for running the two blocks forever</a:t>
+            </a:r>
+          </a:p>
+          <a:p>
+            <a:endParaRPr lang="en-US" sz="2400" dirty="0">
+              <a:solidFill>
+                <a:srgbClr val="FF0000"/>
+              </a:solidFill>
+            </a:endParaRPr>
+          </a:p>
+          <a:p>
+            <a:r>
+              <a:rPr lang="en-US" sz="3200" dirty="0" smtClean="0">
                 <a:solidFill>
                   <a:srgbClr val="FF0000"/>
                 </a:solidFill>
               </a:rPr>
-              <a:t>Is there an easier way?</a:t>
-            </a:r>
-            <a:endParaRPr lang="en-US" sz="3600" dirty="0">
+              <a:t>Is there a way to accomplish our goal?</a:t>
+            </a:r>
+            <a:endParaRPr lang="en-US" sz="3200" dirty="0">
               <a:solidFill>
                 <a:srgbClr val="FF0000"/>
               </a:solidFill>
@@ -8004,7 +8017,7 @@
         </p:nvSpPr>
         <p:spPr>
           <a:xfrm>
-            <a:off x="5080356" y="5676343"/>
+            <a:off x="5988107" y="6315442"/>
             <a:ext cx="659293" cy="369332"/>
           </a:xfrm>
           <a:prstGeom prst="rect">
@@ -8397,6 +8410,36 @@
           </p:txBody>
         </p:sp>
       </p:grpSp>
+      <p:pic>
+        <p:nvPicPr>
+          <p:cNvPr id="11" name="Picture 10"/>
+          <p:cNvPicPr>
+            <a:picLocks noChangeAspect="1"/>
+          </p:cNvPicPr>
+          <p:nvPr/>
+        </p:nvPicPr>
+        <p:blipFill>
+          <a:blip r:embed="rId4">
+            <a:extLst>
+              <a:ext uri="{28A0092B-C50C-407E-A947-70E740481C1C}">
+                <a14:useLocalDpi xmlns:a14="http://schemas.microsoft.com/office/drawing/2010/main" val="0"/>
+              </a:ext>
+            </a:extLst>
+          </a:blip>
+          <a:stretch>
+            <a:fillRect/>
+          </a:stretch>
+        </p:blipFill>
+        <p:spPr>
+          <a:xfrm>
+            <a:off x="179160" y="3483376"/>
+            <a:ext cx="8523514" cy="1081414"/>
+          </a:xfrm>
+          <a:prstGeom prst="rect">
+            <a:avLst/>
+          </a:prstGeom>
+        </p:spPr>
+      </p:pic>
     </p:spTree>
     <p:extLst>
       <p:ext uri="{BB962C8B-B14F-4D97-AF65-F5344CB8AC3E}">
@@ -8434,131 +8477,6 @@
           <a:chExt cx="0" cy="0"/>
         </a:xfrm>
       </p:grpSpPr>
-      <p:sp>
-        <p:nvSpPr>
-          <p:cNvPr id="2" name="Title 1"/>
-          <p:cNvSpPr>
-            <a:spLocks noGrp="1"/>
-          </p:cNvSpPr>
-          <p:nvPr>
-            <p:ph type="title"/>
-          </p:nvPr>
-        </p:nvSpPr>
-        <p:spPr/>
-        <p:txBody>
-          <a:bodyPr/>
-          <a:lstStyle/>
-          <a:p>
-            <a:r>
-              <a:rPr lang="en-US" dirty="0" smtClean="0"/>
-              <a:t>Loops</a:t>
-            </a:r>
-            <a:endParaRPr lang="en-US" dirty="0"/>
-          </a:p>
-        </p:txBody>
-      </p:sp>
-      <p:sp>
-        <p:nvSpPr>
-          <p:cNvPr id="3" name="Content Placeholder 2"/>
-          <p:cNvSpPr>
-            <a:spLocks noGrp="1"/>
-          </p:cNvSpPr>
-          <p:nvPr>
-            <p:ph idx="1"/>
-          </p:nvPr>
-        </p:nvSpPr>
-        <p:spPr>
-          <a:xfrm>
-            <a:off x="457200" y="1600199"/>
-            <a:ext cx="8121818" cy="5025381"/>
-          </a:xfrm>
-        </p:spPr>
-        <p:txBody>
-          <a:bodyPr>
-            <a:normAutofit/>
-          </a:bodyPr>
-          <a:lstStyle/>
-          <a:p>
-            <a:r>
-              <a:rPr lang="en-US" dirty="0" smtClean="0"/>
-              <a:t>Loops make repeating a task multiple times easy</a:t>
-            </a:r>
-          </a:p>
-          <a:p>
-            <a:pPr lvl="1"/>
-            <a:r>
-              <a:rPr lang="en-US" dirty="0" smtClean="0"/>
-              <a:t>KEEP GOING….Forever, for a Count, Until touch (or something else)</a:t>
-            </a:r>
-          </a:p>
-          <a:p>
-            <a:pPr lvl="1"/>
-            <a:endParaRPr lang="en-US" dirty="0" smtClean="0"/>
-          </a:p>
-          <a:p>
-            <a:pPr lvl="1"/>
-            <a:endParaRPr lang="en-US" dirty="0" smtClean="0"/>
-          </a:p>
-          <a:p>
-            <a:pPr lvl="1"/>
-            <a:endParaRPr lang="en-US" dirty="0" smtClean="0"/>
-          </a:p>
-          <a:p>
-            <a:pPr lvl="1"/>
-            <a:endParaRPr lang="en-US" dirty="0" smtClean="0"/>
-          </a:p>
-          <a:p>
-            <a:pPr lvl="1"/>
-            <a:endParaRPr lang="en-US" dirty="0"/>
-          </a:p>
-        </p:txBody>
-      </p:sp>
-      <p:sp>
-        <p:nvSpPr>
-          <p:cNvPr id="10" name="Footer Placeholder 9"/>
-          <p:cNvSpPr>
-            <a:spLocks noGrp="1"/>
-          </p:cNvSpPr>
-          <p:nvPr>
-            <p:ph type="ftr" sz="quarter" idx="11"/>
-          </p:nvPr>
-        </p:nvSpPr>
-        <p:spPr/>
-        <p:txBody>
-          <a:bodyPr/>
-          <a:lstStyle/>
-          <a:p>
-            <a:r>
-              <a:rPr lang="en-US" smtClean="0"/>
-              <a:t>© EV3Lessons.com, 2016, (Last edit: 7/04/2016)</a:t>
-            </a:r>
-            <a:endParaRPr lang="en-US"/>
-          </a:p>
-        </p:txBody>
-      </p:sp>
-      <p:sp>
-        <p:nvSpPr>
-          <p:cNvPr id="11" name="Slide Number Placeholder 10"/>
-          <p:cNvSpPr>
-            <a:spLocks noGrp="1"/>
-          </p:cNvSpPr>
-          <p:nvPr>
-            <p:ph type="sldNum" sz="quarter" idx="12"/>
-          </p:nvPr>
-        </p:nvSpPr>
-        <p:spPr/>
-        <p:txBody>
-          <a:bodyPr/>
-          <a:lstStyle/>
-          <a:p>
-            <a:fld id="{4DBC7FC8-25FB-FC45-8177-2B991DA6778C}" type="slidenum">
-              <a:rPr lang="en-US" smtClean="0"/>
-              <a:t>4</a:t>
-            </a:fld>
-            <a:endParaRPr lang="en-US"/>
-          </a:p>
-        </p:txBody>
-      </p:sp>
       <p:pic>
         <p:nvPicPr>
           <p:cNvPr id="4" name="Picture 3"/>
@@ -8568,21 +8486,164 @@
           <p:nvPr/>
         </p:nvPicPr>
         <p:blipFill>
-          <a:blip r:embed="rId2"/>
+          <a:blip r:embed="rId2">
+            <a:extLst>
+              <a:ext uri="{28A0092B-C50C-407E-A947-70E740481C1C}">
+                <a14:useLocalDpi xmlns:a14="http://schemas.microsoft.com/office/drawing/2010/main" val="0"/>
+              </a:ext>
+            </a:extLst>
+          </a:blip>
           <a:stretch>
             <a:fillRect/>
           </a:stretch>
         </p:blipFill>
         <p:spPr>
           <a:xfrm>
-            <a:off x="1573338" y="4169674"/>
-            <a:ext cx="5943600" cy="1562100"/>
+            <a:off x="6139542" y="2011091"/>
+            <a:ext cx="2212951" cy="2101798"/>
           </a:xfrm>
           <a:prstGeom prst="rect">
             <a:avLst/>
           </a:prstGeom>
         </p:spPr>
       </p:pic>
+      <p:sp>
+        <p:nvSpPr>
+          <p:cNvPr id="2" name="Title 1"/>
+          <p:cNvSpPr>
+            <a:spLocks noGrp="1"/>
+          </p:cNvSpPr>
+          <p:nvPr>
+            <p:ph type="title"/>
+          </p:nvPr>
+        </p:nvSpPr>
+        <p:spPr/>
+        <p:txBody>
+          <a:bodyPr/>
+          <a:lstStyle/>
+          <a:p>
+            <a:r>
+              <a:rPr lang="en-US" dirty="0" smtClean="0"/>
+              <a:t>Loops</a:t>
+            </a:r>
+            <a:endParaRPr lang="en-US" dirty="0"/>
+          </a:p>
+        </p:txBody>
+      </p:sp>
+      <p:sp>
+        <p:nvSpPr>
+          <p:cNvPr id="3" name="Content Placeholder 2"/>
+          <p:cNvSpPr>
+            <a:spLocks noGrp="1"/>
+          </p:cNvSpPr>
+          <p:nvPr>
+            <p:ph idx="1"/>
+          </p:nvPr>
+        </p:nvSpPr>
+        <p:spPr>
+          <a:xfrm>
+            <a:off x="457200" y="1600199"/>
+            <a:ext cx="8121818" cy="5025381"/>
+          </a:xfrm>
+        </p:spPr>
+        <p:txBody>
+          <a:bodyPr>
+            <a:normAutofit/>
+          </a:bodyPr>
+          <a:lstStyle/>
+          <a:p>
+            <a:r>
+              <a:rPr lang="en-US" dirty="0" smtClean="0"/>
+              <a:t>Loops make repeating a task multiple times easy</a:t>
+            </a:r>
+          </a:p>
+          <a:p>
+            <a:pPr lvl="1"/>
+            <a:r>
+              <a:rPr lang="en-US" dirty="0" smtClean="0"/>
+              <a:t>You can have a loop end whenever you want</a:t>
+            </a:r>
+          </a:p>
+          <a:p>
+            <a:pPr lvl="1"/>
+            <a:endParaRPr lang="en-US"/>
+          </a:p>
+          <a:p>
+            <a:pPr lvl="1"/>
+            <a:endParaRPr lang="en-US" dirty="0" smtClean="0"/>
+          </a:p>
+          <a:p>
+            <a:pPr lvl="1"/>
+            <a:endParaRPr lang="en-US" dirty="0" smtClean="0"/>
+          </a:p>
+          <a:p>
+            <a:pPr lvl="1"/>
+            <a:endParaRPr lang="en-US" dirty="0" smtClean="0"/>
+          </a:p>
+          <a:p>
+            <a:pPr lvl="1"/>
+            <a:endParaRPr lang="en-US" dirty="0" smtClean="0"/>
+          </a:p>
+          <a:p>
+            <a:pPr lvl="1"/>
+            <a:endParaRPr lang="en-US" dirty="0" smtClean="0"/>
+          </a:p>
+          <a:p>
+            <a:pPr lvl="1"/>
+            <a:endParaRPr lang="en-US" dirty="0" smtClean="0"/>
+          </a:p>
+          <a:p>
+            <a:pPr lvl="1"/>
+            <a:endParaRPr lang="en-US" dirty="0"/>
+          </a:p>
+        </p:txBody>
+      </p:sp>
+      <p:sp>
+        <p:nvSpPr>
+          <p:cNvPr id="10" name="Footer Placeholder 9"/>
+          <p:cNvSpPr>
+            <a:spLocks noGrp="1"/>
+          </p:cNvSpPr>
+          <p:nvPr>
+            <p:ph type="ftr" sz="quarter" idx="11"/>
+          </p:nvPr>
+        </p:nvSpPr>
+        <p:spPr/>
+        <p:txBody>
+          <a:bodyPr/>
+          <a:lstStyle/>
+          <a:p>
+            <a:r>
+              <a:rPr lang="en-US" smtClean="0"/>
+              <a:t>© EV3Lessons.com, 2016, (Last edit: 7/04/2016)</a:t>
+            </a:r>
+            <a:endParaRPr lang="en-US"/>
+          </a:p>
+        </p:txBody>
+      </p:sp>
+      <p:sp>
+        <p:nvSpPr>
+          <p:cNvPr id="11" name="Slide Number Placeholder 10"/>
+          <p:cNvSpPr>
+            <a:spLocks noGrp="1"/>
+          </p:cNvSpPr>
+          <p:nvPr>
+            <p:ph type="sldNum" sz="quarter" idx="12"/>
+          </p:nvPr>
+        </p:nvSpPr>
+        <p:spPr/>
+        <p:txBody>
+          <a:bodyPr/>
+          <a:lstStyle/>
+          <a:p>
+            <a:fld id="{4DBC7FC8-25FB-FC45-8177-2B991DA6778C}" type="slidenum">
+              <a:rPr lang="en-US" smtClean="0"/>
+              <a:t>4</a:t>
+            </a:fld>
+            <a:endParaRPr lang="en-US"/>
+          </a:p>
+        </p:txBody>
+      </p:sp>
       <p:pic>
         <p:nvPicPr>
           <p:cNvPr id="5" name="Picture 4" descr="images.jpg"/>
@@ -8629,72 +8690,6 @@
       </p:pic>
       <p:pic>
         <p:nvPicPr>
-          <p:cNvPr id="6" name="Picture 5"/>
-          <p:cNvPicPr>
-            <a:picLocks noChangeAspect="1"/>
-          </p:cNvPicPr>
-          <p:nvPr/>
-        </p:nvPicPr>
-        <p:blipFill>
-          <a:blip r:embed="rId5"/>
-          <a:stretch>
-            <a:fillRect/>
-          </a:stretch>
-        </p:blipFill>
-        <p:spPr>
-          <a:xfrm>
-            <a:off x="1117250" y="3142568"/>
-            <a:ext cx="5859984" cy="602742"/>
-          </a:xfrm>
-          <a:prstGeom prst="rect">
-            <a:avLst/>
-          </a:prstGeom>
-        </p:spPr>
-      </p:pic>
-      <p:sp>
-        <p:nvSpPr>
-          <p:cNvPr id="7" name="Curved Left Arrow 6"/>
-          <p:cNvSpPr/>
-          <p:nvPr/>
-        </p:nvSpPr>
-        <p:spPr>
-          <a:xfrm>
-            <a:off x="7191784" y="3326301"/>
-            <a:ext cx="671344" cy="1021335"/>
-          </a:xfrm>
-          <a:prstGeom prst="curvedLeftArrow">
-            <a:avLst/>
-          </a:prstGeom>
-        </p:spPr>
-        <p:style>
-          <a:lnRef idx="1">
-            <a:schemeClr val="accent1"/>
-          </a:lnRef>
-          <a:fillRef idx="3">
-            <a:schemeClr val="accent1"/>
-          </a:fillRef>
-          <a:effectRef idx="2">
-            <a:schemeClr val="accent1"/>
-          </a:effectRef>
-          <a:fontRef idx="minor">
-            <a:schemeClr val="lt1"/>
-          </a:fontRef>
-        </p:style>
-        <p:txBody>
-          <a:bodyPr rtlCol="0" anchor="ctr"/>
-          <a:lstStyle/>
-          <a:p>
-            <a:pPr algn="ctr"/>
-            <a:endParaRPr lang="en-US">
-              <a:solidFill>
-                <a:schemeClr val="tx1"/>
-              </a:solidFill>
-            </a:endParaRPr>
-          </a:p>
-        </p:txBody>
-      </p:sp>
-      <p:pic>
-        <p:nvPicPr>
           <p:cNvPr id="9" name="Picture 8" descr="Screen Shot 2014-08-07 at 12.27.34 PM.png"/>
           <p:cNvPicPr>
             <a:picLocks noChangeAspect="1"/>
@@ -8702,7 +8697,7 @@
           <p:nvPr/>
         </p:nvPicPr>
         <p:blipFill>
-          <a:blip r:embed="rId6">
+          <a:blip r:embed="rId5">
             <a:extLst>
               <a:ext uri="{28A0092B-C50C-407E-A947-70E740481C1C}">
                 <a14:useLocalDpi xmlns:a14="http://schemas.microsoft.com/office/drawing/2010/main" val="0"/>
@@ -8723,6 +8718,79 @@
           </a:prstGeom>
         </p:spPr>
       </p:pic>
+      <p:grpSp>
+        <p:nvGrpSpPr>
+          <p:cNvPr id="12" name="Group 11"/>
+          <p:cNvGrpSpPr/>
+          <p:nvPr/>
+        </p:nvGrpSpPr>
+        <p:grpSpPr>
+          <a:xfrm>
+            <a:off x="6760029" y="3599186"/>
+            <a:ext cx="1635609" cy="3177534"/>
+            <a:chOff x="4880429" y="372201"/>
+            <a:chExt cx="2476500" cy="5514615"/>
+          </a:xfrm>
+        </p:grpSpPr>
+        <p:pic>
+          <p:nvPicPr>
+            <p:cNvPr id="13" name="Picture 12"/>
+            <p:cNvPicPr>
+              <a:picLocks noChangeAspect="1"/>
+            </p:cNvPicPr>
+            <p:nvPr/>
+          </p:nvPicPr>
+          <p:blipFill rotWithShape="1">
+            <a:blip r:embed="rId6">
+              <a:extLst>
+                <a:ext uri="{28A0092B-C50C-407E-A947-70E740481C1C}">
+                  <a14:useLocalDpi xmlns:a14="http://schemas.microsoft.com/office/drawing/2010/main" val="0"/>
+                </a:ext>
+              </a:extLst>
+            </a:blip>
+            <a:srcRect t="77576"/>
+            <a:stretch/>
+          </p:blipFill>
+          <p:spPr>
+            <a:xfrm>
+              <a:off x="4880429" y="4497074"/>
+              <a:ext cx="2476500" cy="1389742"/>
+            </a:xfrm>
+            <a:prstGeom prst="rect">
+              <a:avLst/>
+            </a:prstGeom>
+          </p:spPr>
+        </p:pic>
+        <p:pic>
+          <p:nvPicPr>
+            <p:cNvPr id="14" name="Picture 13"/>
+            <p:cNvPicPr>
+              <a:picLocks noChangeAspect="1"/>
+            </p:cNvPicPr>
+            <p:nvPr/>
+          </p:nvPicPr>
+          <p:blipFill rotWithShape="1">
+            <a:blip r:embed="rId6">
+              <a:extLst>
+                <a:ext uri="{28A0092B-C50C-407E-A947-70E740481C1C}">
+                  <a14:useLocalDpi xmlns:a14="http://schemas.microsoft.com/office/drawing/2010/main" val="0"/>
+                </a:ext>
+              </a:extLst>
+            </a:blip>
+            <a:srcRect b="33113"/>
+            <a:stretch/>
+          </p:blipFill>
+          <p:spPr>
+            <a:xfrm>
+              <a:off x="4880429" y="372201"/>
+              <a:ext cx="2476500" cy="4145370"/>
+            </a:xfrm>
+            <a:prstGeom prst="rect">
+              <a:avLst/>
+            </a:prstGeom>
+          </p:spPr>
+        </p:pic>
+      </p:grpSp>
     </p:spTree>
     <p:extLst>
       <p:ext uri="{BB962C8B-B14F-4D97-AF65-F5344CB8AC3E}">
@@ -8760,6 +8828,36 @@
           <a:chExt cx="0" cy="0"/>
         </a:xfrm>
       </p:grpSpPr>
+      <p:pic>
+        <p:nvPicPr>
+          <p:cNvPr id="18" name="Picture 17"/>
+          <p:cNvPicPr>
+            <a:picLocks noChangeAspect="1"/>
+          </p:cNvPicPr>
+          <p:nvPr/>
+        </p:nvPicPr>
+        <p:blipFill>
+          <a:blip r:embed="rId2">
+            <a:extLst>
+              <a:ext uri="{28A0092B-C50C-407E-A947-70E740481C1C}">
+                <a14:useLocalDpi xmlns:a14="http://schemas.microsoft.com/office/drawing/2010/main" val="0"/>
+              </a:ext>
+            </a:extLst>
+          </a:blip>
+          <a:stretch>
+            <a:fillRect/>
+          </a:stretch>
+        </p:blipFill>
+        <p:spPr>
+          <a:xfrm>
+            <a:off x="162321" y="4576713"/>
+            <a:ext cx="8540353" cy="1355612"/>
+          </a:xfrm>
+          <a:prstGeom prst="rect">
+            <a:avLst/>
+          </a:prstGeom>
+        </p:spPr>
+      </p:pic>
       <p:sp>
         <p:nvSpPr>
           <p:cNvPr id="2" name="Title 1"/>
@@ -8804,7 +8902,7 @@
                   <a:srgbClr val="FF0000"/>
                 </a:solidFill>
               </a:rPr>
-              <a:t>Challenge: Write a program to go around a box until </a:t>
+              <a:t>Challenge: </a:t>
             </a:r>
             <a:r>
               <a:rPr lang="en-US" dirty="0" smtClean="0">
@@ -8812,14 +8910,70 @@
                   <a:srgbClr val="FF0000"/>
                 </a:solidFill>
               </a:rPr>
-              <a:t>touched.  You must use a LOOP</a:t>
-            </a:r>
+              <a:t>Write </a:t>
+            </a:r>
+            <a:r>
+              <a:rPr lang="en-US" dirty="0">
+                <a:solidFill>
+                  <a:srgbClr val="FF0000"/>
+                </a:solidFill>
+              </a:rPr>
+              <a:t>a program to go around a </a:t>
+            </a:r>
+            <a:r>
+              <a:rPr lang="en-US" dirty="0" smtClean="0">
+                <a:solidFill>
+                  <a:srgbClr val="FF0000"/>
+                </a:solidFill>
+              </a:rPr>
+              <a:t>box once.</a:t>
+            </a:r>
+          </a:p>
+          <a:p>
             <a:endParaRPr lang="en-US" dirty="0">
               <a:solidFill>
                 <a:srgbClr val="FF0000"/>
               </a:solidFill>
             </a:endParaRPr>
           </a:p>
+          <a:p>
+            <a:endParaRPr lang="en-US" dirty="0" smtClean="0">
+              <a:solidFill>
+                <a:srgbClr val="FF0000"/>
+              </a:solidFill>
+            </a:endParaRPr>
+          </a:p>
+          <a:p>
+            <a:endParaRPr lang="en-US" dirty="0">
+              <a:solidFill>
+                <a:srgbClr val="FF0000"/>
+              </a:solidFill>
+            </a:endParaRPr>
+          </a:p>
+          <a:p>
+            <a:endParaRPr lang="en-US" dirty="0">
+              <a:solidFill>
+                <a:srgbClr val="FF0000"/>
+              </a:solidFill>
+            </a:endParaRPr>
+          </a:p>
+          <a:p>
+            <a:r>
+              <a:rPr lang="en-US" dirty="0" smtClean="0">
+                <a:solidFill>
+                  <a:srgbClr val="FF0000"/>
+                </a:solidFill>
+              </a:rPr>
+              <a:t>The code should be an improvement on the code below (needs to use loops):</a:t>
+            </a:r>
+          </a:p>
+          <a:p>
+            <a:endParaRPr lang="en-US" dirty="0">
+              <a:solidFill>
+                <a:srgbClr val="FF0000"/>
+              </a:solidFill>
+            </a:endParaRPr>
+          </a:p>
         </p:txBody>
       </p:sp>
       <p:sp>
@@ -8868,226 +9022,44 @@
           </a:p>
         </p:txBody>
       </p:sp>
-      <p:sp>
-        <p:nvSpPr>
-          <p:cNvPr id="6" name="Rectangle 5"/>
-          <p:cNvSpPr/>
-          <p:nvPr/>
-        </p:nvSpPr>
-        <p:spPr>
-          <a:xfrm>
-            <a:off x="4315233" y="3589860"/>
-            <a:ext cx="817503" cy="762366"/>
-          </a:xfrm>
-          <a:prstGeom prst="rect">
-            <a:avLst/>
-          </a:prstGeom>
-        </p:spPr>
-        <p:style>
-          <a:lnRef idx="1">
-            <a:schemeClr val="accent5"/>
-          </a:lnRef>
-          <a:fillRef idx="3">
-            <a:schemeClr val="accent5"/>
-          </a:fillRef>
-          <a:effectRef idx="2">
-            <a:schemeClr val="accent5"/>
-          </a:effectRef>
-          <a:fontRef idx="minor">
-            <a:schemeClr val="lt1"/>
-          </a:fontRef>
-        </p:style>
-        <p:txBody>
-          <a:bodyPr rtlCol="0" anchor="ctr"/>
-          <a:lstStyle/>
-          <a:p>
-            <a:pPr algn="ctr"/>
-            <a:endParaRPr lang="en-US"/>
-          </a:p>
-        </p:txBody>
-      </p:sp>
-      <p:cxnSp>
-        <p:nvCxnSpPr>
-          <p:cNvPr id="7" name="Straight Arrow Connector 6"/>
-          <p:cNvCxnSpPr/>
-          <p:nvPr/>
-        </p:nvCxnSpPr>
-        <p:spPr>
-          <a:xfrm flipV="1">
-            <a:off x="4081660" y="3370870"/>
-            <a:ext cx="0" cy="1167941"/>
-          </a:xfrm>
-          <a:prstGeom prst="straightConnector1">
-            <a:avLst/>
-          </a:prstGeom>
-          <a:ln w="38100" cmpd="sng">
-            <a:tailEnd type="arrow"/>
-          </a:ln>
-        </p:spPr>
-        <p:style>
-          <a:lnRef idx="2">
-            <a:schemeClr val="dk1"/>
-          </a:lnRef>
-          <a:fillRef idx="0">
-            <a:schemeClr val="dk1"/>
-          </a:fillRef>
-          <a:effectRef idx="1">
-            <a:schemeClr val="dk1"/>
-          </a:effectRef>
-          <a:fontRef idx="minor">
-            <a:schemeClr val="tx1"/>
-          </a:fontRef>
-        </p:style>
-      </p:cxnSp>
-      <p:cxnSp>
-        <p:nvCxnSpPr>
-          <p:cNvPr id="8" name="Straight Arrow Connector 7"/>
-          <p:cNvCxnSpPr/>
-          <p:nvPr/>
-        </p:nvCxnSpPr>
-        <p:spPr>
-          <a:xfrm flipV="1">
-            <a:off x="4073478" y="3370870"/>
-            <a:ext cx="1234439" cy="1"/>
-          </a:xfrm>
-          <a:prstGeom prst="straightConnector1">
-            <a:avLst/>
-          </a:prstGeom>
-          <a:ln w="38100" cmpd="sng">
-            <a:tailEnd type="arrow"/>
-          </a:ln>
-        </p:spPr>
-        <p:style>
-          <a:lnRef idx="2">
-            <a:schemeClr val="dk1"/>
-          </a:lnRef>
-          <a:fillRef idx="0">
-            <a:schemeClr val="dk1"/>
-          </a:fillRef>
-          <a:effectRef idx="1">
-            <a:schemeClr val="dk1"/>
-          </a:effectRef>
-          <a:fontRef idx="minor">
-            <a:schemeClr val="tx1"/>
-          </a:fontRef>
-        </p:style>
-      </p:cxnSp>
-      <p:cxnSp>
-        <p:nvCxnSpPr>
-          <p:cNvPr id="9" name="Straight Arrow Connector 8"/>
-          <p:cNvCxnSpPr/>
-          <p:nvPr/>
-        </p:nvCxnSpPr>
-        <p:spPr>
-          <a:xfrm>
-            <a:off x="5380907" y="3370871"/>
-            <a:ext cx="0" cy="1167940"/>
-          </a:xfrm>
-          <a:prstGeom prst="straightConnector1">
-            <a:avLst/>
-          </a:prstGeom>
-          <a:ln w="38100" cmpd="sng">
-            <a:tailEnd type="arrow"/>
-          </a:ln>
-        </p:spPr>
-        <p:style>
-          <a:lnRef idx="2">
-            <a:schemeClr val="dk1"/>
-          </a:lnRef>
-          <a:fillRef idx="0">
-            <a:schemeClr val="dk1"/>
-          </a:fillRef>
-          <a:effectRef idx="1">
-            <a:schemeClr val="dk1"/>
-          </a:effectRef>
-          <a:fontRef idx="minor">
-            <a:schemeClr val="tx1"/>
-          </a:fontRef>
-        </p:style>
-      </p:cxnSp>
-      <p:cxnSp>
-        <p:nvCxnSpPr>
-          <p:cNvPr id="10" name="Straight Arrow Connector 9"/>
-          <p:cNvCxnSpPr/>
-          <p:nvPr/>
-        </p:nvCxnSpPr>
-        <p:spPr>
-          <a:xfrm flipH="1">
-            <a:off x="4081660" y="4597207"/>
-            <a:ext cx="1261870" cy="0"/>
-          </a:xfrm>
-          <a:prstGeom prst="straightConnector1">
-            <a:avLst/>
-          </a:prstGeom>
-          <a:ln w="38100" cmpd="sng">
-            <a:tailEnd type="arrow"/>
-          </a:ln>
-        </p:spPr>
-        <p:style>
-          <a:lnRef idx="2">
-            <a:schemeClr val="dk1"/>
-          </a:lnRef>
-          <a:fillRef idx="0">
-            <a:schemeClr val="dk1"/>
-          </a:fillRef>
-          <a:effectRef idx="1">
-            <a:schemeClr val="dk1"/>
-          </a:effectRef>
-          <a:fontRef idx="minor">
-            <a:schemeClr val="tx1"/>
-          </a:fontRef>
-        </p:style>
-      </p:cxnSp>
       <p:grpSp>
         <p:nvGrpSpPr>
-          <p:cNvPr id="11" name="Group 10"/>
+          <p:cNvPr id="17" name="Group 16"/>
           <p:cNvGrpSpPr/>
           <p:nvPr/>
         </p:nvGrpSpPr>
         <p:grpSpPr>
           <a:xfrm>
-            <a:off x="3886200" y="3894365"/>
-            <a:ext cx="369954" cy="457861"/>
-            <a:chOff x="6310708" y="2223671"/>
-            <a:chExt cx="809489" cy="898563"/>
+            <a:off x="3254828" y="2369021"/>
+            <a:ext cx="1494707" cy="1226337"/>
+            <a:chOff x="3886200" y="3370870"/>
+            <a:chExt cx="1494707" cy="1226337"/>
           </a:xfrm>
         </p:grpSpPr>
         <p:sp>
           <p:nvSpPr>
-            <p:cNvPr id="12" name="Rounded Rectangle 11"/>
+            <p:cNvPr id="6" name="Rectangle 5"/>
             <p:cNvSpPr/>
             <p:nvPr/>
           </p:nvSpPr>
           <p:spPr>
             <a:xfrm>
-              <a:off x="6451830" y="2223671"/>
-              <a:ext cx="519438" cy="898563"/>
+              <a:off x="4385323" y="3589860"/>
+              <a:ext cx="817503" cy="762366"/>
             </a:xfrm>
-            <a:prstGeom prst="roundRect">
+            <a:prstGeom prst="rect">
               <a:avLst/>
             </a:prstGeom>
-            <a:solidFill>
-              <a:schemeClr val="accent5">
-                <a:lumMod val="60000"/>
-                <a:lumOff val="40000"/>
-              </a:schemeClr>
-            </a:solidFill>
-            <a:ln>
-              <a:solidFill>
-                <a:srgbClr val="000000"/>
-              </a:solidFill>
-            </a:ln>
-            <a:effectLst/>
           </p:spPr>
           <p:style>
             <a:lnRef idx="1">
-              <a:schemeClr val="accent1"/>
+              <a:schemeClr val="accent5"/>
             </a:lnRef>
             <a:fillRef idx="3">
-              <a:schemeClr val="accent1"/>
+              <a:schemeClr val="accent5"/>
             </a:fillRef>
             <a:effectRef idx="2">
-              <a:schemeClr val="accent1"/>
+              <a:schemeClr val="accent5"/>
             </a:effectRef>
             <a:fontRef idx="minor">
               <a:schemeClr val="lt1"/>
@@ -9102,142 +9074,339 @@
             </a:p>
           </p:txBody>
         </p:sp>
-        <p:sp>
-          <p:nvSpPr>
-            <p:cNvPr id="13" name="Rounded Rectangle 12"/>
-            <p:cNvSpPr/>
+        <p:cxnSp>
+          <p:nvCxnSpPr>
+            <p:cNvPr id="7" name="Straight Arrow Connector 6"/>
+            <p:cNvCxnSpPr/>
             <p:nvPr/>
-          </p:nvSpPr>
+          </p:nvCxnSpPr>
+          <p:spPr>
+            <a:xfrm flipV="1">
+              <a:off x="4081660" y="3370870"/>
+              <a:ext cx="0" cy="1167941"/>
+            </a:xfrm>
+            <a:prstGeom prst="straightConnector1">
+              <a:avLst/>
+            </a:prstGeom>
+            <a:ln w="38100" cmpd="sng">
+              <a:tailEnd type="arrow"/>
+            </a:ln>
+          </p:spPr>
+          <p:style>
+            <a:lnRef idx="2">
+              <a:schemeClr val="dk1"/>
+            </a:lnRef>
+            <a:fillRef idx="0">
+              <a:schemeClr val="dk1"/>
+            </a:fillRef>
+            <a:effectRef idx="1">
+              <a:schemeClr val="dk1"/>
+            </a:effectRef>
+            <a:fontRef idx="minor">
+              <a:schemeClr val="tx1"/>
+            </a:fontRef>
+          </p:style>
+        </p:cxnSp>
+        <p:cxnSp>
+          <p:nvCxnSpPr>
+            <p:cNvPr id="8" name="Straight Arrow Connector 7"/>
+            <p:cNvCxnSpPr/>
+            <p:nvPr/>
+          </p:nvCxnSpPr>
+          <p:spPr>
+            <a:xfrm flipV="1">
+              <a:off x="4073478" y="3370870"/>
+              <a:ext cx="1234439" cy="1"/>
+            </a:xfrm>
+            <a:prstGeom prst="straightConnector1">
+              <a:avLst/>
+            </a:prstGeom>
+            <a:ln w="38100" cmpd="sng">
+              <a:tailEnd type="arrow"/>
+            </a:ln>
+          </p:spPr>
+          <p:style>
+            <a:lnRef idx="2">
+              <a:schemeClr val="dk1"/>
+            </a:lnRef>
+            <a:fillRef idx="0">
+              <a:schemeClr val="dk1"/>
+            </a:fillRef>
+            <a:effectRef idx="1">
+              <a:schemeClr val="dk1"/>
+            </a:effectRef>
+            <a:fontRef idx="minor">
+              <a:schemeClr val="tx1"/>
+            </a:fontRef>
+          </p:style>
+        </p:cxnSp>
+        <p:cxnSp>
+          <p:nvCxnSpPr>
+            <p:cNvPr id="9" name="Straight Arrow Connector 8"/>
+            <p:cNvCxnSpPr/>
+            <p:nvPr/>
+          </p:nvCxnSpPr>
           <p:spPr>
             <a:xfrm>
-              <a:off x="6979076" y="2525434"/>
-              <a:ext cx="141121" cy="295036"/>
+              <a:off x="5380907" y="3370871"/>
+              <a:ext cx="0" cy="1167940"/>
             </a:xfrm>
-            <a:prstGeom prst="roundRect">
+            <a:prstGeom prst="straightConnector1">
               <a:avLst/>
             </a:prstGeom>
-            <a:ln>
-              <a:solidFill>
-                <a:srgbClr val="000000"/>
-              </a:solidFill>
+            <a:ln w="38100" cmpd="sng">
+              <a:tailEnd type="arrow"/>
             </a:ln>
-            <a:effectLst/>
           </p:spPr>
           <p:style>
-            <a:lnRef idx="1">
-              <a:schemeClr val="accent6"/>
+            <a:lnRef idx="2">
+              <a:schemeClr val="dk1"/>
             </a:lnRef>
-            <a:fillRef idx="3">
-              <a:schemeClr val="accent6"/>
+            <a:fillRef idx="0">
+              <a:schemeClr val="dk1"/>
             </a:fillRef>
-            <a:effectRef idx="2">
-              <a:schemeClr val="accent6"/>
+            <a:effectRef idx="1">
+              <a:schemeClr val="dk1"/>
             </a:effectRef>
             <a:fontRef idx="minor">
-              <a:schemeClr val="lt1"/>
+              <a:schemeClr val="tx1"/>
             </a:fontRef>
           </p:style>
-          <p:txBody>
-            <a:bodyPr rtlCol="0" anchor="ctr"/>
-            <a:lstStyle/>
-            <a:p>
-              <a:pPr algn="ctr"/>
-              <a:endParaRPr lang="en-US">
-                <a:effectLst/>
-              </a:endParaRPr>
-            </a:p>
-          </p:txBody>
-        </p:sp>
-        <p:sp>
-          <p:nvSpPr>
-            <p:cNvPr id="14" name="Rounded Rectangle 13"/>
-            <p:cNvSpPr/>
+        </p:cxnSp>
+        <p:cxnSp>
+          <p:nvCxnSpPr>
+            <p:cNvPr id="10" name="Straight Arrow Connector 9"/>
+            <p:cNvCxnSpPr/>
             <p:nvPr/>
-          </p:nvSpPr>
+          </p:nvCxnSpPr>
           <p:spPr>
-            <a:xfrm>
-              <a:off x="6310708" y="2525434"/>
-              <a:ext cx="141121" cy="295036"/>
+            <a:xfrm flipH="1">
+              <a:off x="4081660" y="4597207"/>
+              <a:ext cx="1261870" cy="0"/>
             </a:xfrm>
-            <a:prstGeom prst="roundRect">
+            <a:prstGeom prst="straightConnector1">
               <a:avLst/>
             </a:prstGeom>
-            <a:ln>
-              <a:solidFill>
-                <a:srgbClr val="000000"/>
-              </a:solidFill>
+            <a:ln w="38100" cmpd="sng">
+              <a:tailEnd type="arrow"/>
             </a:ln>
-            <a:effectLst/>
           </p:spPr>
           <p:style>
-            <a:lnRef idx="1">
-              <a:schemeClr val="accent6"/>
+            <a:lnRef idx="2">
+              <a:schemeClr val="dk1"/>
             </a:lnRef>
-            <a:fillRef idx="3">
-              <a:schemeClr val="accent6"/>
+            <a:fillRef idx="0">
+              <a:schemeClr val="dk1"/>
             </a:fillRef>
-            <a:effectRef idx="2">
-              <a:schemeClr val="accent6"/>
+            <a:effectRef idx="1">
+              <a:schemeClr val="dk1"/>
             </a:effectRef>
             <a:fontRef idx="minor">
-              <a:schemeClr val="lt1"/>
+              <a:schemeClr val="tx1"/>
             </a:fontRef>
           </p:style>
-          <p:txBody>
-            <a:bodyPr rtlCol="0" anchor="ctr"/>
-            <a:lstStyle/>
-            <a:p>
-              <a:pPr algn="ctr"/>
-              <a:endParaRPr lang="en-US">
-                <a:effectLst/>
-              </a:endParaRPr>
-            </a:p>
-          </p:txBody>
-        </p:sp>
-        <p:sp>
-          <p:nvSpPr>
-            <p:cNvPr id="15" name="Oval 14"/>
-            <p:cNvSpPr>
-              <a:spLocks noChangeAspect="1"/>
-            </p:cNvSpPr>
+        </p:cxnSp>
+        <p:grpSp>
+          <p:nvGrpSpPr>
+            <p:cNvPr id="11" name="Group 10"/>
+            <p:cNvGrpSpPr/>
             <p:nvPr/>
-          </p:nvSpPr>
-          <p:spPr>
+          </p:nvGrpSpPr>
+          <p:grpSpPr>
             <a:xfrm>
-              <a:off x="6621904" y="2247641"/>
-              <a:ext cx="179290" cy="166284"/>
+              <a:off x="3886200" y="3894365"/>
+              <a:ext cx="369954" cy="457861"/>
+              <a:chOff x="6310708" y="2223671"/>
+              <a:chExt cx="809489" cy="898563"/>
             </a:xfrm>
-            <a:prstGeom prst="ellipse">
-              <a:avLst/>
-            </a:prstGeom>
-            <a:solidFill>
-              <a:srgbClr val="FF0000"/>
-            </a:solidFill>
-            <a:effectLst/>
-          </p:spPr>
-          <p:style>
-            <a:lnRef idx="1">
-              <a:schemeClr val="accent1"/>
-            </a:lnRef>
-            <a:fillRef idx="3">
-              <a:schemeClr val="accent1"/>
-            </a:fillRef>
-            <a:effectRef idx="2">
-              <a:schemeClr val="accent1"/>
-            </a:effectRef>
-            <a:fontRef idx="minor">
-              <a:schemeClr val="lt1"/>
-            </a:fontRef>
-          </p:style>
-          <p:txBody>
-            <a:bodyPr rtlCol="0" anchor="ctr"/>
-            <a:lstStyle/>
-            <a:p>
-              <a:pPr algn="ctr"/>
-              <a:endParaRPr lang="en-US"/>
-            </a:p>
-          </p:txBody>
-        </p:sp>
+          </p:grpSpPr>
+          <p:sp>
+            <p:nvSpPr>
+              <p:cNvPr id="12" name="Rounded Rectangle 11"/>
+              <p:cNvSpPr/>
+              <p:nvPr/>
+            </p:nvSpPr>
+            <p:spPr>
+              <a:xfrm>
+                <a:off x="6451830" y="2223671"/>
+                <a:ext cx="519438" cy="898563"/>
+              </a:xfrm>
+              <a:prstGeom prst="roundRect">
+                <a:avLst/>
+              </a:prstGeom>
+              <a:solidFill>
+                <a:schemeClr val="accent5">
+                  <a:lumMod val="60000"/>
+                  <a:lumOff val="40000"/>
+                </a:schemeClr>
+              </a:solidFill>
+              <a:ln>
+                <a:solidFill>
+                  <a:srgbClr val="000000"/>
+                </a:solidFill>
+              </a:ln>
+              <a:effectLst/>
+            </p:spPr>
+            <p:style>
+              <a:lnRef idx="1">
+                <a:schemeClr val="accent1"/>
+              </a:lnRef>
+              <a:fillRef idx="3">
+                <a:schemeClr val="accent1"/>
+              </a:fillRef>
+              <a:effectRef idx="2">
+                <a:schemeClr val="accent1"/>
+              </a:effectRef>
+              <a:fontRef idx="minor">
+                <a:schemeClr val="lt1"/>
+              </a:fontRef>
+            </p:style>
+            <p:txBody>
+              <a:bodyPr rtlCol="0" anchor="ctr"/>
+              <a:lstStyle/>
+              <a:p>
+                <a:pPr algn="ctr"/>
+                <a:endParaRPr lang="en-US"/>
+              </a:p>
+            </p:txBody>
+          </p:sp>
+          <p:sp>
+            <p:nvSpPr>
+              <p:cNvPr id="13" name="Rounded Rectangle 12"/>
+              <p:cNvSpPr/>
+              <p:nvPr/>
+            </p:nvSpPr>
+            <p:spPr>
+              <a:xfrm>
+                <a:off x="6979076" y="2525434"/>
+                <a:ext cx="141121" cy="295036"/>
+              </a:xfrm>
+              <a:prstGeom prst="roundRect">
+                <a:avLst/>
+              </a:prstGeom>
+              <a:ln>
+                <a:solidFill>
+                  <a:srgbClr val="000000"/>
+                </a:solidFill>
+              </a:ln>
+              <a:effectLst/>
+            </p:spPr>
+            <p:style>
+              <a:lnRef idx="1">
+                <a:schemeClr val="accent6"/>
+              </a:lnRef>
+              <a:fillRef idx="3">
+                <a:schemeClr val="accent6"/>
+              </a:fillRef>
+              <a:effectRef idx="2">
+                <a:schemeClr val="accent6"/>
+              </a:effectRef>
+              <a:fontRef idx="minor">
+                <a:schemeClr val="lt1"/>
+              </a:fontRef>
+            </p:style>
+            <p:txBody>
+              <a:bodyPr rtlCol="0" anchor="ctr"/>
+              <a:lstStyle/>
+              <a:p>
+                <a:pPr algn="ctr"/>
+                <a:endParaRPr lang="en-US">
+                  <a:effectLst/>
+                </a:endParaRPr>
+              </a:p>
+            </p:txBody>
+          </p:sp>
+          <p:sp>
+            <p:nvSpPr>
+              <p:cNvPr id="14" name="Rounded Rectangle 13"/>
+              <p:cNvSpPr/>
+              <p:nvPr/>
+            </p:nvSpPr>
+            <p:spPr>
+              <a:xfrm>
+                <a:off x="6310708" y="2525434"/>
+                <a:ext cx="141121" cy="295036"/>
+              </a:xfrm>
+              <a:prstGeom prst="roundRect">
+                <a:avLst/>
+              </a:prstGeom>
+              <a:ln>
+                <a:solidFill>
+                  <a:srgbClr val="000000"/>
+                </a:solidFill>
+              </a:ln>
+              <a:effectLst/>
+            </p:spPr>
+            <p:style>
+              <a:lnRef idx="1">
+                <a:schemeClr val="accent6"/>
+              </a:lnRef>
+              <a:fillRef idx="3">
+                <a:schemeClr val="accent6"/>
+              </a:fillRef>
+              <a:effectRef idx="2">
+                <a:schemeClr val="accent6"/>
+              </a:effectRef>
+              <a:fontRef idx="minor">
+                <a:schemeClr val="lt1"/>
+              </a:fontRef>
+            </p:style>
+            <p:txBody>
+              <a:bodyPr rtlCol="0" anchor="ctr"/>
+              <a:lstStyle/>
+              <a:p>
+                <a:pPr algn="ctr"/>
+                <a:endParaRPr lang="en-US">
+                  <a:effectLst/>
+                </a:endParaRPr>
+              </a:p>
+            </p:txBody>
+          </p:sp>
+          <p:sp>
+            <p:nvSpPr>
+              <p:cNvPr id="15" name="Oval 14"/>
+              <p:cNvSpPr>
+                <a:spLocks noChangeAspect="1"/>
+              </p:cNvSpPr>
+              <p:nvPr/>
+            </p:nvSpPr>
+            <p:spPr>
+              <a:xfrm>
+                <a:off x="6621904" y="2247641"/>
+                <a:ext cx="179290" cy="166284"/>
+              </a:xfrm>
+              <a:prstGeom prst="ellipse">
+                <a:avLst/>
+              </a:prstGeom>
+              <a:solidFill>
+                <a:srgbClr val="FF0000"/>
+              </a:solidFill>
+              <a:effectLst/>
+            </p:spPr>
+            <p:style>
+              <a:lnRef idx="1">
+                <a:schemeClr val="accent1"/>
+              </a:lnRef>
+              <a:fillRef idx="3">
+                <a:schemeClr val="accent1"/>
+              </a:fillRef>
+              <a:effectRef idx="2">
+                <a:schemeClr val="accent1"/>
+              </a:effectRef>
+              <a:fontRef idx="minor">
+                <a:schemeClr val="lt1"/>
+              </a:fontRef>
+            </p:style>
+            <p:txBody>
+              <a:bodyPr rtlCol="0" anchor="ctr"/>
+              <a:lstStyle/>
+              <a:p>
+                <a:pPr algn="ctr"/>
+                <a:endParaRPr lang="en-US"/>
+              </a:p>
+            </p:txBody>
+          </p:sp>
+        </p:grpSp>
       </p:grpSp>
     </p:spTree>
     <p:extLst>
@@ -9340,28 +9509,151 @@
       </p:sp>
       <p:pic>
         <p:nvPicPr>
-          <p:cNvPr id="3" name="Picture 2"/>
+          <p:cNvPr id="7" name="Picture 6"/>
           <p:cNvPicPr>
             <a:picLocks noChangeAspect="1"/>
           </p:cNvPicPr>
           <p:nvPr/>
         </p:nvPicPr>
         <p:blipFill>
-          <a:blip r:embed="rId2"/>
+          <a:blip r:embed="rId2">
+            <a:extLst>
+              <a:ext uri="{28A0092B-C50C-407E-A947-70E740481C1C}">
+                <a14:useLocalDpi xmlns:a14="http://schemas.microsoft.com/office/drawing/2010/main" val="0"/>
+              </a:ext>
+            </a:extLst>
+          </a:blip>
           <a:stretch>
             <a:fillRect/>
           </a:stretch>
         </p:blipFill>
         <p:spPr>
           <a:xfrm>
-            <a:off x="144556" y="955024"/>
-            <a:ext cx="8703300" cy="4975132"/>
+            <a:off x="457199" y="830943"/>
+            <a:ext cx="7213600" cy="2832100"/>
           </a:xfrm>
           <a:prstGeom prst="rect">
             <a:avLst/>
           </a:prstGeom>
         </p:spPr>
       </p:pic>
+      <p:sp>
+        <p:nvSpPr>
+          <p:cNvPr id="8" name="Rectangle 7"/>
+          <p:cNvSpPr/>
+          <p:nvPr/>
+        </p:nvSpPr>
+        <p:spPr>
+          <a:xfrm>
+            <a:off x="6433457" y="1371600"/>
+            <a:ext cx="1237342" cy="500743"/>
+          </a:xfrm>
+          <a:prstGeom prst="rect">
+            <a:avLst/>
+          </a:prstGeom>
+        </p:spPr>
+        <p:style>
+          <a:lnRef idx="2">
+            <a:schemeClr val="accent1">
+              <a:shade val="50000"/>
+            </a:schemeClr>
+          </a:lnRef>
+          <a:fillRef idx="1">
+            <a:schemeClr val="accent1"/>
+          </a:fillRef>
+          <a:effectRef idx="0">
+            <a:schemeClr val="accent1"/>
+          </a:effectRef>
+          <a:fontRef idx="minor">
+            <a:schemeClr val="lt1"/>
+          </a:fontRef>
+        </p:style>
+        <p:txBody>
+          <a:bodyPr rtlCol="0" anchor="ctr"/>
+          <a:lstStyle/>
+          <a:p>
+            <a:pPr algn="ctr"/>
+            <a:r>
+              <a:rPr lang="en-US" dirty="0" smtClean="0"/>
+              <a:t>Run 4 times</a:t>
+            </a:r>
+            <a:endParaRPr lang="en-US" dirty="0"/>
+          </a:p>
+        </p:txBody>
+      </p:sp>
+      <p:grpSp>
+        <p:nvGrpSpPr>
+          <p:cNvPr id="11" name="Group 10"/>
+          <p:cNvGrpSpPr/>
+          <p:nvPr/>
+        </p:nvGrpSpPr>
+        <p:grpSpPr>
+          <a:xfrm>
+            <a:off x="6292621" y="3114506"/>
+            <a:ext cx="1894115" cy="3570515"/>
+            <a:chOff x="4880429" y="372201"/>
+            <a:chExt cx="2476500" cy="5514615"/>
+          </a:xfrm>
+        </p:grpSpPr>
+        <p:pic>
+          <p:nvPicPr>
+            <p:cNvPr id="9" name="Picture 8"/>
+            <p:cNvPicPr>
+              <a:picLocks noChangeAspect="1"/>
+            </p:cNvPicPr>
+            <p:nvPr/>
+          </p:nvPicPr>
+          <p:blipFill rotWithShape="1">
+            <a:blip r:embed="rId3">
+              <a:extLst>
+                <a:ext uri="{28A0092B-C50C-407E-A947-70E740481C1C}">
+                  <a14:useLocalDpi xmlns:a14="http://schemas.microsoft.com/office/drawing/2010/main" val="0"/>
+                </a:ext>
+              </a:extLst>
+            </a:blip>
+            <a:srcRect t="77576"/>
+            <a:stretch/>
+          </p:blipFill>
+          <p:spPr>
+            <a:xfrm>
+              <a:off x="4880429" y="4497074"/>
+              <a:ext cx="2476500" cy="1389742"/>
+            </a:xfrm>
+            <a:prstGeom prst="rect">
+              <a:avLst/>
+            </a:prstGeom>
+          </p:spPr>
+        </p:pic>
+        <p:pic>
+          <p:nvPicPr>
+            <p:cNvPr id="10" name="Picture 9"/>
+            <p:cNvPicPr>
+              <a:picLocks noChangeAspect="1"/>
+            </p:cNvPicPr>
+            <p:nvPr/>
+          </p:nvPicPr>
+          <p:blipFill rotWithShape="1">
+            <a:blip r:embed="rId3">
+              <a:extLst>
+                <a:ext uri="{28A0092B-C50C-407E-A947-70E740481C1C}">
+                  <a14:useLocalDpi xmlns:a14="http://schemas.microsoft.com/office/drawing/2010/main" val="0"/>
+                </a:ext>
+              </a:extLst>
+            </a:blip>
+            <a:srcRect b="33113"/>
+            <a:stretch/>
+          </p:blipFill>
+          <p:spPr>
+            <a:xfrm>
+              <a:off x="4880429" y="372201"/>
+              <a:ext cx="2476500" cy="4145370"/>
+            </a:xfrm>
+            <a:prstGeom prst="rect">
+              <a:avLst/>
+            </a:prstGeom>
+          </p:spPr>
+        </p:pic>
+      </p:grpSp>
     </p:spTree>
     <p:extLst>
       <p:ext uri="{BB962C8B-B14F-4D97-AF65-F5344CB8AC3E}">
@@ -9463,11 +9755,7 @@
             </a:pPr>
             <a:r>
               <a:rPr lang="en-US" sz="1800" dirty="0" smtClean="0"/>
-              <a:t>More lessons are available at </a:t>
-            </a:r>
-            <a:r>
-              <a:rPr lang="en-US" sz="1800" dirty="0" smtClean="0"/>
-              <a:t>www.ev3lessons.com</a:t>
+              <a:t>More lessons are available at www.ev3lessons.com</a:t>
             </a:r>
             <a:r>
               <a:rPr lang="en-US" sz="1800" b="0" dirty="0"/>
@@ -9551,7 +9839,7 @@
           <a:effectLst/>
           <a:extLst>
             <a:ext uri="{91240B29-F687-4f45-9708-019B960494DF}">
-              <a14:hiddenLine xmlns="" xmlns:a14="http://schemas.microsoft.com/office/drawing/2010/main" w="9525">
+              <a14:hiddenLine xmlns:a14="http://schemas.microsoft.com/office/drawing/2010/main" xmlns="" w="9525">
                 <a:solidFill>
                   <a:schemeClr val="tx1"/>
                 </a:solidFill>
@@ -9561,7 +9849,7 @@
               </a14:hiddenLine>
             </a:ext>
             <a:ext uri="{AF507438-7753-43e0-B8FC-AC1667EBCBE1}">
-              <a14:hiddenEffects xmlns="" xmlns:a14="http://schemas.microsoft.com/office/drawing/2010/main">
+              <a14:hiddenEffects xmlns:a14="http://schemas.microsoft.com/office/drawing/2010/main" xmlns="">
                 <a:effectLst>
                   <a:outerShdw dist="35921" dir="2700000" algn="ctr" rotWithShape="0">
                     <a:schemeClr val="bg2"/>
@@ -9914,7 +10202,7 @@
           <a:noFill/>
           <a:extLst>
             <a:ext uri="{909E8E84-426E-40dd-AFC4-6F175D3DCCD1}">
-              <a14:hiddenFill xmlns="" xmlns:a14="http://schemas.microsoft.com/office/drawing/2010/main">
+              <a14:hiddenFill xmlns:a14="http://schemas.microsoft.com/office/drawing/2010/main" xmlns="">
                 <a:solidFill>
                   <a:srgbClr val="FFFFFF"/>
                 </a:solidFill>

--- a/translations/en-us/beginner/Loops.pptx
+++ b/translations/en-us/beginner/Loops.pptx
@@ -218,7 +218,7 @@
           <a:p>
             <a:fld id="{F8D9B3D7-15CB-9343-AA49-EFB5A8F33F18}" type="datetimeFigureOut">
               <a:rPr lang="en-US" smtClean="0"/>
-              <a:t>7/19/16</a:t>
+              <a:t>7/26/16</a:t>
             </a:fld>
             <a:endParaRPr lang="en-US"/>
           </a:p>
@@ -384,7 +384,7 @@
           <a:p>
             <a:fld id="{FD3EFF1E-85A1-6640-AFB9-C38833E80A84}" type="datetimeFigureOut">
               <a:rPr lang="en-US" smtClean="0"/>
-              <a:t>7/19/16</a:t>
+              <a:t>7/26/16</a:t>
             </a:fld>
             <a:endParaRPr lang="en-US"/>
           </a:p>
@@ -737,6 +737,90 @@
 </p:notes>
 </file>
 
+<file path=ppt/notesSlides/notesSlide2.xml><?xml version="1.0" encoding="utf-8"?>
+<p:notes xmlns:a="http://schemas.openxmlformats.org/drawingml/2006/main" xmlns:r="http://schemas.openxmlformats.org/officeDocument/2006/relationships" xmlns:p="http://schemas.openxmlformats.org/presentationml/2006/main">
+  <p:cSld>
+    <p:spTree>
+      <p:nvGrpSpPr>
+        <p:cNvPr id="1" name=""/>
+        <p:cNvGrpSpPr/>
+        <p:nvPr/>
+      </p:nvGrpSpPr>
+      <p:grpSpPr>
+        <a:xfrm>
+          <a:off x="0" y="0"/>
+          <a:ext cx="0" cy="0"/>
+          <a:chOff x="0" y="0"/>
+          <a:chExt cx="0" cy="0"/>
+        </a:xfrm>
+      </p:grpSpPr>
+      <p:sp>
+        <p:nvSpPr>
+          <p:cNvPr id="2" name="Slide Image Placeholder 1"/>
+          <p:cNvSpPr>
+            <a:spLocks noGrp="1" noRot="1" noChangeAspect="1"/>
+          </p:cNvSpPr>
+          <p:nvPr>
+            <p:ph type="sldImg"/>
+          </p:nvPr>
+        </p:nvSpPr>
+        <p:spPr/>
+      </p:sp>
+      <p:sp>
+        <p:nvSpPr>
+          <p:cNvPr id="3" name="Notes Placeholder 2"/>
+          <p:cNvSpPr>
+            <a:spLocks noGrp="1"/>
+          </p:cNvSpPr>
+          <p:nvPr>
+            <p:ph type="body" idx="1"/>
+          </p:nvPr>
+        </p:nvSpPr>
+        <p:spPr/>
+        <p:txBody>
+          <a:bodyPr/>
+          <a:lstStyle/>
+          <a:p>
+            <a:endParaRPr lang="en-US"/>
+          </a:p>
+        </p:txBody>
+      </p:sp>
+      <p:sp>
+        <p:nvSpPr>
+          <p:cNvPr id="4" name="Slide Number Placeholder 3"/>
+          <p:cNvSpPr>
+            <a:spLocks noGrp="1"/>
+          </p:cNvSpPr>
+          <p:nvPr>
+            <p:ph type="sldNum" sz="quarter" idx="10"/>
+          </p:nvPr>
+        </p:nvSpPr>
+        <p:spPr/>
+        <p:txBody>
+          <a:bodyPr/>
+          <a:lstStyle/>
+          <a:p>
+            <a:fld id="{13967457-1E83-1040-AFF7-8D09C473DBD5}" type="slidenum">
+              <a:rPr lang="en-US" smtClean="0"/>
+              <a:t>2</a:t>
+            </a:fld>
+            <a:endParaRPr lang="en-US"/>
+          </a:p>
+        </p:txBody>
+      </p:sp>
+    </p:spTree>
+    <p:extLst>
+      <p:ext uri="{BB962C8B-B14F-4D97-AF65-F5344CB8AC3E}">
+        <p14:creationId xmlns:p14="http://schemas.microsoft.com/office/powerpoint/2010/main" val="202319656"/>
+      </p:ext>
+    </p:extLst>
+  </p:cSld>
+  <p:clrMapOvr>
+    <a:masterClrMapping/>
+  </p:clrMapOvr>
+</p:notes>
+</file>
+
 <file path=ppt/slideLayouts/slideLayout1.xml><?xml version="1.0" encoding="utf-8"?>
 <p:sldLayout xmlns:a="http://schemas.openxmlformats.org/drawingml/2006/main" xmlns:r="http://schemas.openxmlformats.org/officeDocument/2006/relationships" xmlns:p="http://schemas.openxmlformats.org/presentationml/2006/main" showMasterSp="0" preserve="1">
   <p:cSld name="Title Slide">
@@ -887,9 +971,9 @@
           <a:bodyPr/>
           <a:lstStyle/>
           <a:p>
-            <a:fld id="{B41DCFFF-3180-B14B-B5E5-26BA2D43A538}" type="datetime1">
-              <a:rPr lang="en-US" smtClean="0"/>
-              <a:t>7/19/16</a:t>
+            <a:fld id="{285EF27D-8752-DA47-8D7E-2F48280CEEBD}" type="datetime1">
+              <a:rPr lang="en-US" smtClean="0"/>
+              <a:t>7/26/16</a:t>
             </a:fld>
             <a:endParaRPr lang="en-US"/>
           </a:p>
@@ -917,7 +1001,7 @@
           <a:p>
             <a:r>
               <a:rPr lang="en-US" smtClean="0"/>
-              <a:t>© EV3Lessons.com, 2016, (Last edit: 7/04/2016)</a:t>
+              <a:t>© EV3Lessons.com, 2016, (Last edit: 7/26/2016)</a:t>
             </a:r>
             <a:endParaRPr lang="en-US"/>
           </a:p>
@@ -1108,7 +1192,7 @@
           <a:noFill/>
           <a:extLst>
             <a:ext uri="{909E8E84-426E-40dd-AFC4-6F175D3DCCD1}">
-              <a14:hiddenFill xmlns="" xmlns:a14="http://schemas.microsoft.com/office/drawing/2010/main">
+              <a14:hiddenFill xmlns:a14="http://schemas.microsoft.com/office/drawing/2010/main" xmlns="">
                 <a:solidFill>
                   <a:srgbClr val="FFFFFF"/>
                 </a:solidFill>
@@ -1449,9 +1533,9 @@
           <a:bodyPr/>
           <a:lstStyle/>
           <a:p>
-            <a:fld id="{CB9D08AF-0752-9648-9B26-1313BE9BBFC4}" type="datetime1">
-              <a:rPr lang="en-US" smtClean="0"/>
-              <a:t>7/19/16</a:t>
+            <a:fld id="{B60890B9-E024-BA42-9704-A64AD3034426}" type="datetime1">
+              <a:rPr lang="en-US" smtClean="0"/>
+              <a:t>7/26/16</a:t>
             </a:fld>
             <a:endParaRPr lang="en-US"/>
           </a:p>
@@ -1474,7 +1558,7 @@
           <a:p>
             <a:r>
               <a:rPr lang="en-US" smtClean="0"/>
-              <a:t>© EV3Lessons.com, 2016, (Last edit: 7/04/2016)</a:t>
+              <a:t>© EV3Lessons.com, 2016, (Last edit: 7/26/2016)</a:t>
             </a:r>
             <a:endParaRPr lang="en-US"/>
           </a:p>
@@ -1641,9 +1725,9 @@
           <a:bodyPr/>
           <a:lstStyle/>
           <a:p>
-            <a:fld id="{84A0EC50-32B4-714D-A95A-A20F643D9595}" type="datetime1">
-              <a:rPr lang="en-US" smtClean="0"/>
-              <a:t>7/19/16</a:t>
+            <a:fld id="{22A91C9D-C322-9642-A879-CBC9D9628B53}" type="datetime1">
+              <a:rPr lang="en-US" smtClean="0"/>
+              <a:t>7/26/16</a:t>
             </a:fld>
             <a:endParaRPr lang="en-US"/>
           </a:p>
@@ -1666,7 +1750,7 @@
           <a:p>
             <a:r>
               <a:rPr lang="en-US" smtClean="0"/>
-              <a:t>© EV3Lessons.com, 2016, (Last edit: 7/04/2016)</a:t>
+              <a:t>© EV3Lessons.com, 2016, (Last edit: 7/26/2016)</a:t>
             </a:r>
             <a:endParaRPr lang="en-US"/>
           </a:p>
@@ -1845,9 +1929,9 @@
           <a:bodyPr/>
           <a:lstStyle/>
           <a:p>
-            <a:fld id="{5621E052-628E-F14A-A84F-D6C3117A028F}" type="datetime1">
-              <a:rPr lang="en-US" smtClean="0"/>
-              <a:t>7/19/16</a:t>
+            <a:fld id="{30FD59F4-988B-4F4A-8FAA-FF739FF4538A}" type="datetime1">
+              <a:rPr lang="en-US" smtClean="0"/>
+              <a:t>7/26/16</a:t>
             </a:fld>
             <a:endParaRPr lang="en-US"/>
           </a:p>
@@ -1870,7 +1954,7 @@
           <a:p>
             <a:r>
               <a:rPr lang="en-US" smtClean="0"/>
-              <a:t>© EV3Lessons.com, 2016, (Last edit: 7/04/2016)</a:t>
+              <a:t>© EV3Lessons.com, 2016, (Last edit: 7/26/2016)</a:t>
             </a:r>
             <a:endParaRPr lang="en-US"/>
           </a:p>
@@ -2019,9 +2103,9 @@
           <a:bodyPr/>
           <a:lstStyle/>
           <a:p>
-            <a:fld id="{4CBD7A79-8C4D-6841-A406-FE765EC9A82B}" type="datetime1">
-              <a:rPr lang="en-US" smtClean="0"/>
-              <a:t>7/19/16</a:t>
+            <a:fld id="{4AA47985-A0DF-324F-8187-D0D4AD0F6BF2}" type="datetime1">
+              <a:rPr lang="en-US" smtClean="0"/>
+              <a:t>7/26/16</a:t>
             </a:fld>
             <a:endParaRPr lang="en-US"/>
           </a:p>
@@ -2044,7 +2128,7 @@
           <a:p>
             <a:r>
               <a:rPr lang="en-US" smtClean="0"/>
-              <a:t>© EV3Lessons.com, 2016, (Last edit: 7/04/2016)</a:t>
+              <a:t>© EV3Lessons.com, 2016, (Last edit: 7/26/2016)</a:t>
             </a:r>
             <a:endParaRPr lang="en-US"/>
           </a:p>
@@ -2269,9 +2353,9 @@
           <a:bodyPr/>
           <a:lstStyle/>
           <a:p>
-            <a:fld id="{D6FEC789-49FB-7442-B3B8-9CC0C5250B6C}" type="datetime1">
-              <a:rPr lang="en-US" smtClean="0"/>
-              <a:t>7/19/16</a:t>
+            <a:fld id="{035346D9-F88E-FF42-812F-74AA2C7E9C0D}" type="datetime1">
+              <a:rPr lang="en-US" smtClean="0"/>
+              <a:t>7/26/16</a:t>
             </a:fld>
             <a:endParaRPr lang="en-US"/>
           </a:p>
@@ -2294,7 +2378,7 @@
           <a:p>
             <a:r>
               <a:rPr lang="en-US" smtClean="0"/>
-              <a:t>© EV3Lessons.com, 2016, (Last edit: 7/04/2016)</a:t>
+              <a:t>© EV3Lessons.com, 2016, (Last edit: 7/26/2016)</a:t>
             </a:r>
             <a:endParaRPr lang="en-US"/>
           </a:p>
@@ -2505,9 +2589,9 @@
           <a:bodyPr/>
           <a:lstStyle/>
           <a:p>
-            <a:fld id="{DFDC536A-AD42-0D41-807A-C785035DECE9}" type="datetime1">
-              <a:rPr lang="en-US" smtClean="0"/>
-              <a:t>7/19/16</a:t>
+            <a:fld id="{94FF9039-61CF-4745-B2F8-D868E6208AB2}" type="datetime1">
+              <a:rPr lang="en-US" smtClean="0"/>
+              <a:t>7/26/16</a:t>
             </a:fld>
             <a:endParaRPr lang="en-US"/>
           </a:p>
@@ -2530,7 +2614,7 @@
           <a:p>
             <a:r>
               <a:rPr lang="en-US" smtClean="0"/>
-              <a:t>© EV3Lessons.com, 2016, (Last edit: 7/04/2016)</a:t>
+              <a:t>© EV3Lessons.com, 2016, (Last edit: 7/26/2016)</a:t>
             </a:r>
             <a:endParaRPr lang="en-US"/>
           </a:p>
@@ -2876,9 +2960,9 @@
           <a:bodyPr/>
           <a:lstStyle/>
           <a:p>
-            <a:fld id="{23A22DC0-0E3E-4E4F-9D65-0A062092EE9F}" type="datetime1">
-              <a:rPr lang="en-US" smtClean="0"/>
-              <a:t>7/19/16</a:t>
+            <a:fld id="{A401E130-BE25-AB42-9612-80B178AA6DD9}" type="datetime1">
+              <a:rPr lang="en-US" smtClean="0"/>
+              <a:t>7/26/16</a:t>
             </a:fld>
             <a:endParaRPr lang="en-US"/>
           </a:p>
@@ -2901,7 +2985,7 @@
           <a:p>
             <a:r>
               <a:rPr lang="en-US" smtClean="0"/>
-              <a:t>© EV3Lessons.com, 2016, (Last edit: 7/04/2016)</a:t>
+              <a:t>© EV3Lessons.com, 2016, (Last edit: 7/26/2016)</a:t>
             </a:r>
             <a:endParaRPr lang="en-US"/>
           </a:p>
@@ -2998,9 +3082,9 @@
           <a:bodyPr/>
           <a:lstStyle/>
           <a:p>
-            <a:fld id="{123734A8-898F-D042-81C5-87B9B7317C9D}" type="datetime1">
-              <a:rPr lang="en-US" smtClean="0"/>
-              <a:t>7/19/16</a:t>
+            <a:fld id="{CD051783-2236-BE42-9499-8A2A1CC8E02A}" type="datetime1">
+              <a:rPr lang="en-US" smtClean="0"/>
+              <a:t>7/26/16</a:t>
             </a:fld>
             <a:endParaRPr lang="en-US"/>
           </a:p>
@@ -3023,7 +3107,7 @@
           <a:p>
             <a:r>
               <a:rPr lang="en-US" smtClean="0"/>
-              <a:t>© EV3Lessons.com, 2016, (Last edit: 7/04/2016)</a:t>
+              <a:t>© EV3Lessons.com, 2016, (Last edit: 7/26/2016)</a:t>
             </a:r>
             <a:endParaRPr lang="en-US"/>
           </a:p>
@@ -3097,9 +3181,9 @@
           <a:bodyPr/>
           <a:lstStyle/>
           <a:p>
-            <a:fld id="{684AB457-B71C-5143-826A-B48C11D31984}" type="datetime1">
-              <a:rPr lang="en-US" smtClean="0"/>
-              <a:t>7/19/16</a:t>
+            <a:fld id="{ECC260FD-C0F5-6B4C-8DF5-6BFA3F60F43A}" type="datetime1">
+              <a:rPr lang="en-US" smtClean="0"/>
+              <a:t>7/26/16</a:t>
             </a:fld>
             <a:endParaRPr lang="en-US"/>
           </a:p>
@@ -3122,7 +3206,7 @@
           <a:p>
             <a:r>
               <a:rPr lang="en-US" smtClean="0"/>
-              <a:t>© EV3Lessons.com, 2016, (Last edit: 7/04/2016)</a:t>
+              <a:t>© EV3Lessons.com, 2016, (Last edit: 7/26/2016)</a:t>
             </a:r>
             <a:endParaRPr lang="en-US"/>
           </a:p>
@@ -3378,9 +3462,9 @@
           <a:bodyPr/>
           <a:lstStyle/>
           <a:p>
-            <a:fld id="{45FD3294-A232-044D-BA94-ACD8E6488E61}" type="datetime1">
-              <a:rPr lang="en-US" smtClean="0"/>
-              <a:t>7/19/16</a:t>
+            <a:fld id="{365B0ECF-EC10-7446-87A9-63B618D8242A}" type="datetime1">
+              <a:rPr lang="en-US" smtClean="0"/>
+              <a:t>7/26/16</a:t>
             </a:fld>
             <a:endParaRPr lang="en-US"/>
           </a:p>
@@ -3403,7 +3487,7 @@
           <a:p>
             <a:r>
               <a:rPr lang="en-US" smtClean="0"/>
-              <a:t>© EV3Lessons.com, 2016, (Last edit: 7/04/2016)</a:t>
+              <a:t>© EV3Lessons.com, 2016, (Last edit: 7/26/2016)</a:t>
             </a:r>
             <a:endParaRPr lang="en-US"/>
           </a:p>
@@ -3562,9 +3646,9 @@
           <a:bodyPr/>
           <a:lstStyle/>
           <a:p>
-            <a:fld id="{305B0AC6-3446-034C-AC71-AAAF263EC69F}" type="datetime1">
-              <a:rPr lang="en-US" smtClean="0"/>
-              <a:t>7/19/16</a:t>
+            <a:fld id="{2F164C2F-CF2F-8D49-9730-279D575D6EF4}" type="datetime1">
+              <a:rPr lang="en-US" smtClean="0"/>
+              <a:t>7/26/16</a:t>
             </a:fld>
             <a:endParaRPr lang="en-US"/>
           </a:p>
@@ -3587,7 +3671,7 @@
           <a:p>
             <a:r>
               <a:rPr lang="en-US" smtClean="0"/>
-              <a:t>© EV3Lessons.com, 2016, (Last edit: 7/04/2016)</a:t>
+              <a:t>© EV3Lessons.com, 2016, (Last edit: 7/26/2016)</a:t>
             </a:r>
             <a:endParaRPr lang="en-US"/>
           </a:p>
@@ -3838,9 +3922,9 @@
           <a:bodyPr/>
           <a:lstStyle/>
           <a:p>
-            <a:fld id="{7C7B0225-8752-564D-91D0-3CAA192F1D5D}" type="datetime1">
-              <a:rPr lang="en-US" smtClean="0"/>
-              <a:t>7/19/16</a:t>
+            <a:fld id="{F6BEDEB7-093F-3145-914C-BFCD1032C9B5}" type="datetime1">
+              <a:rPr lang="en-US" smtClean="0"/>
+              <a:t>7/26/16</a:t>
             </a:fld>
             <a:endParaRPr lang="en-US"/>
           </a:p>
@@ -3863,7 +3947,7 @@
           <a:p>
             <a:r>
               <a:rPr lang="en-US" smtClean="0"/>
-              <a:t>© EV3Lessons.com, 2016, (Last edit: 7/04/2016)</a:t>
+              <a:t>© EV3Lessons.com, 2016, (Last edit: 7/26/2016)</a:t>
             </a:r>
             <a:endParaRPr lang="en-US"/>
           </a:p>
@@ -4012,9 +4096,9 @@
           <a:bodyPr/>
           <a:lstStyle/>
           <a:p>
-            <a:fld id="{0FE9D2F1-1454-DC49-880E-D3AD9E72360F}" type="datetime1">
-              <a:rPr lang="en-US" smtClean="0"/>
-              <a:t>7/19/16</a:t>
+            <a:fld id="{7024651B-78BF-264C-99D5-7D13BA71184C}" type="datetime1">
+              <a:rPr lang="en-US" smtClean="0"/>
+              <a:t>7/26/16</a:t>
             </a:fld>
             <a:endParaRPr lang="en-US"/>
           </a:p>
@@ -4037,7 +4121,7 @@
           <a:p>
             <a:r>
               <a:rPr lang="en-US" smtClean="0"/>
-              <a:t>© EV3Lessons.com, 2016, (Last edit: 7/04/2016)</a:t>
+              <a:t>© EV3Lessons.com, 2016, (Last edit: 7/26/2016)</a:t>
             </a:r>
             <a:endParaRPr lang="en-US"/>
           </a:p>
@@ -4196,9 +4280,9 @@
           <a:bodyPr/>
           <a:lstStyle/>
           <a:p>
-            <a:fld id="{FF628EDF-D75E-9648-A22C-C5829CD52CFB}" type="datetime1">
-              <a:rPr lang="en-US" smtClean="0"/>
-              <a:t>7/19/16</a:t>
+            <a:fld id="{6C840F25-7E4A-9547-A239-7D2C39C8BA83}" type="datetime1">
+              <a:rPr lang="en-US" smtClean="0"/>
+              <a:t>7/26/16</a:t>
             </a:fld>
             <a:endParaRPr lang="en-US"/>
           </a:p>
@@ -4221,7 +4305,7 @@
           <a:p>
             <a:r>
               <a:rPr lang="en-US" smtClean="0"/>
-              <a:t>© EV3Lessons.com, 2016, (Last edit: 7/04/2016)</a:t>
+              <a:t>© EV3Lessons.com, 2016, (Last edit: 7/26/2016)</a:t>
             </a:r>
             <a:endParaRPr lang="en-US"/>
           </a:p>
@@ -4454,9 +4538,9 @@
           <a:bodyPr/>
           <a:lstStyle/>
           <a:p>
-            <a:fld id="{053A68E7-86AE-B94C-8CDD-D880EDD55491}" type="datetime1">
-              <a:rPr lang="en-US" smtClean="0"/>
-              <a:t>7/19/16</a:t>
+            <a:fld id="{0C440D35-5944-1242-8AD2-54CB9F88DCD6}" type="datetime1">
+              <a:rPr lang="en-US" smtClean="0"/>
+              <a:t>7/26/16</a:t>
             </a:fld>
             <a:endParaRPr lang="en-US"/>
           </a:p>
@@ -4510,7 +4594,7 @@
           <a:p>
             <a:r>
               <a:rPr lang="en-US" smtClean="0"/>
-              <a:t>© EV3Lessons.com, 2016, (Last edit: 7/04/2016)</a:t>
+              <a:t>© EV3Lessons.com, 2016, (Last edit: 7/26/2016)</a:t>
             </a:r>
             <a:endParaRPr lang="en-US"/>
           </a:p>
@@ -4759,9 +4843,9 @@
           <a:bodyPr/>
           <a:lstStyle/>
           <a:p>
-            <a:fld id="{3FAFFF49-143A-4645-A51E-CB911277389F}" type="datetime1">
-              <a:rPr lang="en-US" smtClean="0"/>
-              <a:t>7/19/16</a:t>
+            <a:fld id="{4ECE6BFD-AD9A-8F49-9177-DBC967179F4C}" type="datetime1">
+              <a:rPr lang="en-US" smtClean="0"/>
+              <a:t>7/26/16</a:t>
             </a:fld>
             <a:endParaRPr lang="en-US"/>
           </a:p>
@@ -4784,7 +4868,7 @@
           <a:p>
             <a:r>
               <a:rPr lang="en-US" smtClean="0"/>
-              <a:t>© EV3Lessons.com, 2016, (Last edit: 7/04/2016)</a:t>
+              <a:t>© EV3Lessons.com, 2016, (Last edit: 7/26/2016)</a:t>
             </a:r>
             <a:endParaRPr lang="en-US"/>
           </a:p>
@@ -5222,9 +5306,9 @@
           <a:bodyPr/>
           <a:lstStyle/>
           <a:p>
-            <a:fld id="{B4979853-F90F-3E4C-81E3-44430E02C514}" type="datetime1">
-              <a:rPr lang="en-US" smtClean="0"/>
-              <a:t>7/19/16</a:t>
+            <a:fld id="{194C1C2A-38E9-D84B-9F49-E9BC372FC647}" type="datetime1">
+              <a:rPr lang="en-US" smtClean="0"/>
+              <a:t>7/26/16</a:t>
             </a:fld>
             <a:endParaRPr lang="en-US"/>
           </a:p>
@@ -5247,7 +5331,7 @@
           <a:p>
             <a:r>
               <a:rPr lang="en-US" smtClean="0"/>
-              <a:t>© EV3Lessons.com, 2016, (Last edit: 7/04/2016)</a:t>
+              <a:t>© EV3Lessons.com, 2016, (Last edit: 7/26/2016)</a:t>
             </a:r>
             <a:endParaRPr lang="en-US"/>
           </a:p>
@@ -5359,9 +5443,9 @@
           <a:bodyPr/>
           <a:lstStyle/>
           <a:p>
-            <a:fld id="{035AFEF4-1CB3-0B42-9488-1737F8947CCB}" type="datetime1">
-              <a:rPr lang="en-US" smtClean="0"/>
-              <a:t>7/19/16</a:t>
+            <a:fld id="{55658CD0-EB20-D248-A310-A97AFCAECA44}" type="datetime1">
+              <a:rPr lang="en-US" smtClean="0"/>
+              <a:t>7/26/16</a:t>
             </a:fld>
             <a:endParaRPr lang="en-US"/>
           </a:p>
@@ -5384,7 +5468,7 @@
           <a:p>
             <a:r>
               <a:rPr lang="en-US" smtClean="0"/>
-              <a:t>© EV3Lessons.com, 2016, (Last edit: 7/04/2016)</a:t>
+              <a:t>© EV3Lessons.com, 2016, (Last edit: 7/26/2016)</a:t>
             </a:r>
             <a:endParaRPr lang="en-US"/>
           </a:p>
@@ -5473,9 +5557,9 @@
           <a:bodyPr/>
           <a:lstStyle/>
           <a:p>
-            <a:fld id="{EA379F84-3529-9E43-9CE0-27FCAF146DEC}" type="datetime1">
-              <a:rPr lang="en-US" smtClean="0"/>
-              <a:t>7/19/16</a:t>
+            <a:fld id="{5BD46B12-2296-264F-AA90-88605EA6A220}" type="datetime1">
+              <a:rPr lang="en-US" smtClean="0"/>
+              <a:t>7/26/16</a:t>
             </a:fld>
             <a:endParaRPr lang="en-US"/>
           </a:p>
@@ -5498,7 +5582,7 @@
           <a:p>
             <a:r>
               <a:rPr lang="en-US" smtClean="0"/>
-              <a:t>© EV3Lessons.com, 2016, (Last edit: 7/04/2016)</a:t>
+              <a:t>© EV3Lessons.com, 2016, (Last edit: 7/26/2016)</a:t>
             </a:r>
             <a:endParaRPr lang="en-US"/>
           </a:p>
@@ -5732,9 +5816,9 @@
           <a:bodyPr/>
           <a:lstStyle/>
           <a:p>
-            <a:fld id="{7941E5C0-7A1C-CF46-813E-5688B577D40F}" type="datetime1">
-              <a:rPr lang="en-US" smtClean="0"/>
-              <a:t>7/19/16</a:t>
+            <a:fld id="{D5C0B56A-5E28-A144-83AC-55A603D0136C}" type="datetime1">
+              <a:rPr lang="en-US" smtClean="0"/>
+              <a:t>7/26/16</a:t>
             </a:fld>
             <a:endParaRPr lang="en-US"/>
           </a:p>
@@ -5757,7 +5841,7 @@
           <a:p>
             <a:r>
               <a:rPr lang="en-US" smtClean="0"/>
-              <a:t>© EV3Lessons.com, 2016, (Last edit: 7/04/2016)</a:t>
+              <a:t>© EV3Lessons.com, 2016, (Last edit: 7/26/2016)</a:t>
             </a:r>
             <a:endParaRPr lang="en-US"/>
           </a:p>
@@ -6043,9 +6127,9 @@
           <a:bodyPr/>
           <a:lstStyle/>
           <a:p>
-            <a:fld id="{BFA4DF06-EB1C-AA45-8F61-B383035F8826}" type="datetime1">
-              <a:rPr lang="en-US" smtClean="0"/>
-              <a:t>7/19/16</a:t>
+            <a:fld id="{C38CAB88-2F47-224D-A2B6-8BABE3AD154C}" type="datetime1">
+              <a:rPr lang="en-US" smtClean="0"/>
+              <a:t>7/26/16</a:t>
             </a:fld>
             <a:endParaRPr lang="en-US"/>
           </a:p>
@@ -6068,7 +6152,7 @@
           <a:p>
             <a:r>
               <a:rPr lang="en-US" smtClean="0"/>
-              <a:t>© EV3Lessons.com, 2016, (Last edit: 7/04/2016)</a:t>
+              <a:t>© EV3Lessons.com, 2016, (Last edit: 7/26/2016)</a:t>
             </a:r>
             <a:endParaRPr lang="en-US"/>
           </a:p>
@@ -6354,9 +6438,9 @@
             </a:lvl1pPr>
           </a:lstStyle>
           <a:p>
-            <a:fld id="{CC4ABEF4-6A55-BC42-99E2-09DD0B13F66C}" type="datetime1">
-              <a:rPr lang="en-US" smtClean="0"/>
-              <a:t>7/19/16</a:t>
+            <a:fld id="{127D35FA-12D4-364A-BDC9-22E311CBD480}" type="datetime1">
+              <a:rPr lang="en-US" smtClean="0"/>
+              <a:t>7/26/16</a:t>
             </a:fld>
             <a:endParaRPr lang="en-US"/>
           </a:p>
@@ -6395,7 +6479,7 @@
           <a:p>
             <a:r>
               <a:rPr lang="en-US" smtClean="0"/>
-              <a:t>© EV3Lessons.com, 2016, (Last edit: 7/04/2016)</a:t>
+              <a:t>© EV3Lessons.com, 2016, (Last edit: 7/26/2016)</a:t>
             </a:r>
             <a:endParaRPr lang="en-US"/>
           </a:p>
@@ -7140,9 +7224,9 @@
             </a:lvl1pPr>
           </a:lstStyle>
           <a:p>
-            <a:fld id="{A94CCF2C-3F06-1B4E-AF8F-CB63FD771C74}" type="datetime1">
-              <a:rPr lang="en-US" smtClean="0"/>
-              <a:t>7/19/16</a:t>
+            <a:fld id="{F7EC531C-CBE1-1F45-BF7C-8B49A3846760}" type="datetime1">
+              <a:rPr lang="en-US" smtClean="0"/>
+              <a:t>7/26/16</a:t>
             </a:fld>
             <a:endParaRPr lang="en-US"/>
           </a:p>
@@ -7183,7 +7267,7 @@
           <a:p>
             <a:r>
               <a:rPr lang="en-US" smtClean="0"/>
-              <a:t>© EV3Lessons.com, 2016, (Last edit: 7/04/2016)</a:t>
+              <a:t>© EV3Lessons.com, 2016, (Last edit: 7/26/2016)</a:t>
             </a:r>
             <a:endParaRPr lang="en-US"/>
           </a:p>
@@ -7735,7 +7819,7 @@
           <a:p>
             <a:r>
               <a:rPr lang="en-US" smtClean="0"/>
-              <a:t>© EV3Lessons.com, 2016, (Last edit: 7/04/2016)</a:t>
+              <a:t>© EV3Lessons.com, 2016, (Last edit: 7/26/2016)</a:t>
             </a:r>
             <a:endParaRPr lang="en-US"/>
           </a:p>
@@ -7841,29 +7925,40 @@
           <a:p>
             <a:r>
               <a:rPr lang="en-US" sz="2800" dirty="0" smtClean="0"/>
-              <a:t>How can we play two different tasks multiple times (even forever)</a:t>
-            </a:r>
-          </a:p>
-          <a:p>
-            <a:endParaRPr lang="en-US" sz="2800" dirty="0"/>
+              <a:t>Let’s say we want the robot to repeat an action over and over again.</a:t>
+            </a:r>
           </a:p>
           <a:p>
             <a:r>
               <a:rPr lang="en-US" sz="2800" dirty="0" smtClean="0"/>
-              <a:t>You could do this and copy the two blocks several times:</a:t>
-            </a:r>
-          </a:p>
-          <a:p>
-            <a:endParaRPr lang="en-US" sz="2800" dirty="0"/>
-          </a:p>
-          <a:p>
-            <a:endParaRPr lang="en-US" dirty="0" smtClean="0"/>
-          </a:p>
-          <a:p>
-            <a:endParaRPr lang="en-US" dirty="0" smtClean="0"/>
-          </a:p>
-          <a:p>
-            <a:pPr lvl="1"/>
+              <a:t>Would you just copy the block multiple times?</a:t>
+            </a:r>
+          </a:p>
+          <a:p>
+            <a:r>
+              <a:rPr lang="en-US" sz="2800" dirty="0"/>
+              <a:t>	</a:t>
+            </a:r>
+            <a:r>
+              <a:rPr lang="en-US" sz="2800" dirty="0" smtClean="0"/>
+              <a:t>Sure, that could work!</a:t>
+            </a:r>
+          </a:p>
+          <a:p>
+            <a:r>
+              <a:rPr lang="en-US" sz="2800" dirty="0" smtClean="0"/>
+              <a:t>What if I want to repeat that block forever? </a:t>
+            </a:r>
+          </a:p>
+          <a:p>
+            <a:r>
+              <a:rPr lang="en-US" sz="2800" dirty="0"/>
+              <a:t>	</a:t>
+            </a:r>
+            <a:r>
+              <a:rPr lang="en-US" sz="2800" dirty="0" smtClean="0"/>
+              <a:t>Now what?</a:t>
+            </a:r>
             <a:endParaRPr lang="en-US" dirty="0"/>
           </a:p>
         </p:txBody>
@@ -7885,7 +7980,7 @@
           <a:p>
             <a:r>
               <a:rPr lang="en-US" smtClean="0"/>
-              <a:t>© EV3Lessons.com, 2016, (Last edit: 7/04/2016)</a:t>
+              <a:t>© EV3Lessons.com, 2016, (Last edit: 7/26/2016)</a:t>
             </a:r>
             <a:endParaRPr lang="en-US"/>
           </a:p>
@@ -7911,131 +8006,6 @@
               <a:t>3</a:t>
             </a:fld>
             <a:endParaRPr lang="en-US"/>
-          </a:p>
-        </p:txBody>
-      </p:sp>
-      <p:pic>
-        <p:nvPicPr>
-          <p:cNvPr id="5" name="Picture 4" descr="images.jpg"/>
-          <p:cNvPicPr>
-            <a:picLocks noChangeAspect="1"/>
-          </p:cNvPicPr>
-          <p:nvPr/>
-        </p:nvPicPr>
-        <p:blipFill>
-          <a:blip r:embed="rId2">
-            <a:extLst>
-              <a:ext uri="{BEBA8EAE-BF5A-486C-A8C5-ECC9F3942E4B}">
-                <a14:imgProps xmlns:a14="http://schemas.microsoft.com/office/drawing/2010/main">
-                  <a14:imgLayer r:embed="rId3">
-                    <a14:imgEffect>
-                      <a14:backgroundRemoval t="4372" b="98087" l="0" r="100000">
-                        <a14:backgroundMark x1="74545" y1="44536" x2="74545" y2="44536"/>
-                        <a14:backgroundMark x1="81273" y1="48087" x2="81273" y2="48087"/>
-                        <a14:backgroundMark x1="61636" y1="42350" x2="61636" y2="42350"/>
-                        <a14:backgroundMark x1="57455" y1="42896" x2="57455" y2="42896"/>
-                      </a14:backgroundRemoval>
-                    </a14:imgEffect>
-                  </a14:imgLayer>
-                </a14:imgProps>
-              </a:ext>
-              <a:ext uri="{28A0092B-C50C-407E-A947-70E740481C1C}">
-                <a14:useLocalDpi xmlns:a14="http://schemas.microsoft.com/office/drawing/2010/main" val="0"/>
-              </a:ext>
-            </a:extLst>
-          </a:blip>
-          <a:stretch>
-            <a:fillRect/>
-          </a:stretch>
-        </p:blipFill>
-        <p:spPr>
-          <a:xfrm>
-            <a:off x="6500657" y="5949856"/>
-            <a:ext cx="1546040" cy="926818"/>
-          </a:xfrm>
-          <a:prstGeom prst="rect">
-            <a:avLst/>
-          </a:prstGeom>
-        </p:spPr>
-      </p:pic>
-      <p:sp>
-        <p:nvSpPr>
-          <p:cNvPr id="4" name="TextBox 3"/>
-          <p:cNvSpPr txBox="1"/>
-          <p:nvPr/>
-        </p:nvSpPr>
-        <p:spPr>
-          <a:xfrm>
-            <a:off x="316078" y="4732176"/>
-            <a:ext cx="8272751" cy="1323439"/>
-          </a:xfrm>
-          <a:prstGeom prst="rect">
-            <a:avLst/>
-          </a:prstGeom>
-          <a:noFill/>
-        </p:spPr>
-        <p:txBody>
-          <a:bodyPr wrap="square" rtlCol="0">
-            <a:spAutoFit/>
-          </a:bodyPr>
-          <a:lstStyle/>
-          <a:p>
-            <a:r>
-              <a:rPr lang="en-US" sz="2400" dirty="0" smtClean="0"/>
-              <a:t>But this will not work for running the two blocks forever</a:t>
-            </a:r>
-          </a:p>
-          <a:p>
-            <a:endParaRPr lang="en-US" sz="2400" dirty="0">
-              <a:solidFill>
-                <a:srgbClr val="FF0000"/>
-              </a:solidFill>
-            </a:endParaRPr>
-          </a:p>
-          <a:p>
-            <a:r>
-              <a:rPr lang="en-US" sz="3200" dirty="0" smtClean="0">
-                <a:solidFill>
-                  <a:srgbClr val="FF0000"/>
-                </a:solidFill>
-              </a:rPr>
-              <a:t>Is there a way to accomplish our goal?</a:t>
-            </a:r>
-            <a:endParaRPr lang="en-US" sz="3200" dirty="0">
-              <a:solidFill>
-                <a:srgbClr val="FF0000"/>
-              </a:solidFill>
-            </a:endParaRPr>
-          </a:p>
-        </p:txBody>
-      </p:sp>
-      <p:sp>
-        <p:nvSpPr>
-          <p:cNvPr id="10" name="TextBox 9"/>
-          <p:cNvSpPr txBox="1"/>
-          <p:nvPr/>
-        </p:nvSpPr>
-        <p:spPr>
-          <a:xfrm>
-            <a:off x="5988107" y="6315442"/>
-            <a:ext cx="659293" cy="369332"/>
-          </a:xfrm>
-          <a:prstGeom prst="rect">
-            <a:avLst/>
-          </a:prstGeom>
-          <a:noFill/>
-        </p:spPr>
-        <p:txBody>
-          <a:bodyPr wrap="none" rtlCol="0">
-            <a:spAutoFit/>
-          </a:bodyPr>
-          <a:lstStyle/>
-          <a:p>
-            <a:r>
-              <a:rPr lang="en-US" dirty="0" smtClean="0"/>
-              <a:t>Hint:</a:t>
-            </a:r>
-            <a:endParaRPr lang="en-US" dirty="0"/>
           </a:p>
         </p:txBody>
       </p:sp>
@@ -8410,36 +8380,6 @@
           </p:txBody>
         </p:sp>
       </p:grpSp>
-      <p:pic>
-        <p:nvPicPr>
-          <p:cNvPr id="11" name="Picture 10"/>
-          <p:cNvPicPr>
-            <a:picLocks noChangeAspect="1"/>
-          </p:cNvPicPr>
-          <p:nvPr/>
-        </p:nvPicPr>
-        <p:blipFill>
-          <a:blip r:embed="rId4">
-            <a:extLst>
-              <a:ext uri="{28A0092B-C50C-407E-A947-70E740481C1C}">
-                <a14:useLocalDpi xmlns:a14="http://schemas.microsoft.com/office/drawing/2010/main" val="0"/>
-              </a:ext>
-            </a:extLst>
-          </a:blip>
-          <a:stretch>
-            <a:fillRect/>
-          </a:stretch>
-        </p:blipFill>
-        <p:spPr>
-          <a:xfrm>
-            <a:off x="179160" y="3483376"/>
-            <a:ext cx="8523514" cy="1081414"/>
-          </a:xfrm>
-          <a:prstGeom prst="rect">
-            <a:avLst/>
-          </a:prstGeom>
-        </p:spPr>
-      </p:pic>
     </p:spTree>
     <p:extLst>
       <p:ext uri="{BB962C8B-B14F-4D97-AF65-F5344CB8AC3E}">
@@ -8499,7 +8439,7 @@
         </p:blipFill>
         <p:spPr>
           <a:xfrm>
-            <a:off x="6139542" y="2011091"/>
+            <a:off x="6106885" y="1336176"/>
             <a:ext cx="2212951" cy="2101798"/>
           </a:xfrm>
           <a:prstGeom prst="rect">
@@ -8543,7 +8483,7 @@
         <p:spPr>
           <a:xfrm>
             <a:off x="457200" y="1600199"/>
-            <a:ext cx="8121818" cy="5025381"/>
+            <a:ext cx="5094514" cy="5025381"/>
           </a:xfrm>
         </p:spPr>
         <p:txBody>
@@ -8554,19 +8494,51 @@
           <a:p>
             <a:r>
               <a:rPr lang="en-US" dirty="0" smtClean="0"/>
-              <a:t>Loops make repeating a task multiple times easy</a:t>
-            </a:r>
+              <a:t>Loops make repeating a task multiple times </a:t>
+            </a:r>
+            <a:r>
+              <a:rPr lang="en-US" dirty="0" smtClean="0"/>
+              <a:t>easy</a:t>
+            </a:r>
+          </a:p>
+          <a:p>
+            <a:r>
+              <a:rPr lang="en-US" dirty="0" smtClean="0"/>
+              <a:t>The added benefit is that </a:t>
+            </a:r>
+            <a:r>
+              <a:rPr lang="en-US" dirty="0" smtClean="0"/>
+              <a:t>a </a:t>
+            </a:r>
+            <a:r>
+              <a:rPr lang="en-US" dirty="0" smtClean="0"/>
+              <a:t>loop </a:t>
+            </a:r>
+            <a:r>
+              <a:rPr lang="en-US" dirty="0" smtClean="0"/>
+              <a:t>can end </a:t>
+            </a:r>
+            <a:r>
+              <a:rPr lang="en-US" dirty="0" smtClean="0"/>
+              <a:t>whenever you </a:t>
+            </a:r>
+            <a:r>
+              <a:rPr lang="en-US" dirty="0" smtClean="0"/>
+              <a:t>want (a specific number of times, run forever, a specific condition, </a:t>
+            </a:r>
+            <a:r>
+              <a:rPr lang="en-US" dirty="0" err="1" smtClean="0"/>
+              <a:t>etc</a:t>
+            </a:r>
+            <a:r>
+              <a:rPr lang="en-US" dirty="0" smtClean="0"/>
+              <a:t>)</a:t>
+            </a:r>
+            <a:endParaRPr lang="en-US" dirty="0" smtClean="0"/>
           </a:p>
           <a:p>
             <a:pPr lvl="1"/>
-            <a:r>
-              <a:rPr lang="en-US" dirty="0" smtClean="0"/>
-              <a:t>You can have a loop end whenever you want</a:t>
-            </a:r>
-          </a:p>
-          <a:p>
-            <a:pPr lvl="1"/>
-            <a:endParaRPr lang="en-US"/>
+            <a:endParaRPr lang="en-US" dirty="0"/>
           </a:p>
           <a:p>
             <a:pPr lvl="1"/>
@@ -8615,7 +8587,7 @@
           <a:p>
             <a:r>
               <a:rPr lang="en-US" smtClean="0"/>
-              <a:t>© EV3Lessons.com, 2016, (Last edit: 7/04/2016)</a:t>
+              <a:t>© EV3Lessons.com, 2016, (Last edit: 7/26/2016)</a:t>
             </a:r>
             <a:endParaRPr lang="en-US"/>
           </a:p>
@@ -8644,50 +8616,6 @@
           </a:p>
         </p:txBody>
       </p:sp>
-      <p:pic>
-        <p:nvPicPr>
-          <p:cNvPr id="5" name="Picture 4" descr="images.jpg"/>
-          <p:cNvPicPr>
-            <a:picLocks noChangeAspect="1"/>
-          </p:cNvPicPr>
-          <p:nvPr/>
-        </p:nvPicPr>
-        <p:blipFill>
-          <a:blip r:embed="rId3">
-            <a:extLst>
-              <a:ext uri="{BEBA8EAE-BF5A-486C-A8C5-ECC9F3942E4B}">
-                <a14:imgProps xmlns:a14="http://schemas.microsoft.com/office/drawing/2010/main">
-                  <a14:imgLayer r:embed="rId4">
-                    <a14:imgEffect>
-                      <a14:backgroundRemoval t="4372" b="98087" l="0" r="100000">
-                        <a14:backgroundMark x1="74545" y1="44536" x2="74545" y2="44536"/>
-                        <a14:backgroundMark x1="81273" y1="48087" x2="81273" y2="48087"/>
-                        <a14:backgroundMark x1="61636" y1="42350" x2="61636" y2="42350"/>
-                        <a14:backgroundMark x1="57455" y1="42896" x2="57455" y2="42896"/>
-                      </a14:backgroundRemoval>
-                    </a14:imgEffect>
-                  </a14:imgLayer>
-                </a14:imgProps>
-              </a:ext>
-              <a:ext uri="{28A0092B-C50C-407E-A947-70E740481C1C}">
-                <a14:useLocalDpi xmlns:a14="http://schemas.microsoft.com/office/drawing/2010/main" val="0"/>
-              </a:ext>
-            </a:extLst>
-          </a:blip>
-          <a:stretch>
-            <a:fillRect/>
-          </a:stretch>
-        </p:blipFill>
-        <p:spPr>
-          <a:xfrm>
-            <a:off x="2461013" y="-215123"/>
-            <a:ext cx="2000335" cy="1331132"/>
-          </a:xfrm>
-          <a:prstGeom prst="rect">
-            <a:avLst/>
-          </a:prstGeom>
-        </p:spPr>
-      </p:pic>
       <p:pic>
         <p:nvPicPr>
           <p:cNvPr id="9" name="Picture 8" descr="Screen Shot 2014-08-07 at 12.27.34 PM.png"/>
@@ -8697,7 +8625,7 @@
           <p:nvPr/>
         </p:nvPicPr>
         <p:blipFill>
-          <a:blip r:embed="rId5">
+          <a:blip r:embed="rId3">
             <a:extLst>
               <a:ext uri="{28A0092B-C50C-407E-A947-70E740481C1C}">
                 <a14:useLocalDpi xmlns:a14="http://schemas.microsoft.com/office/drawing/2010/main" val="0"/>
@@ -8726,7 +8654,7 @@
         </p:nvGrpSpPr>
         <p:grpSpPr>
           <a:xfrm>
-            <a:off x="6760029" y="3599186"/>
+            <a:off x="6727372" y="2924271"/>
             <a:ext cx="1635609" cy="3177534"/>
             <a:chOff x="4880429" y="372201"/>
             <a:chExt cx="2476500" cy="5514615"/>
@@ -8741,7 +8669,7 @@
             <p:nvPr/>
           </p:nvPicPr>
           <p:blipFill rotWithShape="1">
-            <a:blip r:embed="rId6">
+            <a:blip r:embed="rId4">
               <a:extLst>
                 <a:ext uri="{28A0092B-C50C-407E-A947-70E740481C1C}">
                   <a14:useLocalDpi xmlns:a14="http://schemas.microsoft.com/office/drawing/2010/main" val="0"/>
@@ -8770,7 +8698,7 @@
             <p:nvPr/>
           </p:nvPicPr>
           <p:blipFill rotWithShape="1">
-            <a:blip r:embed="rId6">
+            <a:blip r:embed="rId4">
               <a:extLst>
                 <a:ext uri="{28A0092B-C50C-407E-A947-70E740481C1C}">
                   <a14:useLocalDpi xmlns:a14="http://schemas.microsoft.com/office/drawing/2010/main" val="0"/>
@@ -8850,7 +8778,7 @@
         </p:blipFill>
         <p:spPr>
           <a:xfrm>
-            <a:off x="162321" y="4576713"/>
+            <a:off x="271180" y="3716741"/>
             <a:ext cx="8540353" cy="1355612"/>
           </a:xfrm>
           <a:prstGeom prst="rect">
@@ -8891,9 +8819,16 @@
             <p:ph idx="1"/>
           </p:nvPr>
         </p:nvSpPr>
-        <p:spPr/>
-        <p:txBody>
-          <a:bodyPr/>
+        <p:spPr>
+          <a:xfrm>
+            <a:off x="457200" y="1306285"/>
+            <a:ext cx="8245474" cy="4373563"/>
+          </a:xfrm>
+        </p:spPr>
+        <p:txBody>
+          <a:bodyPr>
+            <a:normAutofit fontScale="92500" lnSpcReduction="10000"/>
+          </a:bodyPr>
           <a:lstStyle/>
           <a:p>
             <a:r>
@@ -8964,7 +8899,7 @@
                   <a:srgbClr val="FF0000"/>
                 </a:solidFill>
               </a:rPr>
-              <a:t>The code should be an improvement on the code below (needs to use loops):</a:t>
+              <a:t>The simple way is to code it like this:</a:t>
             </a:r>
           </a:p>
           <a:p>
@@ -8974,6 +8909,42 @@
               </a:solidFill>
             </a:endParaRPr>
           </a:p>
+          <a:p>
+            <a:endParaRPr lang="en-US" dirty="0" smtClean="0">
+              <a:solidFill>
+                <a:srgbClr val="FF0000"/>
+              </a:solidFill>
+            </a:endParaRPr>
+          </a:p>
+          <a:p>
+            <a:endParaRPr lang="en-US" dirty="0">
+              <a:solidFill>
+                <a:srgbClr val="FF0000"/>
+              </a:solidFill>
+            </a:endParaRPr>
+          </a:p>
+          <a:p>
+            <a:endParaRPr lang="en-US" dirty="0" smtClean="0">
+              <a:solidFill>
+                <a:srgbClr val="FF0000"/>
+              </a:solidFill>
+            </a:endParaRPr>
+          </a:p>
+          <a:p>
+            <a:r>
+              <a:rPr lang="en-US" dirty="0" smtClean="0">
+                <a:solidFill>
+                  <a:srgbClr val="FF0000"/>
+                </a:solidFill>
+              </a:rPr>
+              <a:t>Use a loop to improve the code</a:t>
+            </a:r>
+            <a:endParaRPr lang="en-US" dirty="0">
+              <a:solidFill>
+                <a:srgbClr val="FF0000"/>
+              </a:solidFill>
+            </a:endParaRPr>
+          </a:p>
         </p:txBody>
       </p:sp>
       <p:sp>
@@ -8993,7 +8964,7 @@
           <a:p>
             <a:r>
               <a:rPr lang="en-US" smtClean="0"/>
-              <a:t>© EV3Lessons.com, 2016, (Last edit: 7/04/2016)</a:t>
+              <a:t>© EV3Lessons.com, 2016, (Last edit: 7/26/2016)</a:t>
             </a:r>
             <a:endParaRPr lang="en-US"/>
           </a:p>
@@ -9030,7 +9001,7 @@
         </p:nvGrpSpPr>
         <p:grpSpPr>
           <a:xfrm>
-            <a:off x="3254828" y="2369021"/>
+            <a:off x="3254828" y="1922706"/>
             <a:ext cx="1494707" cy="1226337"/>
             <a:chOff x="3886200" y="3370870"/>
             <a:chExt cx="1494707" cy="1226337"/>
@@ -9478,7 +9449,7 @@
           <a:p>
             <a:r>
               <a:rPr lang="en-US" smtClean="0"/>
-              <a:t>© EV3Lessons.com, 2016, (Last edit: 7/04/2016)</a:t>
+              <a:t>© EV3Lessons.com, 2016, (Last edit: 7/26/2016)</a:t>
             </a:r>
             <a:endParaRPr lang="en-US"/>
           </a:p>
@@ -9785,7 +9756,7 @@
           <a:p>
             <a:r>
               <a:rPr lang="en-US" smtClean="0"/>
-              <a:t>© EV3Lessons.com, 2016, (Last edit: 7/04/2016)</a:t>
+              <a:t>© EV3Lessons.com, 2016, (Last edit: 7/26/2016)</a:t>
             </a:r>
             <a:endParaRPr lang="en-US" dirty="0"/>
           </a:p>
@@ -9839,7 +9810,7 @@
           <a:effectLst/>
           <a:extLst>
             <a:ext uri="{91240B29-F687-4f45-9708-019B960494DF}">
-              <a14:hiddenLine xmlns:a14="http://schemas.microsoft.com/office/drawing/2010/main" xmlns="" w="9525">
+              <a14:hiddenLine xmlns="" xmlns:a14="http://schemas.microsoft.com/office/drawing/2010/main" w="9525">
                 <a:solidFill>
                   <a:schemeClr val="tx1"/>
                 </a:solidFill>
@@ -9849,7 +9820,7 @@
               </a14:hiddenLine>
             </a:ext>
             <a:ext uri="{AF507438-7753-43e0-B8FC-AC1667EBCBE1}">
-              <a14:hiddenEffects xmlns:a14="http://schemas.microsoft.com/office/drawing/2010/main" xmlns="">
+              <a14:hiddenEffects xmlns="" xmlns:a14="http://schemas.microsoft.com/office/drawing/2010/main">
                 <a:effectLst>
                   <a:outerShdw dist="35921" dir="2700000" algn="ctr" rotWithShape="0">
                     <a:schemeClr val="bg2"/>
@@ -10202,7 +10173,7 @@
           <a:noFill/>
           <a:extLst>
             <a:ext uri="{909E8E84-426E-40dd-AFC4-6F175D3DCCD1}">
-              <a14:hiddenFill xmlns:a14="http://schemas.microsoft.com/office/drawing/2010/main" xmlns="">
+              <a14:hiddenFill xmlns="" xmlns:a14="http://schemas.microsoft.com/office/drawing/2010/main">
                 <a:solidFill>
                   <a:srgbClr val="FFFFFF"/>
                 </a:solidFill>
